--- a/slides/extend_mission.pptx
+++ b/slides/extend_mission.pptx
@@ -9,9 +9,10 @@
     <p:sldId id="258" r:id="rId6"/>
     <p:sldId id="259" r:id="rId7"/>
     <p:sldId id="257" r:id="rId8"/>
-    <p:sldId id="260" r:id="rId9"/>
-    <p:sldId id="261" r:id="rId10"/>
-    <p:sldId id="262" r:id="rId11"/>
+    <p:sldId id="263" r:id="rId9"/>
+    <p:sldId id="265" r:id="rId10"/>
+    <p:sldId id="260" r:id="rId11"/>
+    <p:sldId id="261" r:id="rId12"/>
   </p:sldIdLst>
   <p:sldSz cx="12192000" cy="6858000"/>
   <p:notesSz cx="6858000" cy="9144000"/>
@@ -326,7 +327,7 @@
           <a:p>
             <a:fld id="{2652C3B6-4770-45DA-B94A-89F7898D3BDA}" type="datetimeFigureOut">
               <a:rPr lang="en-US" smtClean="0"/>
-              <a:t>5/18/2021</a:t>
+              <a:t>5/26/2021</a:t>
             </a:fld>
             <a:endParaRPr lang="en-US"/>
           </a:p>
@@ -664,7 +665,7 @@
           <a:p>
             <a:fld id="{2652C3B6-4770-45DA-B94A-89F7898D3BDA}" type="datetimeFigureOut">
               <a:rPr lang="en-US" smtClean="0"/>
-              <a:t>5/18/2021</a:t>
+              <a:t>5/26/2021</a:t>
             </a:fld>
             <a:endParaRPr lang="en-US"/>
           </a:p>
@@ -1065,7 +1066,7 @@
           <a:p>
             <a:fld id="{2652C3B6-4770-45DA-B94A-89F7898D3BDA}" type="datetimeFigureOut">
               <a:rPr lang="en-US" smtClean="0"/>
-              <a:t>5/18/2021</a:t>
+              <a:t>5/26/2021</a:t>
             </a:fld>
             <a:endParaRPr lang="en-US"/>
           </a:p>
@@ -1401,7 +1402,7 @@
           <a:p>
             <a:fld id="{2652C3B6-4770-45DA-B94A-89F7898D3BDA}" type="datetimeFigureOut">
               <a:rPr lang="en-US" smtClean="0"/>
-              <a:t>5/18/2021</a:t>
+              <a:t>5/26/2021</a:t>
             </a:fld>
             <a:endParaRPr lang="en-US"/>
           </a:p>
@@ -1721,7 +1722,7 @@
           <a:p>
             <a:fld id="{2652C3B6-4770-45DA-B94A-89F7898D3BDA}" type="datetimeFigureOut">
               <a:rPr lang="en-US" smtClean="0"/>
-              <a:t>5/18/2021</a:t>
+              <a:t>5/26/2021</a:t>
             </a:fld>
             <a:endParaRPr lang="en-US"/>
           </a:p>
@@ -2117,7 +2118,7 @@
           <a:p>
             <a:fld id="{2652C3B6-4770-45DA-B94A-89F7898D3BDA}" type="datetimeFigureOut">
               <a:rPr lang="en-US" smtClean="0"/>
-              <a:t>5/18/2021</a:t>
+              <a:t>5/26/2021</a:t>
             </a:fld>
             <a:endParaRPr lang="en-US"/>
           </a:p>
@@ -2374,7 +2375,7 @@
           <a:p>
             <a:fld id="{2652C3B6-4770-45DA-B94A-89F7898D3BDA}" type="datetimeFigureOut">
               <a:rPr lang="en-US" smtClean="0"/>
-              <a:t>5/18/2021</a:t>
+              <a:t>5/26/2021</a:t>
             </a:fld>
             <a:endParaRPr lang="en-US"/>
           </a:p>
@@ -2636,7 +2637,7 @@
           <a:p>
             <a:fld id="{2652C3B6-4770-45DA-B94A-89F7898D3BDA}" type="datetimeFigureOut">
               <a:rPr lang="en-US" smtClean="0"/>
-              <a:t>5/18/2021</a:t>
+              <a:t>5/26/2021</a:t>
             </a:fld>
             <a:endParaRPr lang="en-US"/>
           </a:p>
@@ -2898,7 +2899,7 @@
           <a:p>
             <a:fld id="{2652C3B6-4770-45DA-B94A-89F7898D3BDA}" type="datetimeFigureOut">
               <a:rPr lang="en-US" smtClean="0"/>
-              <a:t>5/18/2021</a:t>
+              <a:t>5/26/2021</a:t>
             </a:fld>
             <a:endParaRPr lang="en-US"/>
           </a:p>
@@ -3227,7 +3228,7 @@
           <a:p>
             <a:fld id="{2652C3B6-4770-45DA-B94A-89F7898D3BDA}" type="datetimeFigureOut">
               <a:rPr lang="en-US" smtClean="0"/>
-              <a:t>5/18/2021</a:t>
+              <a:t>5/26/2021</a:t>
             </a:fld>
             <a:endParaRPr lang="en-US"/>
           </a:p>
@@ -3550,7 +3551,7 @@
           <a:p>
             <a:fld id="{2652C3B6-4770-45DA-B94A-89F7898D3BDA}" type="datetimeFigureOut">
               <a:rPr lang="en-US" smtClean="0"/>
-              <a:t>5/18/2021</a:t>
+              <a:t>5/26/2021</a:t>
             </a:fld>
             <a:endParaRPr lang="en-US"/>
           </a:p>
@@ -4007,7 +4008,7 @@
           <a:p>
             <a:fld id="{2652C3B6-4770-45DA-B94A-89F7898D3BDA}" type="datetimeFigureOut">
               <a:rPr lang="en-US" smtClean="0"/>
-              <a:t>5/18/2021</a:t>
+              <a:t>5/26/2021</a:t>
             </a:fld>
             <a:endParaRPr lang="en-US"/>
           </a:p>
@@ -4212,7 +4213,7 @@
           <a:p>
             <a:fld id="{2652C3B6-4770-45DA-B94A-89F7898D3BDA}" type="datetimeFigureOut">
               <a:rPr lang="en-US" smtClean="0"/>
-              <a:t>5/18/2021</a:t>
+              <a:t>5/26/2021</a:t>
             </a:fld>
             <a:endParaRPr lang="en-US"/>
           </a:p>
@@ -4389,7 +4390,7 @@
           <a:p>
             <a:fld id="{2652C3B6-4770-45DA-B94A-89F7898D3BDA}" type="datetimeFigureOut">
               <a:rPr lang="en-US" smtClean="0"/>
-              <a:t>5/18/2021</a:t>
+              <a:t>5/26/2021</a:t>
             </a:fld>
             <a:endParaRPr lang="en-US"/>
           </a:p>
@@ -4722,7 +4723,7 @@
           <a:p>
             <a:fld id="{2652C3B6-4770-45DA-B94A-89F7898D3BDA}" type="datetimeFigureOut">
               <a:rPr lang="en-US" smtClean="0"/>
-              <a:t>5/18/2021</a:t>
+              <a:t>5/26/2021</a:t>
             </a:fld>
             <a:endParaRPr lang="en-US"/>
           </a:p>
@@ -5067,7 +5068,7 @@
           <a:p>
             <a:fld id="{2652C3B6-4770-45DA-B94A-89F7898D3BDA}" type="datetimeFigureOut">
               <a:rPr lang="en-US" smtClean="0"/>
-              <a:t>5/18/2021</a:t>
+              <a:t>5/26/2021</a:t>
             </a:fld>
             <a:endParaRPr lang="en-US"/>
           </a:p>
@@ -7184,7 +7185,7 @@
           <a:p>
             <a:fld id="{2652C3B6-4770-45DA-B94A-89F7898D3BDA}" type="datetimeFigureOut">
               <a:rPr lang="en-US" smtClean="0"/>
-              <a:t>5/18/2021</a:t>
+              <a:t>5/26/2021</a:t>
             </a:fld>
             <a:endParaRPr lang="en-US"/>
           </a:p>
@@ -7744,7 +7745,7 @@
             </a:r>
             <a:r>
               <a:rPr lang="en-US" altLang="zh-CN" dirty="0"/>
-              <a:t> Status Check </a:t>
+              <a:t> State Check </a:t>
             </a:r>
             <a:r>
               <a:rPr lang="en-US" altLang="zh-CN" dirty="0">
@@ -7977,7 +7978,7 @@
         <p:spPr>
           <a:xfrm>
             <a:off x="4495876" y="1443841"/>
-            <a:ext cx="3443571" cy="3477875"/>
+            <a:ext cx="3563796" cy="3170099"/>
           </a:xfrm>
           <a:prstGeom prst="rect">
             <a:avLst/>
@@ -8089,7 +8090,7 @@
             </a:r>
             <a:r>
               <a:rPr lang="en-US" altLang="zh-CN" sz="2000" dirty="0" err="1"/>
-              <a:t>statusCheck</a:t>
+              <a:t>stateCheck</a:t>
             </a:r>
             <a:r>
               <a:rPr lang="en-US" altLang="zh-CN" sz="2000" dirty="0"/>
@@ -8111,27 +8112,22 @@
               </a:rPr>
               <a:t>string</a:t>
             </a:r>
-          </a:p>
-          <a:p>
             <a:r>
               <a:rPr lang="en-US" altLang="zh-CN" sz="2000" dirty="0"/>
-              <a:t>         interval:  </a:t>
-            </a:r>
-            <a:r>
-              <a:rPr lang="en-US" altLang="zh-CN" sz="2000" dirty="0">
-                <a:solidFill>
-                  <a:schemeClr val="accent6">
-                    <a:lumMod val="75000"/>
-                  </a:schemeClr>
-                </a:solidFill>
-              </a:rPr>
-              <a:t>int</a:t>
-            </a:r>
+              <a:t>         </a:t>
+            </a:r>
+            <a:endParaRPr lang="en-US" altLang="zh-CN" sz="2000" dirty="0">
+              <a:solidFill>
+                <a:schemeClr val="accent6">
+                  <a:lumMod val="75000"/>
+                </a:schemeClr>
+              </a:solidFill>
+            </a:endParaRPr>
           </a:p>
           <a:p>
             <a:r>
               <a:rPr lang="en-US" altLang="zh-CN" sz="2000" dirty="0"/>
-              <a:t>status: </a:t>
+              <a:t>state: </a:t>
             </a:r>
             <a:r>
               <a:rPr lang="en-US" altLang="zh-CN" sz="2000" dirty="0">
@@ -8177,7 +8173,7 @@
         <p:spPr>
           <a:xfrm>
             <a:off x="8462820" y="537667"/>
-            <a:ext cx="3376342" cy="1569660"/>
+            <a:ext cx="3376342" cy="1077218"/>
           </a:xfrm>
           <a:prstGeom prst="rect">
             <a:avLst/>
@@ -8212,17 +8208,56 @@
             </a:pPr>
             <a:r>
               <a:rPr lang="en-US" sz="1600" dirty="0"/>
-              <a:t>when empty, use the mission content deployment command( i.e., report the output of the mission content deployment command).</a:t>
-            </a:r>
-          </a:p>
-        </p:txBody>
-      </p:sp>
-      <p:sp>
-        <p:nvSpPr>
-          <p:cNvPr id="11" name="TextBox 10">
+              <a:t>when empty, use </a:t>
+            </a:r>
+            <a:br>
+              <a:rPr lang="en-US" sz="1600" dirty="0"/>
+            </a:br>
+            <a:r>
+              <a:rPr lang="en-US" sz="1600" dirty="0" err="1">
+                <a:solidFill>
+                  <a:srgbClr val="00B0F0"/>
+                </a:solidFill>
+                <a:latin typeface="Arial Nova Cond" panose="020B0506020202020204" pitchFamily="34" charset="0"/>
+              </a:rPr>
+              <a:t>kubectl</a:t>
+            </a:r>
+            <a:r>
+              <a:rPr lang="en-US" sz="1600" dirty="0">
+                <a:solidFill>
+                  <a:srgbClr val="00B0F0"/>
+                </a:solidFill>
+                <a:latin typeface="Arial Nova Cond" panose="020B0506020202020204" pitchFamily="34" charset="0"/>
+              </a:rPr>
+              <a:t> get [</a:t>
+            </a:r>
+            <a:r>
+              <a:rPr lang="en-US" sz="1600" dirty="0" err="1">
+                <a:solidFill>
+                  <a:srgbClr val="00B0F0"/>
+                </a:solidFill>
+                <a:latin typeface="Arial Nova Cond" panose="020B0506020202020204" pitchFamily="34" charset="0"/>
+              </a:rPr>
+              <a:t>resource_created_in_mission</a:t>
+            </a:r>
+            <a:r>
+              <a:rPr lang="en-US" sz="1600" dirty="0">
+                <a:solidFill>
+                  <a:srgbClr val="00B0F0"/>
+                </a:solidFill>
+                <a:latin typeface="Arial Nova Cond" panose="020B0506020202020204" pitchFamily="34" charset="0"/>
+              </a:rPr>
+              <a:t>]</a:t>
+            </a:r>
+          </a:p>
+        </p:txBody>
+      </p:sp>
+      <p:sp>
+        <p:nvSpPr>
+          <p:cNvPr id="12" name="TextBox 11">
             <a:extLst>
               <a:ext uri="{FF2B5EF4-FFF2-40B4-BE49-F238E27FC236}">
-                <a16:creationId xmlns:a16="http://schemas.microsoft.com/office/drawing/2014/main" id="{3EDE95F3-8752-4241-8339-D8F4B0ADCF3F}"/>
+                <a16:creationId xmlns:a16="http://schemas.microsoft.com/office/drawing/2014/main" id="{0CE8C58F-5388-4ED1-9C86-158B81D3267C}"/>
               </a:ext>
             </a:extLst>
           </p:cNvPr>
@@ -8231,8 +8266,8 @@
         </p:nvSpPr>
         <p:spPr>
           <a:xfrm>
-            <a:off x="8522313" y="2951787"/>
-            <a:ext cx="3201036" cy="1323439"/>
+            <a:off x="8582748" y="4965083"/>
+            <a:ext cx="3140601" cy="1077218"/>
           </a:xfrm>
           <a:prstGeom prst="rect">
             <a:avLst/>
@@ -8251,61 +8286,6 @@
           </a:bodyPr>
           <a:lstStyle/>
           <a:p>
-            <a:pPr marL="285750" indent="-285750">
-              <a:buFont typeface="Arial" panose="020B0604020202020204" pitchFamily="34" charset="0"/>
-              <a:buChar char="•"/>
-            </a:pPr>
-            <a:r>
-              <a:rPr lang="en-US" sz="1600" dirty="0"/>
-              <a:t>Default 0, checking only once after deployment command. </a:t>
-            </a:r>
-          </a:p>
-          <a:p>
-            <a:pPr marL="285750" indent="-285750">
-              <a:buFont typeface="Arial" panose="020B0604020202020204" pitchFamily="34" charset="0"/>
-              <a:buChar char="•"/>
-            </a:pPr>
-            <a:r>
-              <a:rPr lang="en-US" sz="1600" dirty="0"/>
-              <a:t>&gt; 0: periodical check. Interval between checks.</a:t>
-            </a:r>
-          </a:p>
-        </p:txBody>
-      </p:sp>
-      <p:sp>
-        <p:nvSpPr>
-          <p:cNvPr id="12" name="TextBox 11">
-            <a:extLst>
-              <a:ext uri="{FF2B5EF4-FFF2-40B4-BE49-F238E27FC236}">
-                <a16:creationId xmlns:a16="http://schemas.microsoft.com/office/drawing/2014/main" id="{0CE8C58F-5388-4ED1-9C86-158B81D3267C}"/>
-              </a:ext>
-            </a:extLst>
-          </p:cNvPr>
-          <p:cNvSpPr txBox="1"/>
-          <p:nvPr/>
-        </p:nvSpPr>
-        <p:spPr>
-          <a:xfrm>
-            <a:off x="8582748" y="4965083"/>
-            <a:ext cx="3140601" cy="1077218"/>
-          </a:xfrm>
-          <a:prstGeom prst="rect">
-            <a:avLst/>
-          </a:prstGeom>
-          <a:noFill/>
-          <a:ln>
-            <a:solidFill>
-              <a:schemeClr val="tx1"/>
-            </a:solidFill>
-            <a:prstDash val="lgDash"/>
-          </a:ln>
-        </p:spPr>
-        <p:txBody>
-          <a:bodyPr wrap="square" rtlCol="0">
-            <a:spAutoFit/>
-          </a:bodyPr>
-          <a:lstStyle/>
-          <a:p>
             <a:r>
               <a:rPr lang="en-US" sz="1600" dirty="0"/>
               <a:t>Aggregated status info, like:</a:t>
@@ -8313,30 +8293,33 @@
           </a:p>
           <a:p>
             <a:r>
-              <a:rPr lang="en-US" sz="1600" i="1" dirty="0">
+              <a:rPr lang="en-US" sz="1600" dirty="0">
                 <a:solidFill>
                   <a:srgbClr val="00B0F0"/>
                 </a:solidFill>
+                <a:latin typeface="Arial Nova Cond" panose="020B0506020202020204" pitchFamily="34" charset="0"/>
               </a:rPr>
               <a:t>    cluster1: succeeded</a:t>
             </a:r>
           </a:p>
           <a:p>
             <a:r>
-              <a:rPr lang="en-US" sz="1600" i="1" dirty="0">
+              <a:rPr lang="en-US" sz="1600" dirty="0">
                 <a:solidFill>
                   <a:srgbClr val="00B0F0"/>
                 </a:solidFill>
+                <a:latin typeface="Arial Nova Cond" panose="020B0506020202020204" pitchFamily="34" charset="0"/>
               </a:rPr>
               <a:t>    cluster2: failed</a:t>
             </a:r>
           </a:p>
           <a:p>
             <a:r>
-              <a:rPr lang="en-US" sz="1600" i="1" dirty="0">
+              <a:rPr lang="en-US" sz="1600" dirty="0">
                 <a:solidFill>
                   <a:srgbClr val="00B0F0"/>
                 </a:solidFill>
+                <a:latin typeface="Arial Nova Cond" panose="020B0506020202020204" pitchFamily="34" charset="0"/>
               </a:rPr>
               <a:t>    cluster3: succeeded</a:t>
             </a:r>
@@ -8361,50 +8344,6 @@
           <a:xfrm flipH="1">
             <a:off x="6807994" y="1677451"/>
             <a:ext cx="1654827" cy="1751549"/>
-          </a:xfrm>
-          <a:prstGeom prst="straightConnector1">
-            <a:avLst/>
-          </a:prstGeom>
-          <a:ln w="57150">
-            <a:solidFill>
-              <a:srgbClr val="C00000"/>
-            </a:solidFill>
-            <a:tailEnd type="triangle"/>
-          </a:ln>
-        </p:spPr>
-        <p:style>
-          <a:lnRef idx="1">
-            <a:schemeClr val="accent1"/>
-          </a:lnRef>
-          <a:fillRef idx="0">
-            <a:schemeClr val="accent1"/>
-          </a:fillRef>
-          <a:effectRef idx="0">
-            <a:schemeClr val="accent1"/>
-          </a:effectRef>
-          <a:fontRef idx="minor">
-            <a:schemeClr val="tx1"/>
-          </a:fontRef>
-        </p:style>
-      </p:cxnSp>
-      <p:cxnSp>
-        <p:nvCxnSpPr>
-          <p:cNvPr id="20" name="Straight Arrow Connector 19">
-            <a:extLst>
-              <a:ext uri="{FF2B5EF4-FFF2-40B4-BE49-F238E27FC236}">
-                <a16:creationId xmlns:a16="http://schemas.microsoft.com/office/drawing/2014/main" id="{677018AA-6960-4D0F-9924-693DC3D90DA4}"/>
-              </a:ext>
-            </a:extLst>
-          </p:cNvPr>
-          <p:cNvCxnSpPr>
-            <a:cxnSpLocks/>
-          </p:cNvCxnSpPr>
-          <p:nvPr/>
-        </p:nvCxnSpPr>
-        <p:spPr>
-          <a:xfrm flipH="1" flipV="1">
-            <a:off x="6600825" y="3814763"/>
-            <a:ext cx="1921489" cy="82473"/>
           </a:xfrm>
           <a:prstGeom prst="straightConnector1">
             <a:avLst/>
@@ -8447,8 +8386,8 @@
         </p:nvCxnSpPr>
         <p:spPr>
           <a:xfrm flipH="1" flipV="1">
-            <a:off x="7072519" y="4256586"/>
-            <a:ext cx="1449794" cy="808805"/>
+            <a:off x="7189076" y="3935073"/>
+            <a:ext cx="1333237" cy="1130319"/>
           </a:xfrm>
           <a:prstGeom prst="straightConnector1">
             <a:avLst/>
@@ -8566,6 +8505,105 @@
           </a:prstGeom>
         </p:spPr>
       </p:pic>
+      <p:sp>
+        <p:nvSpPr>
+          <p:cNvPr id="3" name="TextBox 2">
+            <a:extLst>
+              <a:ext uri="{FF2B5EF4-FFF2-40B4-BE49-F238E27FC236}">
+                <a16:creationId xmlns:a16="http://schemas.microsoft.com/office/drawing/2014/main" id="{5D5C2E0D-B70D-47C6-B57B-EB9ED51FC6F4}"/>
+              </a:ext>
+            </a:extLst>
+          </p:cNvPr>
+          <p:cNvSpPr txBox="1"/>
+          <p:nvPr/>
+        </p:nvSpPr>
+        <p:spPr>
+          <a:xfrm>
+            <a:off x="1272929" y="5470047"/>
+            <a:ext cx="6697667" cy="646331"/>
+          </a:xfrm>
+          <a:prstGeom prst="rect">
+            <a:avLst/>
+          </a:prstGeom>
+          <a:noFill/>
+          <a:ln>
+            <a:solidFill>
+              <a:schemeClr val="tx1"/>
+            </a:solidFill>
+            <a:prstDash val="dash"/>
+          </a:ln>
+        </p:spPr>
+        <p:txBody>
+          <a:bodyPr wrap="none" rtlCol="0">
+            <a:spAutoFit/>
+          </a:bodyPr>
+          <a:lstStyle/>
+          <a:p>
+            <a:r>
+              <a:rPr lang="en-US" dirty="0">
+                <a:solidFill>
+                  <a:schemeClr val="accent1"/>
+                </a:solidFill>
+              </a:rPr>
+              <a:t>Use the keyword “State”, instead of “Status”, as K8s forbids</a:t>
+            </a:r>
+          </a:p>
+          <a:p>
+            <a:r>
+              <a:rPr lang="en-US" dirty="0">
+                <a:solidFill>
+                  <a:schemeClr val="accent1"/>
+                </a:solidFill>
+              </a:rPr>
+              <a:t> users to patch “Status”.</a:t>
+            </a:r>
+          </a:p>
+        </p:txBody>
+      </p:sp>
+      <p:cxnSp>
+        <p:nvCxnSpPr>
+          <p:cNvPr id="15" name="Straight Arrow Connector 14">
+            <a:extLst>
+              <a:ext uri="{FF2B5EF4-FFF2-40B4-BE49-F238E27FC236}">
+                <a16:creationId xmlns:a16="http://schemas.microsoft.com/office/drawing/2014/main" id="{38C98069-082F-4BE2-82A4-5E1465F99A17}"/>
+              </a:ext>
+            </a:extLst>
+          </p:cNvPr>
+          <p:cNvCxnSpPr>
+            <a:cxnSpLocks/>
+          </p:cNvCxnSpPr>
+          <p:nvPr/>
+        </p:nvCxnSpPr>
+        <p:spPr>
+          <a:xfrm flipV="1">
+            <a:off x="3913527" y="4031106"/>
+            <a:ext cx="787188" cy="1383053"/>
+          </a:xfrm>
+          <a:prstGeom prst="straightConnector1">
+            <a:avLst/>
+          </a:prstGeom>
+          <a:ln w="57150">
+            <a:solidFill>
+              <a:srgbClr val="C00000"/>
+            </a:solidFill>
+            <a:tailEnd type="triangle"/>
+          </a:ln>
+        </p:spPr>
+        <p:style>
+          <a:lnRef idx="1">
+            <a:schemeClr val="accent1"/>
+          </a:lnRef>
+          <a:fillRef idx="0">
+            <a:schemeClr val="accent1"/>
+          </a:fillRef>
+          <a:effectRef idx="0">
+            <a:schemeClr val="accent1"/>
+          </a:effectRef>
+          <a:fontRef idx="minor">
+            <a:schemeClr val="tx1"/>
+          </a:fontRef>
+        </p:style>
+      </p:cxnSp>
     </p:spTree>
     <p:extLst>
       <p:ext uri="{BB962C8B-B14F-4D97-AF65-F5344CB8AC3E}">
@@ -9004,7 +9042,7 @@
                             </p:stCondLst>
                             <p:childTnLst>
                               <p:par>
-                                <p:cTn id="33" presetID="42" presetClass="entr" presetSubtype="0" fill="hold" grpId="0" nodeType="clickEffect">
+                                <p:cTn id="33" presetID="42" presetClass="entr" presetSubtype="0" fill="hold" nodeType="clickEffect">
                                   <p:stCondLst>
                                     <p:cond delay="0"/>
                                   </p:stCondLst>
@@ -9017,7 +9055,7 @@
                                           </p:stCondLst>
                                         </p:cTn>
                                         <p:tgtEl>
-                                          <p:spTgt spid="11"/>
+                                          <p:spTgt spid="22"/>
                                         </p:tgtEl>
                                         <p:attrNameLst>
                                           <p:attrName>style.visibility</p:attrName>
@@ -9031,7 +9069,7 @@
                                       <p:cBhvr>
                                         <p:cTn id="35" dur="1000"/>
                                         <p:tgtEl>
-                                          <p:spTgt spid="11"/>
+                                          <p:spTgt spid="22"/>
                                         </p:tgtEl>
                                       </p:cBhvr>
                                     </p:animEffect>
@@ -9039,7 +9077,7 @@
                                       <p:cBhvr>
                                         <p:cTn id="36" dur="1000" fill="hold"/>
                                         <p:tgtEl>
-                                          <p:spTgt spid="11"/>
+                                          <p:spTgt spid="22"/>
                                         </p:tgtEl>
                                         <p:attrNameLst>
                                           <p:attrName>ppt_x</p:attrName>
@@ -9062,7 +9100,7 @@
                                       <p:cBhvr>
                                         <p:cTn id="37" dur="1000" fill="hold"/>
                                         <p:tgtEl>
-                                          <p:spTgt spid="11"/>
+                                          <p:spTgt spid="22"/>
                                         </p:tgtEl>
                                         <p:attrNameLst>
                                           <p:attrName>ppt_y</p:attrName>
@@ -9085,7 +9123,7 @@
                                 </p:cTn>
                               </p:par>
                               <p:par>
-                                <p:cTn id="38" presetID="42" presetClass="entr" presetSubtype="0" fill="hold" nodeType="withEffect">
+                                <p:cTn id="38" presetID="42" presetClass="entr" presetSubtype="0" fill="hold" grpId="0" nodeType="withEffect">
                                   <p:stCondLst>
                                     <p:cond delay="0"/>
                                   </p:stCondLst>
@@ -9098,7 +9136,7 @@
                                           </p:stCondLst>
                                         </p:cTn>
                                         <p:tgtEl>
-                                          <p:spTgt spid="20"/>
+                                          <p:spTgt spid="12"/>
                                         </p:tgtEl>
                                         <p:attrNameLst>
                                           <p:attrName>style.visibility</p:attrName>
@@ -9112,7 +9150,7 @@
                                       <p:cBhvr>
                                         <p:cTn id="40" dur="1000"/>
                                         <p:tgtEl>
-                                          <p:spTgt spid="20"/>
+                                          <p:spTgt spid="12"/>
                                         </p:tgtEl>
                                       </p:cBhvr>
                                     </p:animEffect>
@@ -9120,7 +9158,7 @@
                                       <p:cBhvr>
                                         <p:cTn id="41" dur="1000" fill="hold"/>
                                         <p:tgtEl>
-                                          <p:spTgt spid="20"/>
+                                          <p:spTgt spid="12"/>
                                         </p:tgtEl>
                                         <p:attrNameLst>
                                           <p:attrName>ppt_x</p:attrName>
@@ -9143,7 +9181,7 @@
                                       <p:cBhvr>
                                         <p:cTn id="42" dur="1000" fill="hold"/>
                                         <p:tgtEl>
-                                          <p:spTgt spid="20"/>
+                                          <p:spTgt spid="12"/>
                                         </p:tgtEl>
                                         <p:attrNameLst>
                                           <p:attrName>ppt_y</p:attrName>
@@ -9197,7 +9235,7 @@
                                           </p:stCondLst>
                                         </p:cTn>
                                         <p:tgtEl>
-                                          <p:spTgt spid="22"/>
+                                          <p:spTgt spid="15"/>
                                         </p:tgtEl>
                                         <p:attrNameLst>
                                           <p:attrName>style.visibility</p:attrName>
@@ -9211,7 +9249,7 @@
                                       <p:cBhvr>
                                         <p:cTn id="47" dur="1000"/>
                                         <p:tgtEl>
-                                          <p:spTgt spid="22"/>
+                                          <p:spTgt spid="15"/>
                                         </p:tgtEl>
                                       </p:cBhvr>
                                     </p:animEffect>
@@ -9219,7 +9257,7 @@
                                       <p:cBhvr>
                                         <p:cTn id="48" dur="1000" fill="hold"/>
                                         <p:tgtEl>
-                                          <p:spTgt spid="22"/>
+                                          <p:spTgt spid="15"/>
                                         </p:tgtEl>
                                         <p:attrNameLst>
                                           <p:attrName>ppt_x</p:attrName>
@@ -9242,88 +9280,7 @@
                                       <p:cBhvr>
                                         <p:cTn id="49" dur="1000" fill="hold"/>
                                         <p:tgtEl>
-                                          <p:spTgt spid="22"/>
-                                        </p:tgtEl>
-                                        <p:attrNameLst>
-                                          <p:attrName>ppt_y</p:attrName>
-                                        </p:attrNameLst>
-                                      </p:cBhvr>
-                                      <p:tavLst>
-                                        <p:tav tm="0">
-                                          <p:val>
-                                            <p:strVal val="#ppt_y+.1"/>
-                                          </p:val>
-                                        </p:tav>
-                                        <p:tav tm="100000">
-                                          <p:val>
-                                            <p:strVal val="#ppt_y"/>
-                                          </p:val>
-                                        </p:tav>
-                                      </p:tavLst>
-                                    </p:anim>
-                                  </p:childTnLst>
-                                </p:cTn>
-                              </p:par>
-                              <p:par>
-                                <p:cTn id="50" presetID="42" presetClass="entr" presetSubtype="0" fill="hold" grpId="0" nodeType="withEffect">
-                                  <p:stCondLst>
-                                    <p:cond delay="0"/>
-                                  </p:stCondLst>
-                                  <p:childTnLst>
-                                    <p:set>
-                                      <p:cBhvr>
-                                        <p:cTn id="51" dur="1" fill="hold">
-                                          <p:stCondLst>
-                                            <p:cond delay="0"/>
-                                          </p:stCondLst>
-                                        </p:cTn>
-                                        <p:tgtEl>
-                                          <p:spTgt spid="12"/>
-                                        </p:tgtEl>
-                                        <p:attrNameLst>
-                                          <p:attrName>style.visibility</p:attrName>
-                                        </p:attrNameLst>
-                                      </p:cBhvr>
-                                      <p:to>
-                                        <p:strVal val="visible"/>
-                                      </p:to>
-                                    </p:set>
-                                    <p:animEffect transition="in" filter="fade">
-                                      <p:cBhvr>
-                                        <p:cTn id="52" dur="1000"/>
-                                        <p:tgtEl>
-                                          <p:spTgt spid="12"/>
-                                        </p:tgtEl>
-                                      </p:cBhvr>
-                                    </p:animEffect>
-                                    <p:anim calcmode="lin" valueType="num">
-                                      <p:cBhvr>
-                                        <p:cTn id="53" dur="1000" fill="hold"/>
-                                        <p:tgtEl>
-                                          <p:spTgt spid="12"/>
-                                        </p:tgtEl>
-                                        <p:attrNameLst>
-                                          <p:attrName>ppt_x</p:attrName>
-                                        </p:attrNameLst>
-                                      </p:cBhvr>
-                                      <p:tavLst>
-                                        <p:tav tm="0">
-                                          <p:val>
-                                            <p:strVal val="#ppt_x"/>
-                                          </p:val>
-                                        </p:tav>
-                                        <p:tav tm="100000">
-                                          <p:val>
-                                            <p:strVal val="#ppt_x"/>
-                                          </p:val>
-                                        </p:tav>
-                                      </p:tavLst>
-                                    </p:anim>
-                                    <p:anim calcmode="lin" valueType="num">
-                                      <p:cBhvr>
-                                        <p:cTn id="54" dur="1000" fill="hold"/>
-                                        <p:tgtEl>
-                                          <p:spTgt spid="12"/>
+                                          <p:spTgt spid="15"/>
                                         </p:tgtEl>
                                         <p:attrNameLst>
                                           <p:attrName>ppt_y</p:attrName>
@@ -9375,7 +9332,6 @@
     <p:bldLst>
       <p:bldP spid="9" grpId="0" animBg="1"/>
       <p:bldP spid="10" grpId="0" animBg="1"/>
-      <p:bldP spid="11" grpId="0" animBg="1"/>
       <p:bldP spid="12" grpId="0" animBg="1"/>
       <p:bldP spid="24" grpId="0" animBg="1"/>
     </p:bldLst>
@@ -9414,8 +9370,8 @@
         </p:nvSpPr>
         <p:spPr>
           <a:xfrm>
-            <a:off x="1664375" y="4475379"/>
-            <a:ext cx="10375043" cy="1292662"/>
+            <a:off x="1673906" y="4210312"/>
+            <a:ext cx="10375043" cy="1400383"/>
           </a:xfrm>
           <a:prstGeom prst="rect">
             <a:avLst/>
@@ -9438,14 +9394,42 @@
                   <a:srgbClr val="C00000"/>
                 </a:solidFill>
               </a:rPr>
-              <a:t>Exclude the dead </a:t>
+              <a:t>Prune the disconnected</a:t>
             </a:r>
             <a:br>
               <a:rPr lang="en-US" dirty="0"/>
             </a:br>
             <a:r>
               <a:rPr lang="en-US" dirty="0"/>
-              <a:t>Periodically check the status of underlying </a:t>
+              <a:t>Anew module in </a:t>
+            </a:r>
+            <a:r>
+              <a:rPr lang="en-US" dirty="0" err="1"/>
+              <a:t>cloudcore</a:t>
+            </a:r>
+            <a:r>
+              <a:rPr lang="en-US" dirty="0"/>
+              <a:t>, </a:t>
+            </a:r>
+            <a:r>
+              <a:rPr lang="en-US" b="1" dirty="0">
+                <a:solidFill>
+                  <a:schemeClr val="accent1"/>
+                </a:solidFill>
+              </a:rPr>
+              <a:t>Mission State Pruner</a:t>
+            </a:r>
+            <a:r>
+              <a:rPr lang="en-US" dirty="0"/>
+              <a:t>. It Periodically check the </a:t>
+            </a:r>
+            <a:r>
+              <a:rPr lang="en-US" dirty="0" err="1"/>
+              <a:t>heartbet</a:t>
+            </a:r>
+            <a:r>
+              <a:rPr lang="en-US" dirty="0"/>
+              <a:t> of underlying </a:t>
             </a:r>
             <a:r>
               <a:rPr lang="en-US" dirty="0" err="1"/>
@@ -9453,14 +9437,16 @@
             </a:r>
             <a:r>
               <a:rPr lang="en-US" dirty="0"/>
-              <a:t>, remove/update the corresponding entries of disconnected in the status map</a:t>
-            </a:r>
-          </a:p>
-          <a:p>
-            <a:pPr marL="228600" indent="-228600">
-              <a:buFont typeface="Arial" panose="020B0604020202020204" pitchFamily="34" charset="0"/>
-              <a:buChar char="•"/>
-            </a:pPr>
+              <a:t>, remove/update the corresponding entries of disconnected </a:t>
+            </a:r>
+            <a:r>
+              <a:rPr lang="en-US" dirty="0" err="1"/>
+              <a:t>edgeclusters</a:t>
+            </a:r>
+            <a:r>
+              <a:rPr lang="en-US" dirty="0"/>
+              <a:t> in the state map. </a:t>
+            </a:r>
             <a:endParaRPr lang="en-US" sz="1100" dirty="0"/>
           </a:p>
           <a:p>
@@ -9485,8 +9471,8 @@
         </p:nvSpPr>
         <p:spPr>
           <a:xfrm>
-            <a:off x="1664375" y="1168357"/>
-            <a:ext cx="9093708" cy="954107"/>
+            <a:off x="1654844" y="828288"/>
+            <a:ext cx="10071625" cy="1231106"/>
           </a:xfrm>
           <a:prstGeom prst="rect">
             <a:avLst/>
@@ -9494,7 +9480,7 @@
           <a:noFill/>
         </p:spPr>
         <p:txBody>
-          <a:bodyPr wrap="none" rtlCol="0">
+          <a:bodyPr wrap="square" rtlCol="0">
             <a:spAutoFit/>
           </a:bodyPr>
           <a:lstStyle/>
@@ -9505,7 +9491,7 @@
                   <a:srgbClr val="C00000"/>
                 </a:solidFill>
               </a:rPr>
-              <a:t>Check local status</a:t>
+              <a:t>Check local state</a:t>
             </a:r>
             <a:r>
               <a:rPr lang="en-US" dirty="0"/>
@@ -9516,7 +9502,7 @@
             </a:br>
             <a:r>
               <a:rPr lang="en-US" dirty="0"/>
-              <a:t>Check Run status check command and insert/update the following entry in status map, like:</a:t>
+              <a:t>Run state-check command periodically (by default once per 10s) and insert/update the following entry in state map, like:</a:t>
             </a:r>
             <a:br>
               <a:rPr lang="en-US" dirty="0"/>
@@ -9546,8 +9532,8 @@
         </p:nvSpPr>
         <p:spPr>
           <a:xfrm>
-            <a:off x="1584324" y="2136277"/>
-            <a:ext cx="10314042" cy="2339102"/>
+            <a:off x="1654844" y="2136277"/>
+            <a:ext cx="10291600" cy="2339102"/>
           </a:xfrm>
           <a:prstGeom prst="rect">
             <a:avLst/>
@@ -9573,14 +9559,14 @@
             </a:br>
             <a:r>
               <a:rPr lang="en-US" dirty="0"/>
-              <a:t>When receiving a mission status update from underlying clusters, update the mission status:</a:t>
+              <a:t>When receiving a mission state update from underlying clusters, update the mission state:</a:t>
             </a:r>
           </a:p>
           <a:p>
             <a:pPr lvl="1"/>
             <a:r>
               <a:rPr lang="en-US" dirty="0"/>
-              <a:t>For ex, cluster AAA got the mission status update from cluster BBB like:</a:t>
+              <a:t>For ex, cluster AAA got the mission state update from cluster BBB like:</a:t>
             </a:r>
           </a:p>
           <a:p>
@@ -9598,7 +9584,7 @@
             <a:pPr lvl="1"/>
             <a:r>
               <a:rPr lang="en-US" dirty="0"/>
-              <a:t>The mission status saved in AAA will be (after aggregating with its own status):</a:t>
+              <a:t>The mission state saved in cluster AAA becomes:</a:t>
             </a:r>
           </a:p>
           <a:p>
@@ -9649,8 +9635,8 @@
         </p:nvSpPr>
         <p:spPr>
           <a:xfrm>
-            <a:off x="1664374" y="5685852"/>
-            <a:ext cx="10375043" cy="1015663"/>
+            <a:off x="1673906" y="5477747"/>
+            <a:ext cx="10375043" cy="1569660"/>
           </a:xfrm>
           <a:prstGeom prst="rect">
             <a:avLst/>
@@ -9679,7 +9665,33 @@
           <a:p>
             <a:r>
               <a:rPr lang="en-US" dirty="0"/>
-              <a:t>Update the mission status to its upper layer if there is any change. </a:t>
+              <a:t>Update the </a:t>
+            </a:r>
+            <a:r>
+              <a:rPr lang="en-US"/>
+              <a:t>mission state </a:t>
+            </a:r>
+            <a:r>
+              <a:rPr lang="en-US" dirty="0"/>
+              <a:t>to its upper layer </a:t>
+            </a:r>
+          </a:p>
+          <a:p>
+            <a:pPr marL="342900" indent="-342900">
+              <a:buAutoNum type="arabicParenR"/>
+            </a:pPr>
+            <a:r>
+              <a:rPr lang="en-US" dirty="0"/>
+              <a:t>if there is any change. </a:t>
+            </a:r>
+          </a:p>
+          <a:p>
+            <a:pPr marL="342900" indent="-342900">
+              <a:buAutoNum type="arabicParenR"/>
+            </a:pPr>
+            <a:r>
+              <a:rPr lang="en-US" dirty="0"/>
+              <a:t>At least once for a given long period (1m for now)</a:t>
             </a:r>
           </a:p>
           <a:p>
@@ -10142,7 +10154,7 @@
       </p:par>
     </p:tnLst>
     <p:bldLst>
-      <p:bldP spid="30" grpId="0" animBg="1"/>
+      <p:bldP spid="30" grpId="0"/>
       <p:bldP spid="6" grpId="0"/>
       <p:bldP spid="38" grpId="0"/>
       <p:bldP spid="39" grpId="0" animBg="1"/>
@@ -11978,6 +11990,41 @@
             <a:r>
               <a:rPr lang="en-US" dirty="0"/>
               <a:t>UPWARD</a:t>
+            </a:r>
+          </a:p>
+        </p:txBody>
+      </p:sp>
+      <p:sp>
+        <p:nvSpPr>
+          <p:cNvPr id="2" name="TextBox 1">
+            <a:extLst>
+              <a:ext uri="{FF2B5EF4-FFF2-40B4-BE49-F238E27FC236}">
+                <a16:creationId xmlns:a16="http://schemas.microsoft.com/office/drawing/2014/main" id="{12EE9C29-7A6B-4C04-AB24-31FD5E5C15E5}"/>
+              </a:ext>
+            </a:extLst>
+          </p:cNvPr>
+          <p:cNvSpPr txBox="1"/>
+          <p:nvPr/>
+        </p:nvSpPr>
+        <p:spPr>
+          <a:xfrm>
+            <a:off x="3301905" y="6344721"/>
+            <a:ext cx="4352474" cy="369332"/>
+          </a:xfrm>
+          <a:prstGeom prst="rect">
+            <a:avLst/>
+          </a:prstGeom>
+          <a:noFill/>
+        </p:spPr>
+        <p:txBody>
+          <a:bodyPr wrap="none" rtlCol="0">
+            <a:spAutoFit/>
+          </a:bodyPr>
+          <a:lstStyle/>
+          <a:p>
+            <a:r>
+              <a:rPr lang="en-US" b="1" dirty="0"/>
+              <a:t>Scenario I : Hierarchical State Update</a:t>
             </a:r>
           </a:p>
         </p:txBody>
@@ -12553,6 +12600,3430 @@
       </p:grpSpPr>
       <p:sp>
         <p:nvSpPr>
+          <p:cNvPr id="9" name="Triangle 116">
+            <a:extLst>
+              <a:ext uri="{FF2B5EF4-FFF2-40B4-BE49-F238E27FC236}">
+                <a16:creationId xmlns:a16="http://schemas.microsoft.com/office/drawing/2014/main" id="{757FDD8E-B258-4690-A81C-E629A1E0ADDB}"/>
+              </a:ext>
+            </a:extLst>
+          </p:cNvPr>
+          <p:cNvSpPr/>
+          <p:nvPr/>
+        </p:nvSpPr>
+        <p:spPr>
+          <a:xfrm>
+            <a:off x="4142936" y="361656"/>
+            <a:ext cx="609600" cy="609600"/>
+          </a:xfrm>
+          <a:prstGeom prst="triangle">
+            <a:avLst/>
+          </a:prstGeom>
+          <a:solidFill>
+            <a:schemeClr val="accent5">
+              <a:lumMod val="75000"/>
+            </a:schemeClr>
+          </a:solidFill>
+          <a:ln w="19050">
+            <a:solidFill>
+              <a:schemeClr val="tx1">
+                <a:lumMod val="95000"/>
+                <a:lumOff val="5000"/>
+              </a:schemeClr>
+            </a:solidFill>
+          </a:ln>
+        </p:spPr>
+        <p:style>
+          <a:lnRef idx="2">
+            <a:schemeClr val="accent1">
+              <a:shade val="50000"/>
+            </a:schemeClr>
+          </a:lnRef>
+          <a:fillRef idx="1">
+            <a:schemeClr val="accent1"/>
+          </a:fillRef>
+          <a:effectRef idx="0">
+            <a:schemeClr val="accent1"/>
+          </a:effectRef>
+          <a:fontRef idx="minor">
+            <a:schemeClr val="lt1"/>
+          </a:fontRef>
+        </p:style>
+        <p:txBody>
+          <a:bodyPr rtlCol="0" anchor="ctr"/>
+          <a:lstStyle/>
+          <a:p>
+            <a:pPr algn="ctr"/>
+            <a:endParaRPr lang="en-US"/>
+          </a:p>
+        </p:txBody>
+      </p:sp>
+      <p:sp>
+        <p:nvSpPr>
+          <p:cNvPr id="10" name="Triangle 117">
+            <a:extLst>
+              <a:ext uri="{FF2B5EF4-FFF2-40B4-BE49-F238E27FC236}">
+                <a16:creationId xmlns:a16="http://schemas.microsoft.com/office/drawing/2014/main" id="{1896F6BF-18FB-4751-9417-3BD726B4DB94}"/>
+              </a:ext>
+            </a:extLst>
+          </p:cNvPr>
+          <p:cNvSpPr/>
+          <p:nvPr/>
+        </p:nvSpPr>
+        <p:spPr>
+          <a:xfrm>
+            <a:off x="893563" y="4488701"/>
+            <a:ext cx="609600" cy="609600"/>
+          </a:xfrm>
+          <a:prstGeom prst="triangle">
+            <a:avLst/>
+          </a:prstGeom>
+          <a:solidFill>
+            <a:schemeClr val="bg2">
+              <a:lumMod val="50000"/>
+            </a:schemeClr>
+          </a:solidFill>
+          <a:ln w="19050">
+            <a:solidFill>
+              <a:schemeClr val="tx1">
+                <a:lumMod val="95000"/>
+                <a:lumOff val="5000"/>
+              </a:schemeClr>
+            </a:solidFill>
+          </a:ln>
+        </p:spPr>
+        <p:style>
+          <a:lnRef idx="2">
+            <a:schemeClr val="accent1">
+              <a:shade val="50000"/>
+            </a:schemeClr>
+          </a:lnRef>
+          <a:fillRef idx="1">
+            <a:schemeClr val="accent1"/>
+          </a:fillRef>
+          <a:effectRef idx="0">
+            <a:schemeClr val="accent1"/>
+          </a:effectRef>
+          <a:fontRef idx="minor">
+            <a:schemeClr val="lt1"/>
+          </a:fontRef>
+        </p:style>
+        <p:txBody>
+          <a:bodyPr rtlCol="0" anchor="ctr"/>
+          <a:lstStyle/>
+          <a:p>
+            <a:pPr algn="ctr"/>
+            <a:endParaRPr lang="en-US"/>
+          </a:p>
+        </p:txBody>
+      </p:sp>
+      <p:sp>
+        <p:nvSpPr>
+          <p:cNvPr id="11" name="Triangle 118">
+            <a:extLst>
+              <a:ext uri="{FF2B5EF4-FFF2-40B4-BE49-F238E27FC236}">
+                <a16:creationId xmlns:a16="http://schemas.microsoft.com/office/drawing/2014/main" id="{C4A7EB2A-9CB9-407C-8A55-286B6F8384EB}"/>
+              </a:ext>
+            </a:extLst>
+          </p:cNvPr>
+          <p:cNvSpPr/>
+          <p:nvPr/>
+        </p:nvSpPr>
+        <p:spPr>
+          <a:xfrm>
+            <a:off x="5979180" y="4488701"/>
+            <a:ext cx="609600" cy="609600"/>
+          </a:xfrm>
+          <a:prstGeom prst="triangle">
+            <a:avLst/>
+          </a:prstGeom>
+          <a:solidFill>
+            <a:schemeClr val="bg2">
+              <a:lumMod val="50000"/>
+            </a:schemeClr>
+          </a:solidFill>
+          <a:ln w="19050">
+            <a:solidFill>
+              <a:schemeClr val="tx1">
+                <a:lumMod val="95000"/>
+                <a:lumOff val="5000"/>
+              </a:schemeClr>
+            </a:solidFill>
+          </a:ln>
+        </p:spPr>
+        <p:style>
+          <a:lnRef idx="2">
+            <a:schemeClr val="accent1">
+              <a:shade val="50000"/>
+            </a:schemeClr>
+          </a:lnRef>
+          <a:fillRef idx="1">
+            <a:schemeClr val="accent1"/>
+          </a:fillRef>
+          <a:effectRef idx="0">
+            <a:schemeClr val="accent1"/>
+          </a:effectRef>
+          <a:fontRef idx="minor">
+            <a:schemeClr val="lt1"/>
+          </a:fontRef>
+        </p:style>
+        <p:txBody>
+          <a:bodyPr rtlCol="0" anchor="ctr"/>
+          <a:lstStyle/>
+          <a:p>
+            <a:pPr algn="ctr"/>
+            <a:endParaRPr lang="en-US"/>
+          </a:p>
+        </p:txBody>
+      </p:sp>
+      <p:sp>
+        <p:nvSpPr>
+          <p:cNvPr id="12" name="Triangle 119">
+            <a:extLst>
+              <a:ext uri="{FF2B5EF4-FFF2-40B4-BE49-F238E27FC236}">
+                <a16:creationId xmlns:a16="http://schemas.microsoft.com/office/drawing/2014/main" id="{A761C84F-6DC4-41B5-AE2B-846910D6EFC5}"/>
+              </a:ext>
+            </a:extLst>
+          </p:cNvPr>
+          <p:cNvSpPr/>
+          <p:nvPr/>
+        </p:nvSpPr>
+        <p:spPr>
+          <a:xfrm>
+            <a:off x="3259659" y="2464612"/>
+            <a:ext cx="609600" cy="609600"/>
+          </a:xfrm>
+          <a:prstGeom prst="triangle">
+            <a:avLst/>
+          </a:prstGeom>
+          <a:solidFill>
+            <a:schemeClr val="bg2">
+              <a:lumMod val="50000"/>
+            </a:schemeClr>
+          </a:solidFill>
+          <a:ln w="19050">
+            <a:solidFill>
+              <a:schemeClr val="tx1">
+                <a:lumMod val="95000"/>
+                <a:lumOff val="5000"/>
+              </a:schemeClr>
+            </a:solidFill>
+          </a:ln>
+        </p:spPr>
+        <p:style>
+          <a:lnRef idx="2">
+            <a:schemeClr val="accent1">
+              <a:shade val="50000"/>
+            </a:schemeClr>
+          </a:lnRef>
+          <a:fillRef idx="1">
+            <a:schemeClr val="accent1"/>
+          </a:fillRef>
+          <a:effectRef idx="0">
+            <a:schemeClr val="accent1"/>
+          </a:effectRef>
+          <a:fontRef idx="minor">
+            <a:schemeClr val="lt1"/>
+          </a:fontRef>
+        </p:style>
+        <p:txBody>
+          <a:bodyPr rtlCol="0" anchor="ctr"/>
+          <a:lstStyle/>
+          <a:p>
+            <a:pPr algn="ctr"/>
+            <a:endParaRPr lang="en-US" dirty="0"/>
+          </a:p>
+        </p:txBody>
+      </p:sp>
+      <p:cxnSp>
+        <p:nvCxnSpPr>
+          <p:cNvPr id="13" name="Straight Connector 12">
+            <a:extLst>
+              <a:ext uri="{FF2B5EF4-FFF2-40B4-BE49-F238E27FC236}">
+                <a16:creationId xmlns:a16="http://schemas.microsoft.com/office/drawing/2014/main" id="{5F9A58EF-B40C-4B36-8D6E-0E08B77D6EB2}"/>
+              </a:ext>
+            </a:extLst>
+          </p:cNvPr>
+          <p:cNvCxnSpPr>
+            <a:cxnSpLocks/>
+            <a:stCxn id="10" idx="0"/>
+            <a:endCxn id="12" idx="3"/>
+          </p:cNvCxnSpPr>
+          <p:nvPr/>
+        </p:nvCxnSpPr>
+        <p:spPr>
+          <a:xfrm flipV="1">
+            <a:off x="1198363" y="3074212"/>
+            <a:ext cx="2366096" cy="1414489"/>
+          </a:xfrm>
+          <a:prstGeom prst="line">
+            <a:avLst/>
+          </a:prstGeom>
+          <a:ln w="19050">
+            <a:solidFill>
+              <a:srgbClr val="FF0000"/>
+            </a:solidFill>
+          </a:ln>
+        </p:spPr>
+        <p:style>
+          <a:lnRef idx="1">
+            <a:schemeClr val="accent1"/>
+          </a:lnRef>
+          <a:fillRef idx="0">
+            <a:schemeClr val="accent1"/>
+          </a:fillRef>
+          <a:effectRef idx="0">
+            <a:schemeClr val="accent1"/>
+          </a:effectRef>
+          <a:fontRef idx="minor">
+            <a:schemeClr val="tx1"/>
+          </a:fontRef>
+        </p:style>
+      </p:cxnSp>
+      <p:cxnSp>
+        <p:nvCxnSpPr>
+          <p:cNvPr id="14" name="Straight Connector 13">
+            <a:extLst>
+              <a:ext uri="{FF2B5EF4-FFF2-40B4-BE49-F238E27FC236}">
+                <a16:creationId xmlns:a16="http://schemas.microsoft.com/office/drawing/2014/main" id="{A54F9AAD-5102-4529-99D7-24ED805FF1E1}"/>
+              </a:ext>
+            </a:extLst>
+          </p:cNvPr>
+          <p:cNvCxnSpPr>
+            <a:cxnSpLocks/>
+            <a:stCxn id="11" idx="0"/>
+            <a:endCxn id="12" idx="3"/>
+          </p:cNvCxnSpPr>
+          <p:nvPr/>
+        </p:nvCxnSpPr>
+        <p:spPr>
+          <a:xfrm flipH="1" flipV="1">
+            <a:off x="3564459" y="3074212"/>
+            <a:ext cx="2719521" cy="1414489"/>
+          </a:xfrm>
+          <a:prstGeom prst="line">
+            <a:avLst/>
+          </a:prstGeom>
+          <a:ln w="19050">
+            <a:solidFill>
+              <a:srgbClr val="FF0000"/>
+            </a:solidFill>
+          </a:ln>
+        </p:spPr>
+        <p:style>
+          <a:lnRef idx="1">
+            <a:schemeClr val="accent1"/>
+          </a:lnRef>
+          <a:fillRef idx="0">
+            <a:schemeClr val="accent1"/>
+          </a:fillRef>
+          <a:effectRef idx="0">
+            <a:schemeClr val="accent1"/>
+          </a:effectRef>
+          <a:fontRef idx="minor">
+            <a:schemeClr val="tx1"/>
+          </a:fontRef>
+        </p:style>
+      </p:cxnSp>
+      <p:cxnSp>
+        <p:nvCxnSpPr>
+          <p:cNvPr id="15" name="Straight Connector 14">
+            <a:extLst>
+              <a:ext uri="{FF2B5EF4-FFF2-40B4-BE49-F238E27FC236}">
+                <a16:creationId xmlns:a16="http://schemas.microsoft.com/office/drawing/2014/main" id="{22E4A13D-B603-41EF-A709-A605566A584A}"/>
+              </a:ext>
+            </a:extLst>
+          </p:cNvPr>
+          <p:cNvCxnSpPr>
+            <a:cxnSpLocks/>
+            <a:stCxn id="12" idx="0"/>
+            <a:endCxn id="9" idx="3"/>
+          </p:cNvCxnSpPr>
+          <p:nvPr/>
+        </p:nvCxnSpPr>
+        <p:spPr>
+          <a:xfrm flipV="1">
+            <a:off x="3564459" y="971256"/>
+            <a:ext cx="883277" cy="1493356"/>
+          </a:xfrm>
+          <a:prstGeom prst="line">
+            <a:avLst/>
+          </a:prstGeom>
+          <a:ln w="19050">
+            <a:solidFill>
+              <a:srgbClr val="FF0000"/>
+            </a:solidFill>
+          </a:ln>
+        </p:spPr>
+        <p:style>
+          <a:lnRef idx="1">
+            <a:schemeClr val="accent1"/>
+          </a:lnRef>
+          <a:fillRef idx="0">
+            <a:schemeClr val="accent1"/>
+          </a:fillRef>
+          <a:effectRef idx="0">
+            <a:schemeClr val="accent1"/>
+          </a:effectRef>
+          <a:fontRef idx="minor">
+            <a:schemeClr val="tx1"/>
+          </a:fontRef>
+        </p:style>
+      </p:cxnSp>
+      <p:sp>
+        <p:nvSpPr>
+          <p:cNvPr id="16" name="Triangle 123">
+            <a:extLst>
+              <a:ext uri="{FF2B5EF4-FFF2-40B4-BE49-F238E27FC236}">
+                <a16:creationId xmlns:a16="http://schemas.microsoft.com/office/drawing/2014/main" id="{C873C7D1-A032-4C98-8CA4-730DF62DC06F}"/>
+              </a:ext>
+            </a:extLst>
+          </p:cNvPr>
+          <p:cNvSpPr/>
+          <p:nvPr/>
+        </p:nvSpPr>
+        <p:spPr>
+          <a:xfrm>
+            <a:off x="8932037" y="2661066"/>
+            <a:ext cx="609600" cy="609600"/>
+          </a:xfrm>
+          <a:prstGeom prst="triangle">
+            <a:avLst/>
+          </a:prstGeom>
+          <a:solidFill>
+            <a:schemeClr val="bg2">
+              <a:lumMod val="50000"/>
+            </a:schemeClr>
+          </a:solidFill>
+          <a:ln w="19050">
+            <a:solidFill>
+              <a:schemeClr val="tx1">
+                <a:lumMod val="95000"/>
+                <a:lumOff val="5000"/>
+              </a:schemeClr>
+            </a:solidFill>
+          </a:ln>
+        </p:spPr>
+        <p:style>
+          <a:lnRef idx="2">
+            <a:schemeClr val="accent1">
+              <a:shade val="50000"/>
+            </a:schemeClr>
+          </a:lnRef>
+          <a:fillRef idx="1">
+            <a:schemeClr val="accent1"/>
+          </a:fillRef>
+          <a:effectRef idx="0">
+            <a:schemeClr val="accent1"/>
+          </a:effectRef>
+          <a:fontRef idx="minor">
+            <a:schemeClr val="lt1"/>
+          </a:fontRef>
+        </p:style>
+        <p:txBody>
+          <a:bodyPr rtlCol="0" anchor="ctr"/>
+          <a:lstStyle/>
+          <a:p>
+            <a:pPr algn="ctr"/>
+            <a:endParaRPr lang="en-US" dirty="0"/>
+          </a:p>
+        </p:txBody>
+      </p:sp>
+      <p:cxnSp>
+        <p:nvCxnSpPr>
+          <p:cNvPr id="17" name="Straight Connector 16">
+            <a:extLst>
+              <a:ext uri="{FF2B5EF4-FFF2-40B4-BE49-F238E27FC236}">
+                <a16:creationId xmlns:a16="http://schemas.microsoft.com/office/drawing/2014/main" id="{0F5CE517-05E0-414C-83EB-151A07C2FC8F}"/>
+              </a:ext>
+            </a:extLst>
+          </p:cNvPr>
+          <p:cNvCxnSpPr>
+            <a:cxnSpLocks/>
+            <a:stCxn id="16" idx="0"/>
+            <a:endCxn id="9" idx="3"/>
+          </p:cNvCxnSpPr>
+          <p:nvPr/>
+        </p:nvCxnSpPr>
+        <p:spPr>
+          <a:xfrm flipH="1" flipV="1">
+            <a:off x="4447736" y="971256"/>
+            <a:ext cx="4789101" cy="1689810"/>
+          </a:xfrm>
+          <a:prstGeom prst="line">
+            <a:avLst/>
+          </a:prstGeom>
+          <a:ln w="19050">
+            <a:solidFill>
+              <a:srgbClr val="FF0000"/>
+            </a:solidFill>
+          </a:ln>
+        </p:spPr>
+        <p:style>
+          <a:lnRef idx="1">
+            <a:schemeClr val="accent1"/>
+          </a:lnRef>
+          <a:fillRef idx="0">
+            <a:schemeClr val="accent1"/>
+          </a:fillRef>
+          <a:effectRef idx="0">
+            <a:schemeClr val="accent1"/>
+          </a:effectRef>
+          <a:fontRef idx="minor">
+            <a:schemeClr val="tx1"/>
+          </a:fontRef>
+        </p:style>
+      </p:cxnSp>
+      <p:sp>
+        <p:nvSpPr>
+          <p:cNvPr id="23" name="TextBox 22">
+            <a:extLst>
+              <a:ext uri="{FF2B5EF4-FFF2-40B4-BE49-F238E27FC236}">
+                <a16:creationId xmlns:a16="http://schemas.microsoft.com/office/drawing/2014/main" id="{31F9FB6D-D2D9-446F-84C7-22A97CA6B1C3}"/>
+              </a:ext>
+            </a:extLst>
+          </p:cNvPr>
+          <p:cNvSpPr txBox="1"/>
+          <p:nvPr/>
+        </p:nvSpPr>
+        <p:spPr>
+          <a:xfrm>
+            <a:off x="3954035" y="3143118"/>
+            <a:ext cx="351378" cy="307777"/>
+          </a:xfrm>
+          <a:prstGeom prst="rect">
+            <a:avLst/>
+          </a:prstGeom>
+          <a:noFill/>
+        </p:spPr>
+        <p:txBody>
+          <a:bodyPr wrap="none" rtlCol="0">
+            <a:spAutoFit/>
+          </a:bodyPr>
+          <a:lstStyle/>
+          <a:p>
+            <a:r>
+              <a:rPr lang="en-US" altLang="zh-CN" sz="1400" dirty="0"/>
+              <a:t>c1</a:t>
+            </a:r>
+            <a:endParaRPr lang="en-US" sz="1400" dirty="0"/>
+          </a:p>
+        </p:txBody>
+      </p:sp>
+      <p:sp>
+        <p:nvSpPr>
+          <p:cNvPr id="24" name="TextBox 23">
+            <a:extLst>
+              <a:ext uri="{FF2B5EF4-FFF2-40B4-BE49-F238E27FC236}">
+                <a16:creationId xmlns:a16="http://schemas.microsoft.com/office/drawing/2014/main" id="{7A5DC8FF-D05A-469E-B106-C2D6E915C597}"/>
+              </a:ext>
+            </a:extLst>
+          </p:cNvPr>
+          <p:cNvSpPr txBox="1"/>
+          <p:nvPr/>
+        </p:nvSpPr>
+        <p:spPr>
+          <a:xfrm>
+            <a:off x="1392253" y="4678036"/>
+            <a:ext cx="442750" cy="307777"/>
+          </a:xfrm>
+          <a:prstGeom prst="rect">
+            <a:avLst/>
+          </a:prstGeom>
+          <a:noFill/>
+        </p:spPr>
+        <p:txBody>
+          <a:bodyPr wrap="none" rtlCol="0">
+            <a:spAutoFit/>
+          </a:bodyPr>
+          <a:lstStyle/>
+          <a:p>
+            <a:r>
+              <a:rPr lang="en-US" altLang="zh-CN" sz="1400" dirty="0"/>
+              <a:t>c11</a:t>
+            </a:r>
+            <a:endParaRPr lang="en-US" sz="1400" dirty="0"/>
+          </a:p>
+        </p:txBody>
+      </p:sp>
+      <p:sp>
+        <p:nvSpPr>
+          <p:cNvPr id="25" name="TextBox 24">
+            <a:extLst>
+              <a:ext uri="{FF2B5EF4-FFF2-40B4-BE49-F238E27FC236}">
+                <a16:creationId xmlns:a16="http://schemas.microsoft.com/office/drawing/2014/main" id="{09A91409-9C64-40B0-9146-E1AE0F71E062}"/>
+              </a:ext>
+            </a:extLst>
+          </p:cNvPr>
+          <p:cNvSpPr txBox="1"/>
+          <p:nvPr/>
+        </p:nvSpPr>
+        <p:spPr>
+          <a:xfrm>
+            <a:off x="5526820" y="4790524"/>
+            <a:ext cx="442750" cy="307777"/>
+          </a:xfrm>
+          <a:prstGeom prst="rect">
+            <a:avLst/>
+          </a:prstGeom>
+          <a:noFill/>
+        </p:spPr>
+        <p:txBody>
+          <a:bodyPr wrap="none" rtlCol="0">
+            <a:spAutoFit/>
+          </a:bodyPr>
+          <a:lstStyle/>
+          <a:p>
+            <a:r>
+              <a:rPr lang="en-US" altLang="zh-CN" sz="1400" dirty="0"/>
+              <a:t>c12</a:t>
+            </a:r>
+            <a:endParaRPr lang="en-US" sz="1400" dirty="0"/>
+          </a:p>
+        </p:txBody>
+      </p:sp>
+      <p:sp>
+        <p:nvSpPr>
+          <p:cNvPr id="26" name="TextBox 25">
+            <a:extLst>
+              <a:ext uri="{FF2B5EF4-FFF2-40B4-BE49-F238E27FC236}">
+                <a16:creationId xmlns:a16="http://schemas.microsoft.com/office/drawing/2014/main" id="{76357481-F87B-4634-9815-25626537203B}"/>
+              </a:ext>
+            </a:extLst>
+          </p:cNvPr>
+          <p:cNvSpPr txBox="1"/>
+          <p:nvPr/>
+        </p:nvSpPr>
+        <p:spPr>
+          <a:xfrm>
+            <a:off x="8499632" y="2863557"/>
+            <a:ext cx="351378" cy="307777"/>
+          </a:xfrm>
+          <a:prstGeom prst="rect">
+            <a:avLst/>
+          </a:prstGeom>
+          <a:noFill/>
+        </p:spPr>
+        <p:txBody>
+          <a:bodyPr wrap="none" rtlCol="0">
+            <a:spAutoFit/>
+          </a:bodyPr>
+          <a:lstStyle/>
+          <a:p>
+            <a:r>
+              <a:rPr lang="en-US" altLang="zh-CN" sz="1400" dirty="0"/>
+              <a:t>c2</a:t>
+            </a:r>
+            <a:endParaRPr lang="en-US" sz="1400" dirty="0"/>
+          </a:p>
+        </p:txBody>
+      </p:sp>
+      <p:sp>
+        <p:nvSpPr>
+          <p:cNvPr id="41" name="TextBox 40">
+            <a:extLst>
+              <a:ext uri="{FF2B5EF4-FFF2-40B4-BE49-F238E27FC236}">
+                <a16:creationId xmlns:a16="http://schemas.microsoft.com/office/drawing/2014/main" id="{C5F63932-789C-4D12-A159-59E71A4ED7BB}"/>
+              </a:ext>
+            </a:extLst>
+          </p:cNvPr>
+          <p:cNvSpPr txBox="1"/>
+          <p:nvPr/>
+        </p:nvSpPr>
+        <p:spPr>
+          <a:xfrm>
+            <a:off x="4617312" y="543106"/>
+            <a:ext cx="260008" cy="307777"/>
+          </a:xfrm>
+          <a:prstGeom prst="rect">
+            <a:avLst/>
+          </a:prstGeom>
+          <a:noFill/>
+        </p:spPr>
+        <p:txBody>
+          <a:bodyPr wrap="none" rtlCol="0">
+            <a:spAutoFit/>
+          </a:bodyPr>
+          <a:lstStyle/>
+          <a:p>
+            <a:r>
+              <a:rPr lang="en-US" altLang="zh-CN" sz="1400" dirty="0"/>
+              <a:t>c</a:t>
+            </a:r>
+            <a:endParaRPr lang="en-US" sz="1400" dirty="0"/>
+          </a:p>
+        </p:txBody>
+      </p:sp>
+      <p:sp>
+        <p:nvSpPr>
+          <p:cNvPr id="54" name="TextBox 53">
+            <a:extLst>
+              <a:ext uri="{FF2B5EF4-FFF2-40B4-BE49-F238E27FC236}">
+                <a16:creationId xmlns:a16="http://schemas.microsoft.com/office/drawing/2014/main" id="{32B6C4DB-08BD-4003-B00A-0E185C28AE89}"/>
+              </a:ext>
+            </a:extLst>
+          </p:cNvPr>
+          <p:cNvSpPr txBox="1"/>
+          <p:nvPr/>
+        </p:nvSpPr>
+        <p:spPr>
+          <a:xfrm>
+            <a:off x="8021296" y="3481374"/>
+            <a:ext cx="1821481" cy="430887"/>
+          </a:xfrm>
+          <a:prstGeom prst="rect">
+            <a:avLst/>
+          </a:prstGeom>
+          <a:solidFill>
+            <a:schemeClr val="bg1">
+              <a:alpha val="82000"/>
+            </a:schemeClr>
+          </a:solidFill>
+          <a:ln w="28575">
+            <a:solidFill>
+              <a:schemeClr val="tx1"/>
+            </a:solidFill>
+            <a:prstDash val="sysDash"/>
+          </a:ln>
+        </p:spPr>
+        <p:txBody>
+          <a:bodyPr wrap="square" rtlCol="0">
+            <a:spAutoFit/>
+          </a:bodyPr>
+          <a:lstStyle/>
+          <a:p>
+            <a:r>
+              <a:rPr lang="en-US" altLang="zh-CN" sz="1100" dirty="0">
+                <a:solidFill>
+                  <a:schemeClr val="accent6">
+                    <a:lumMod val="75000"/>
+                  </a:schemeClr>
+                </a:solidFill>
+              </a:rPr>
+              <a:t>Mission State:</a:t>
+            </a:r>
+          </a:p>
+          <a:p>
+            <a:r>
+              <a:rPr lang="en-US" sz="1100" b="1" dirty="0">
+                <a:solidFill>
+                  <a:srgbClr val="0070C0"/>
+                </a:solidFill>
+              </a:rPr>
+              <a:t> c2: c2_status</a:t>
+            </a:r>
+          </a:p>
+        </p:txBody>
+      </p:sp>
+      <p:sp>
+        <p:nvSpPr>
+          <p:cNvPr id="58" name="TextBox 57">
+            <a:extLst>
+              <a:ext uri="{FF2B5EF4-FFF2-40B4-BE49-F238E27FC236}">
+                <a16:creationId xmlns:a16="http://schemas.microsoft.com/office/drawing/2014/main" id="{FE9FF0A5-31A7-4687-91F1-06EA77271106}"/>
+              </a:ext>
+            </a:extLst>
+          </p:cNvPr>
+          <p:cNvSpPr txBox="1"/>
+          <p:nvPr/>
+        </p:nvSpPr>
+        <p:spPr>
+          <a:xfrm>
+            <a:off x="1613628" y="5139890"/>
+            <a:ext cx="1821481" cy="430887"/>
+          </a:xfrm>
+          <a:prstGeom prst="rect">
+            <a:avLst/>
+          </a:prstGeom>
+          <a:solidFill>
+            <a:schemeClr val="bg1">
+              <a:alpha val="82000"/>
+            </a:schemeClr>
+          </a:solidFill>
+          <a:ln w="28575">
+            <a:solidFill>
+              <a:schemeClr val="tx1"/>
+            </a:solidFill>
+            <a:prstDash val="sysDash"/>
+          </a:ln>
+        </p:spPr>
+        <p:txBody>
+          <a:bodyPr wrap="square" rtlCol="0">
+            <a:spAutoFit/>
+          </a:bodyPr>
+          <a:lstStyle/>
+          <a:p>
+            <a:r>
+              <a:rPr lang="en-US" altLang="zh-CN" sz="1100" dirty="0">
+                <a:solidFill>
+                  <a:schemeClr val="accent6">
+                    <a:lumMod val="75000"/>
+                  </a:schemeClr>
+                </a:solidFill>
+              </a:rPr>
+              <a:t>Mission State:</a:t>
+            </a:r>
+          </a:p>
+          <a:p>
+            <a:r>
+              <a:rPr lang="en-US" sz="1100" b="1" i="1" dirty="0">
+                <a:solidFill>
+                  <a:srgbClr val="0070C0"/>
+                </a:solidFill>
+              </a:rPr>
+              <a:t> c11: c11_status</a:t>
+            </a:r>
+          </a:p>
+        </p:txBody>
+      </p:sp>
+      <p:sp>
+        <p:nvSpPr>
+          <p:cNvPr id="59" name="TextBox 58">
+            <a:extLst>
+              <a:ext uri="{FF2B5EF4-FFF2-40B4-BE49-F238E27FC236}">
+                <a16:creationId xmlns:a16="http://schemas.microsoft.com/office/drawing/2014/main" id="{6FFB578F-81A3-41AB-9086-BCE336F9B6D7}"/>
+              </a:ext>
+            </a:extLst>
+          </p:cNvPr>
+          <p:cNvSpPr txBox="1"/>
+          <p:nvPr/>
+        </p:nvSpPr>
+        <p:spPr>
+          <a:xfrm>
+            <a:off x="6766653" y="4811516"/>
+            <a:ext cx="1821481" cy="430887"/>
+          </a:xfrm>
+          <a:prstGeom prst="rect">
+            <a:avLst/>
+          </a:prstGeom>
+          <a:solidFill>
+            <a:schemeClr val="bg1">
+              <a:alpha val="82000"/>
+            </a:schemeClr>
+          </a:solidFill>
+          <a:ln w="28575">
+            <a:solidFill>
+              <a:schemeClr val="tx1"/>
+            </a:solidFill>
+            <a:prstDash val="sysDash"/>
+          </a:ln>
+        </p:spPr>
+        <p:txBody>
+          <a:bodyPr wrap="square" rtlCol="0">
+            <a:spAutoFit/>
+          </a:bodyPr>
+          <a:lstStyle/>
+          <a:p>
+            <a:r>
+              <a:rPr lang="en-US" altLang="zh-CN" sz="1100" dirty="0">
+                <a:solidFill>
+                  <a:schemeClr val="accent6">
+                    <a:lumMod val="75000"/>
+                  </a:schemeClr>
+                </a:solidFill>
+              </a:rPr>
+              <a:t>Mission State:</a:t>
+            </a:r>
+          </a:p>
+          <a:p>
+            <a:r>
+              <a:rPr lang="en-US" sz="1100" b="1" i="1" dirty="0">
+                <a:solidFill>
+                  <a:srgbClr val="0070C0"/>
+                </a:solidFill>
+              </a:rPr>
+              <a:t> c12: c12_status</a:t>
+            </a:r>
+          </a:p>
+        </p:txBody>
+      </p:sp>
+      <p:sp>
+        <p:nvSpPr>
+          <p:cNvPr id="60" name="TextBox 59">
+            <a:extLst>
+              <a:ext uri="{FF2B5EF4-FFF2-40B4-BE49-F238E27FC236}">
+                <a16:creationId xmlns:a16="http://schemas.microsoft.com/office/drawing/2014/main" id="{1B8A4F64-A0C7-438E-BEAD-DEF82EC1A6B7}"/>
+              </a:ext>
+            </a:extLst>
+          </p:cNvPr>
+          <p:cNvSpPr txBox="1"/>
+          <p:nvPr/>
+        </p:nvSpPr>
+        <p:spPr>
+          <a:xfrm>
+            <a:off x="3988976" y="2241249"/>
+            <a:ext cx="1821481" cy="769441"/>
+          </a:xfrm>
+          <a:prstGeom prst="rect">
+            <a:avLst/>
+          </a:prstGeom>
+          <a:solidFill>
+            <a:schemeClr val="bg1">
+              <a:alpha val="82000"/>
+            </a:schemeClr>
+          </a:solidFill>
+          <a:ln w="28575">
+            <a:solidFill>
+              <a:schemeClr val="tx1"/>
+            </a:solidFill>
+            <a:prstDash val="sysDash"/>
+          </a:ln>
+        </p:spPr>
+        <p:txBody>
+          <a:bodyPr wrap="square" rtlCol="0">
+            <a:spAutoFit/>
+          </a:bodyPr>
+          <a:lstStyle/>
+          <a:p>
+            <a:r>
+              <a:rPr lang="en-US" altLang="zh-CN" sz="1100" dirty="0">
+                <a:solidFill>
+                  <a:schemeClr val="accent6">
+                    <a:lumMod val="75000"/>
+                  </a:schemeClr>
+                </a:solidFill>
+              </a:rPr>
+              <a:t>Mission State:</a:t>
+            </a:r>
+          </a:p>
+          <a:p>
+            <a:r>
+              <a:rPr lang="en-US" sz="1100" i="1" dirty="0">
+                <a:solidFill>
+                  <a:schemeClr val="accent6">
+                    <a:lumMod val="75000"/>
+                  </a:schemeClr>
+                </a:solidFill>
+              </a:rPr>
+              <a:t> </a:t>
+            </a:r>
+            <a:r>
+              <a:rPr lang="en-US" sz="1100" b="1" i="1" dirty="0">
+                <a:solidFill>
+                  <a:srgbClr val="0070C0"/>
+                </a:solidFill>
+              </a:rPr>
+              <a:t>c1: c1_status</a:t>
+            </a:r>
+            <a:endParaRPr lang="en-US" altLang="zh-CN" sz="1100" b="1" i="1" dirty="0">
+              <a:solidFill>
+                <a:srgbClr val="0070C0"/>
+              </a:solidFill>
+            </a:endParaRPr>
+          </a:p>
+          <a:p>
+            <a:r>
+              <a:rPr lang="en-US" sz="1100" b="1" i="1" dirty="0">
+                <a:solidFill>
+                  <a:srgbClr val="0070C0"/>
+                </a:solidFill>
+              </a:rPr>
+              <a:t> c1/c11: c11_status</a:t>
+            </a:r>
+          </a:p>
+          <a:p>
+            <a:r>
+              <a:rPr lang="en-US" sz="1100" b="1" i="1" dirty="0">
+                <a:solidFill>
+                  <a:srgbClr val="0070C0"/>
+                </a:solidFill>
+              </a:rPr>
+              <a:t> c1/c12: c12_status</a:t>
+            </a:r>
+          </a:p>
+        </p:txBody>
+      </p:sp>
+      <p:sp>
+        <p:nvSpPr>
+          <p:cNvPr id="61" name="TextBox 60">
+            <a:extLst>
+              <a:ext uri="{FF2B5EF4-FFF2-40B4-BE49-F238E27FC236}">
+                <a16:creationId xmlns:a16="http://schemas.microsoft.com/office/drawing/2014/main" id="{A58A8401-7960-4788-BC4E-9F4CAE604AE7}"/>
+              </a:ext>
+            </a:extLst>
+          </p:cNvPr>
+          <p:cNvSpPr txBox="1"/>
+          <p:nvPr/>
+        </p:nvSpPr>
+        <p:spPr>
+          <a:xfrm>
+            <a:off x="5239200" y="266347"/>
+            <a:ext cx="1821481" cy="1107996"/>
+          </a:xfrm>
+          <a:prstGeom prst="rect">
+            <a:avLst/>
+          </a:prstGeom>
+          <a:solidFill>
+            <a:schemeClr val="bg1">
+              <a:alpha val="82000"/>
+            </a:schemeClr>
+          </a:solidFill>
+          <a:ln w="28575">
+            <a:solidFill>
+              <a:schemeClr val="tx1">
+                <a:lumMod val="95000"/>
+                <a:lumOff val="5000"/>
+              </a:schemeClr>
+            </a:solidFill>
+            <a:prstDash val="sysDash"/>
+          </a:ln>
+        </p:spPr>
+        <p:txBody>
+          <a:bodyPr wrap="square" rtlCol="0">
+            <a:spAutoFit/>
+          </a:bodyPr>
+          <a:lstStyle/>
+          <a:p>
+            <a:r>
+              <a:rPr lang="en-US" altLang="zh-CN" sz="1100" dirty="0">
+                <a:solidFill>
+                  <a:schemeClr val="accent6">
+                    <a:lumMod val="75000"/>
+                  </a:schemeClr>
+                </a:solidFill>
+              </a:rPr>
+              <a:t>Mission State:</a:t>
+            </a:r>
+          </a:p>
+          <a:p>
+            <a:r>
+              <a:rPr lang="en-US" sz="1100" dirty="0">
+                <a:solidFill>
+                  <a:schemeClr val="accent6">
+                    <a:lumMod val="75000"/>
+                  </a:schemeClr>
+                </a:solidFill>
+              </a:rPr>
+              <a:t> </a:t>
+            </a:r>
+            <a:r>
+              <a:rPr lang="en-US" sz="1100" b="1" i="1" dirty="0">
+                <a:solidFill>
+                  <a:srgbClr val="0070C0"/>
+                </a:solidFill>
+              </a:rPr>
+              <a:t>c1: c1_status</a:t>
+            </a:r>
+            <a:endParaRPr lang="en-US" altLang="zh-CN" sz="1100" b="1" i="1" dirty="0">
+              <a:solidFill>
+                <a:srgbClr val="0070C0"/>
+              </a:solidFill>
+            </a:endParaRPr>
+          </a:p>
+          <a:p>
+            <a:r>
+              <a:rPr lang="en-US" sz="1100" b="1" i="1" dirty="0">
+                <a:solidFill>
+                  <a:srgbClr val="0070C0"/>
+                </a:solidFill>
+              </a:rPr>
+              <a:t> c1/c11: c11_status</a:t>
+            </a:r>
+          </a:p>
+          <a:p>
+            <a:r>
+              <a:rPr lang="en-US" sz="1100" b="1" i="1" dirty="0">
+                <a:solidFill>
+                  <a:srgbClr val="0070C0"/>
+                </a:solidFill>
+              </a:rPr>
+              <a:t> c1/c11: c11_status</a:t>
+            </a:r>
+          </a:p>
+          <a:p>
+            <a:r>
+              <a:rPr lang="en-US" sz="1100" b="1" i="1" dirty="0">
+                <a:solidFill>
+                  <a:srgbClr val="0070C0"/>
+                </a:solidFill>
+              </a:rPr>
+              <a:t> c2: c2_status</a:t>
+            </a:r>
+          </a:p>
+          <a:p>
+            <a:endParaRPr lang="en-US" sz="1100" dirty="0">
+              <a:solidFill>
+                <a:schemeClr val="accent6">
+                  <a:lumMod val="75000"/>
+                </a:schemeClr>
+              </a:solidFill>
+            </a:endParaRPr>
+          </a:p>
+        </p:txBody>
+      </p:sp>
+      <p:pic>
+        <p:nvPicPr>
+          <p:cNvPr id="35" name="Graphic 34" descr="Close with solid fill">
+            <a:extLst>
+              <a:ext uri="{FF2B5EF4-FFF2-40B4-BE49-F238E27FC236}">
+                <a16:creationId xmlns:a16="http://schemas.microsoft.com/office/drawing/2014/main" id="{08BEF31E-F00E-4F6D-8A44-63816DDDA636}"/>
+              </a:ext>
+            </a:extLst>
+          </p:cNvPr>
+          <p:cNvPicPr>
+            <a:picLocks noChangeAspect="1"/>
+          </p:cNvPicPr>
+          <p:nvPr/>
+        </p:nvPicPr>
+        <p:blipFill>
+          <a:blip r:embed="rId2">
+            <a:extLst>
+              <a:ext uri="{28A0092B-C50C-407E-A947-70E740481C1C}">
+                <a14:useLocalDpi xmlns:a14="http://schemas.microsoft.com/office/drawing/2010/main" val="0"/>
+              </a:ext>
+              <a:ext uri="{96DAC541-7B7A-43D3-8B79-37D633B846F1}">
+                <asvg:svgBlip xmlns:asvg="http://schemas.microsoft.com/office/drawing/2016/SVG/main" r:embed="rId3"/>
+              </a:ext>
+            </a:extLst>
+          </a:blip>
+          <a:stretch>
+            <a:fillRect/>
+          </a:stretch>
+        </p:blipFill>
+        <p:spPr>
+          <a:xfrm>
+            <a:off x="3564459" y="1260734"/>
+            <a:ext cx="914400" cy="914400"/>
+          </a:xfrm>
+          <a:prstGeom prst="rect">
+            <a:avLst/>
+          </a:prstGeom>
+        </p:spPr>
+      </p:pic>
+      <p:sp>
+        <p:nvSpPr>
+          <p:cNvPr id="36" name="TextBox 35">
+            <a:extLst>
+              <a:ext uri="{FF2B5EF4-FFF2-40B4-BE49-F238E27FC236}">
+                <a16:creationId xmlns:a16="http://schemas.microsoft.com/office/drawing/2014/main" id="{C29A885D-B399-405D-880C-D0DDCDAAF832}"/>
+              </a:ext>
+            </a:extLst>
+          </p:cNvPr>
+          <p:cNvSpPr txBox="1"/>
+          <p:nvPr/>
+        </p:nvSpPr>
+        <p:spPr>
+          <a:xfrm>
+            <a:off x="9541637" y="331489"/>
+            <a:ext cx="2101544" cy="769441"/>
+          </a:xfrm>
+          <a:prstGeom prst="rect">
+            <a:avLst/>
+          </a:prstGeom>
+          <a:solidFill>
+            <a:schemeClr val="bg1">
+              <a:alpha val="82000"/>
+            </a:schemeClr>
+          </a:solidFill>
+          <a:ln w="28575">
+            <a:solidFill>
+              <a:schemeClr val="tx1">
+                <a:lumMod val="95000"/>
+                <a:lumOff val="5000"/>
+              </a:schemeClr>
+            </a:solidFill>
+            <a:prstDash val="sysDash"/>
+          </a:ln>
+        </p:spPr>
+        <p:txBody>
+          <a:bodyPr wrap="square" rtlCol="0">
+            <a:spAutoFit/>
+          </a:bodyPr>
+          <a:lstStyle/>
+          <a:p>
+            <a:r>
+              <a:rPr lang="en-US" altLang="zh-CN" sz="1100" dirty="0">
+                <a:solidFill>
+                  <a:schemeClr val="accent6">
+                    <a:lumMod val="75000"/>
+                  </a:schemeClr>
+                </a:solidFill>
+              </a:rPr>
+              <a:t>Mission State:</a:t>
+            </a:r>
+          </a:p>
+          <a:p>
+            <a:r>
+              <a:rPr lang="en-US" sz="1100" b="1" i="1" dirty="0">
+                <a:solidFill>
+                  <a:srgbClr val="0070C0"/>
+                </a:solidFill>
+              </a:rPr>
+              <a:t>c1: cluster disconnected</a:t>
+            </a:r>
+            <a:endParaRPr lang="en-US" altLang="zh-CN" sz="1100" b="1" i="1" dirty="0">
+              <a:solidFill>
+                <a:srgbClr val="0070C0"/>
+              </a:solidFill>
+            </a:endParaRPr>
+          </a:p>
+          <a:p>
+            <a:r>
+              <a:rPr lang="en-US" sz="1100" b="1" i="1" dirty="0">
+                <a:solidFill>
+                  <a:srgbClr val="0070C0"/>
+                </a:solidFill>
+              </a:rPr>
+              <a:t>c2: c2_status</a:t>
+            </a:r>
+          </a:p>
+          <a:p>
+            <a:endParaRPr lang="en-US" sz="1100" dirty="0">
+              <a:solidFill>
+                <a:schemeClr val="accent6">
+                  <a:lumMod val="75000"/>
+                </a:schemeClr>
+              </a:solidFill>
+            </a:endParaRPr>
+          </a:p>
+        </p:txBody>
+      </p:sp>
+      <p:sp>
+        <p:nvSpPr>
+          <p:cNvPr id="2" name="Arrow: Right 1">
+            <a:extLst>
+              <a:ext uri="{FF2B5EF4-FFF2-40B4-BE49-F238E27FC236}">
+                <a16:creationId xmlns:a16="http://schemas.microsoft.com/office/drawing/2014/main" id="{32788358-3BAB-4632-92FA-85BA508391A1}"/>
+              </a:ext>
+            </a:extLst>
+          </p:cNvPr>
+          <p:cNvSpPr/>
+          <p:nvPr/>
+        </p:nvSpPr>
+        <p:spPr>
+          <a:xfrm>
+            <a:off x="7964069" y="615185"/>
+            <a:ext cx="777600" cy="250717"/>
+          </a:xfrm>
+          <a:prstGeom prst="rightArrow">
+            <a:avLst/>
+          </a:prstGeom>
+        </p:spPr>
+        <p:style>
+          <a:lnRef idx="2">
+            <a:schemeClr val="accent1">
+              <a:shade val="50000"/>
+            </a:schemeClr>
+          </a:lnRef>
+          <a:fillRef idx="1">
+            <a:schemeClr val="accent1"/>
+          </a:fillRef>
+          <a:effectRef idx="0">
+            <a:schemeClr val="accent1"/>
+          </a:effectRef>
+          <a:fontRef idx="minor">
+            <a:schemeClr val="lt1"/>
+          </a:fontRef>
+        </p:style>
+        <p:txBody>
+          <a:bodyPr rtlCol="0" anchor="ctr"/>
+          <a:lstStyle/>
+          <a:p>
+            <a:pPr algn="ctr"/>
+            <a:endParaRPr lang="en-US"/>
+          </a:p>
+        </p:txBody>
+      </p:sp>
+      <p:sp>
+        <p:nvSpPr>
+          <p:cNvPr id="3" name="TextBox 2">
+            <a:extLst>
+              <a:ext uri="{FF2B5EF4-FFF2-40B4-BE49-F238E27FC236}">
+                <a16:creationId xmlns:a16="http://schemas.microsoft.com/office/drawing/2014/main" id="{401C94D2-B721-4D7E-BA41-5CDBC8089011}"/>
+              </a:ext>
+            </a:extLst>
+          </p:cNvPr>
+          <p:cNvSpPr txBox="1"/>
+          <p:nvPr/>
+        </p:nvSpPr>
+        <p:spPr>
+          <a:xfrm>
+            <a:off x="7233492" y="917006"/>
+            <a:ext cx="2308145" cy="923330"/>
+          </a:xfrm>
+          <a:prstGeom prst="rect">
+            <a:avLst/>
+          </a:prstGeom>
+          <a:noFill/>
+        </p:spPr>
+        <p:txBody>
+          <a:bodyPr wrap="square" rtlCol="0">
+            <a:spAutoFit/>
+          </a:bodyPr>
+          <a:lstStyle/>
+          <a:p>
+            <a:r>
+              <a:rPr lang="en-US" dirty="0">
+                <a:solidFill>
+                  <a:schemeClr val="accent1">
+                    <a:lumMod val="75000"/>
+                  </a:schemeClr>
+                </a:solidFill>
+                <a:latin typeface="Arial Nova Cond" panose="020B0506020202020204" pitchFamily="34" charset="0"/>
+              </a:rPr>
+              <a:t>Pruner detects C1 has no heart-beat for 1 minute. </a:t>
+            </a:r>
+          </a:p>
+        </p:txBody>
+      </p:sp>
+      <p:sp>
+        <p:nvSpPr>
+          <p:cNvPr id="39" name="TextBox 38">
+            <a:extLst>
+              <a:ext uri="{FF2B5EF4-FFF2-40B4-BE49-F238E27FC236}">
+                <a16:creationId xmlns:a16="http://schemas.microsoft.com/office/drawing/2014/main" id="{DBD96FB7-8DD1-484C-8E19-1EBB9E2EB42D}"/>
+              </a:ext>
+            </a:extLst>
+          </p:cNvPr>
+          <p:cNvSpPr txBox="1"/>
+          <p:nvPr/>
+        </p:nvSpPr>
+        <p:spPr>
+          <a:xfrm>
+            <a:off x="3918815" y="6151152"/>
+            <a:ext cx="4700326" cy="369332"/>
+          </a:xfrm>
+          <a:prstGeom prst="rect">
+            <a:avLst/>
+          </a:prstGeom>
+          <a:noFill/>
+        </p:spPr>
+        <p:txBody>
+          <a:bodyPr wrap="none" rtlCol="0">
+            <a:spAutoFit/>
+          </a:bodyPr>
+          <a:lstStyle/>
+          <a:p>
+            <a:r>
+              <a:rPr lang="en-US" b="1" dirty="0"/>
+              <a:t>Scenario II : An </a:t>
+            </a:r>
+            <a:r>
+              <a:rPr lang="en-US" b="1" dirty="0" err="1"/>
+              <a:t>EdgeCluster</a:t>
+            </a:r>
+            <a:r>
+              <a:rPr lang="en-US" b="1" dirty="0"/>
+              <a:t> Goes Offline</a:t>
+            </a:r>
+          </a:p>
+        </p:txBody>
+      </p:sp>
+    </p:spTree>
+    <p:extLst>
+      <p:ext uri="{BB962C8B-B14F-4D97-AF65-F5344CB8AC3E}">
+        <p14:creationId xmlns:p14="http://schemas.microsoft.com/office/powerpoint/2010/main" val="1122135605"/>
+      </p:ext>
+    </p:extLst>
+  </p:cSld>
+  <p:clrMapOvr>
+    <a:masterClrMapping/>
+  </p:clrMapOvr>
+  <p:timing>
+    <p:tnLst>
+      <p:par>
+        <p:cTn id="1" dur="indefinite" restart="never" nodeType="tmRoot">
+          <p:childTnLst>
+            <p:seq concurrent="1" nextAc="seek">
+              <p:cTn id="2" dur="indefinite" nodeType="mainSeq">
+                <p:childTnLst>
+                  <p:par>
+                    <p:cTn id="3" fill="hold">
+                      <p:stCondLst>
+                        <p:cond delay="indefinite"/>
+                      </p:stCondLst>
+                      <p:childTnLst>
+                        <p:par>
+                          <p:cTn id="4" fill="hold">
+                            <p:stCondLst>
+                              <p:cond delay="0"/>
+                            </p:stCondLst>
+                            <p:childTnLst>
+                              <p:par>
+                                <p:cTn id="5" presetID="1" presetClass="entr" presetSubtype="0" fill="hold" nodeType="clickEffect">
+                                  <p:stCondLst>
+                                    <p:cond delay="0"/>
+                                  </p:stCondLst>
+                                  <p:childTnLst>
+                                    <p:set>
+                                      <p:cBhvr>
+                                        <p:cTn id="6" dur="1" fill="hold">
+                                          <p:stCondLst>
+                                            <p:cond delay="0"/>
+                                          </p:stCondLst>
+                                        </p:cTn>
+                                        <p:tgtEl>
+                                          <p:spTgt spid="35"/>
+                                        </p:tgtEl>
+                                        <p:attrNameLst>
+                                          <p:attrName>style.visibility</p:attrName>
+                                        </p:attrNameLst>
+                                      </p:cBhvr>
+                                      <p:to>
+                                        <p:strVal val="visible"/>
+                                      </p:to>
+                                    </p:set>
+                                  </p:childTnLst>
+                                </p:cTn>
+                              </p:par>
+                            </p:childTnLst>
+                          </p:cTn>
+                        </p:par>
+                      </p:childTnLst>
+                    </p:cTn>
+                  </p:par>
+                  <p:par>
+                    <p:cTn id="7" fill="hold">
+                      <p:stCondLst>
+                        <p:cond delay="indefinite"/>
+                      </p:stCondLst>
+                      <p:childTnLst>
+                        <p:par>
+                          <p:cTn id="8" fill="hold">
+                            <p:stCondLst>
+                              <p:cond delay="0"/>
+                            </p:stCondLst>
+                            <p:childTnLst>
+                              <p:par>
+                                <p:cTn id="9" presetID="1" presetClass="entr" presetSubtype="0" fill="hold" grpId="0" nodeType="clickEffect">
+                                  <p:stCondLst>
+                                    <p:cond delay="0"/>
+                                  </p:stCondLst>
+                                  <p:childTnLst>
+                                    <p:set>
+                                      <p:cBhvr>
+                                        <p:cTn id="10" dur="1" fill="hold">
+                                          <p:stCondLst>
+                                            <p:cond delay="0"/>
+                                          </p:stCondLst>
+                                        </p:cTn>
+                                        <p:tgtEl>
+                                          <p:spTgt spid="3"/>
+                                        </p:tgtEl>
+                                        <p:attrNameLst>
+                                          <p:attrName>style.visibility</p:attrName>
+                                        </p:attrNameLst>
+                                      </p:cBhvr>
+                                      <p:to>
+                                        <p:strVal val="visible"/>
+                                      </p:to>
+                                    </p:set>
+                                  </p:childTnLst>
+                                </p:cTn>
+                              </p:par>
+                            </p:childTnLst>
+                          </p:cTn>
+                        </p:par>
+                      </p:childTnLst>
+                    </p:cTn>
+                  </p:par>
+                  <p:par>
+                    <p:cTn id="11" fill="hold">
+                      <p:stCondLst>
+                        <p:cond delay="indefinite"/>
+                      </p:stCondLst>
+                      <p:childTnLst>
+                        <p:par>
+                          <p:cTn id="12" fill="hold">
+                            <p:stCondLst>
+                              <p:cond delay="0"/>
+                            </p:stCondLst>
+                            <p:childTnLst>
+                              <p:par>
+                                <p:cTn id="13" presetID="42" presetClass="entr" presetSubtype="0" fill="hold" grpId="0" nodeType="clickEffect">
+                                  <p:stCondLst>
+                                    <p:cond delay="0"/>
+                                  </p:stCondLst>
+                                  <p:childTnLst>
+                                    <p:set>
+                                      <p:cBhvr>
+                                        <p:cTn id="14" dur="1" fill="hold">
+                                          <p:stCondLst>
+                                            <p:cond delay="0"/>
+                                          </p:stCondLst>
+                                        </p:cTn>
+                                        <p:tgtEl>
+                                          <p:spTgt spid="36"/>
+                                        </p:tgtEl>
+                                        <p:attrNameLst>
+                                          <p:attrName>style.visibility</p:attrName>
+                                        </p:attrNameLst>
+                                      </p:cBhvr>
+                                      <p:to>
+                                        <p:strVal val="visible"/>
+                                      </p:to>
+                                    </p:set>
+                                    <p:animEffect transition="in" filter="fade">
+                                      <p:cBhvr>
+                                        <p:cTn id="15" dur="1000"/>
+                                        <p:tgtEl>
+                                          <p:spTgt spid="36"/>
+                                        </p:tgtEl>
+                                      </p:cBhvr>
+                                    </p:animEffect>
+                                    <p:anim calcmode="lin" valueType="num">
+                                      <p:cBhvr>
+                                        <p:cTn id="16" dur="1000" fill="hold"/>
+                                        <p:tgtEl>
+                                          <p:spTgt spid="36"/>
+                                        </p:tgtEl>
+                                        <p:attrNameLst>
+                                          <p:attrName>ppt_x</p:attrName>
+                                        </p:attrNameLst>
+                                      </p:cBhvr>
+                                      <p:tavLst>
+                                        <p:tav tm="0">
+                                          <p:val>
+                                            <p:strVal val="#ppt_x"/>
+                                          </p:val>
+                                        </p:tav>
+                                        <p:tav tm="100000">
+                                          <p:val>
+                                            <p:strVal val="#ppt_x"/>
+                                          </p:val>
+                                        </p:tav>
+                                      </p:tavLst>
+                                    </p:anim>
+                                    <p:anim calcmode="lin" valueType="num">
+                                      <p:cBhvr>
+                                        <p:cTn id="17" dur="1000" fill="hold"/>
+                                        <p:tgtEl>
+                                          <p:spTgt spid="36"/>
+                                        </p:tgtEl>
+                                        <p:attrNameLst>
+                                          <p:attrName>ppt_y</p:attrName>
+                                        </p:attrNameLst>
+                                      </p:cBhvr>
+                                      <p:tavLst>
+                                        <p:tav tm="0">
+                                          <p:val>
+                                            <p:strVal val="#ppt_y+.1"/>
+                                          </p:val>
+                                        </p:tav>
+                                        <p:tav tm="100000">
+                                          <p:val>
+                                            <p:strVal val="#ppt_y"/>
+                                          </p:val>
+                                        </p:tav>
+                                      </p:tavLst>
+                                    </p:anim>
+                                  </p:childTnLst>
+                                </p:cTn>
+                              </p:par>
+                              <p:par>
+                                <p:cTn id="18" presetID="1" presetClass="entr" presetSubtype="0" fill="hold" grpId="0" nodeType="withEffect">
+                                  <p:stCondLst>
+                                    <p:cond delay="0"/>
+                                  </p:stCondLst>
+                                  <p:childTnLst>
+                                    <p:set>
+                                      <p:cBhvr>
+                                        <p:cTn id="19" dur="1" fill="hold">
+                                          <p:stCondLst>
+                                            <p:cond delay="0"/>
+                                          </p:stCondLst>
+                                        </p:cTn>
+                                        <p:tgtEl>
+                                          <p:spTgt spid="2"/>
+                                        </p:tgtEl>
+                                        <p:attrNameLst>
+                                          <p:attrName>style.visibility</p:attrName>
+                                        </p:attrNameLst>
+                                      </p:cBhvr>
+                                      <p:to>
+                                        <p:strVal val="visible"/>
+                                      </p:to>
+                                    </p:set>
+                                  </p:childTnLst>
+                                </p:cTn>
+                              </p:par>
+                            </p:childTnLst>
+                          </p:cTn>
+                        </p:par>
+                      </p:childTnLst>
+                    </p:cTn>
+                  </p:par>
+                </p:childTnLst>
+              </p:cTn>
+              <p:prevCondLst>
+                <p:cond evt="onPrev" delay="0">
+                  <p:tgtEl>
+                    <p:sldTgt/>
+                  </p:tgtEl>
+                </p:cond>
+              </p:prevCondLst>
+              <p:nextCondLst>
+                <p:cond evt="onNext" delay="0">
+                  <p:tgtEl>
+                    <p:sldTgt/>
+                  </p:tgtEl>
+                </p:cond>
+              </p:nextCondLst>
+            </p:seq>
+          </p:childTnLst>
+        </p:cTn>
+      </p:par>
+    </p:tnLst>
+    <p:bldLst>
+      <p:bldP spid="36" grpId="0" animBg="1"/>
+      <p:bldP spid="2" grpId="0" animBg="1"/>
+      <p:bldP spid="3" grpId="0"/>
+    </p:bldLst>
+  </p:timing>
+</p:sld>
+</file>
+
+<file path=ppt/slides/slide6.xml><?xml version="1.0" encoding="utf-8"?>
+<p:sld xmlns:a="http://schemas.openxmlformats.org/drawingml/2006/main" xmlns:r="http://schemas.openxmlformats.org/officeDocument/2006/relationships" xmlns:p="http://schemas.openxmlformats.org/presentationml/2006/main">
+  <p:cSld>
+    <p:spTree>
+      <p:nvGrpSpPr>
+        <p:cNvPr id="1" name=""/>
+        <p:cNvGrpSpPr/>
+        <p:nvPr/>
+      </p:nvGrpSpPr>
+      <p:grpSpPr>
+        <a:xfrm>
+          <a:off x="0" y="0"/>
+          <a:ext cx="0" cy="0"/>
+          <a:chOff x="0" y="0"/>
+          <a:chExt cx="0" cy="0"/>
+        </a:xfrm>
+      </p:grpSpPr>
+      <p:sp>
+        <p:nvSpPr>
+          <p:cNvPr id="9" name="Triangle 116">
+            <a:extLst>
+              <a:ext uri="{FF2B5EF4-FFF2-40B4-BE49-F238E27FC236}">
+                <a16:creationId xmlns:a16="http://schemas.microsoft.com/office/drawing/2014/main" id="{757FDD8E-B258-4690-A81C-E629A1E0ADDB}"/>
+              </a:ext>
+            </a:extLst>
+          </p:cNvPr>
+          <p:cNvSpPr/>
+          <p:nvPr/>
+        </p:nvSpPr>
+        <p:spPr>
+          <a:xfrm>
+            <a:off x="4142936" y="361656"/>
+            <a:ext cx="609600" cy="609600"/>
+          </a:xfrm>
+          <a:prstGeom prst="triangle">
+            <a:avLst/>
+          </a:prstGeom>
+          <a:solidFill>
+            <a:schemeClr val="accent5">
+              <a:lumMod val="75000"/>
+            </a:schemeClr>
+          </a:solidFill>
+          <a:ln w="19050">
+            <a:solidFill>
+              <a:schemeClr val="tx1">
+                <a:lumMod val="95000"/>
+                <a:lumOff val="5000"/>
+              </a:schemeClr>
+            </a:solidFill>
+          </a:ln>
+        </p:spPr>
+        <p:style>
+          <a:lnRef idx="2">
+            <a:schemeClr val="accent1">
+              <a:shade val="50000"/>
+            </a:schemeClr>
+          </a:lnRef>
+          <a:fillRef idx="1">
+            <a:schemeClr val="accent1"/>
+          </a:fillRef>
+          <a:effectRef idx="0">
+            <a:schemeClr val="accent1"/>
+          </a:effectRef>
+          <a:fontRef idx="minor">
+            <a:schemeClr val="lt1"/>
+          </a:fontRef>
+        </p:style>
+        <p:txBody>
+          <a:bodyPr rtlCol="0" anchor="ctr"/>
+          <a:lstStyle/>
+          <a:p>
+            <a:pPr algn="ctr"/>
+            <a:endParaRPr lang="en-US"/>
+          </a:p>
+        </p:txBody>
+      </p:sp>
+      <p:sp>
+        <p:nvSpPr>
+          <p:cNvPr id="10" name="Triangle 117">
+            <a:extLst>
+              <a:ext uri="{FF2B5EF4-FFF2-40B4-BE49-F238E27FC236}">
+                <a16:creationId xmlns:a16="http://schemas.microsoft.com/office/drawing/2014/main" id="{1896F6BF-18FB-4751-9417-3BD726B4DB94}"/>
+              </a:ext>
+            </a:extLst>
+          </p:cNvPr>
+          <p:cNvSpPr/>
+          <p:nvPr/>
+        </p:nvSpPr>
+        <p:spPr>
+          <a:xfrm>
+            <a:off x="893563" y="4488701"/>
+            <a:ext cx="609600" cy="609600"/>
+          </a:xfrm>
+          <a:prstGeom prst="triangle">
+            <a:avLst/>
+          </a:prstGeom>
+          <a:solidFill>
+            <a:schemeClr val="bg2">
+              <a:lumMod val="50000"/>
+            </a:schemeClr>
+          </a:solidFill>
+          <a:ln w="19050">
+            <a:solidFill>
+              <a:schemeClr val="tx1">
+                <a:lumMod val="95000"/>
+                <a:lumOff val="5000"/>
+              </a:schemeClr>
+            </a:solidFill>
+          </a:ln>
+        </p:spPr>
+        <p:style>
+          <a:lnRef idx="2">
+            <a:schemeClr val="accent1">
+              <a:shade val="50000"/>
+            </a:schemeClr>
+          </a:lnRef>
+          <a:fillRef idx="1">
+            <a:schemeClr val="accent1"/>
+          </a:fillRef>
+          <a:effectRef idx="0">
+            <a:schemeClr val="accent1"/>
+          </a:effectRef>
+          <a:fontRef idx="minor">
+            <a:schemeClr val="lt1"/>
+          </a:fontRef>
+        </p:style>
+        <p:txBody>
+          <a:bodyPr rtlCol="0" anchor="ctr"/>
+          <a:lstStyle/>
+          <a:p>
+            <a:pPr algn="ctr"/>
+            <a:endParaRPr lang="en-US"/>
+          </a:p>
+        </p:txBody>
+      </p:sp>
+      <p:sp>
+        <p:nvSpPr>
+          <p:cNvPr id="11" name="Triangle 118">
+            <a:extLst>
+              <a:ext uri="{FF2B5EF4-FFF2-40B4-BE49-F238E27FC236}">
+                <a16:creationId xmlns:a16="http://schemas.microsoft.com/office/drawing/2014/main" id="{C4A7EB2A-9CB9-407C-8A55-286B6F8384EB}"/>
+              </a:ext>
+            </a:extLst>
+          </p:cNvPr>
+          <p:cNvSpPr/>
+          <p:nvPr/>
+        </p:nvSpPr>
+        <p:spPr>
+          <a:xfrm>
+            <a:off x="5979180" y="4488701"/>
+            <a:ext cx="609600" cy="609600"/>
+          </a:xfrm>
+          <a:prstGeom prst="triangle">
+            <a:avLst/>
+          </a:prstGeom>
+          <a:solidFill>
+            <a:schemeClr val="bg2">
+              <a:lumMod val="50000"/>
+            </a:schemeClr>
+          </a:solidFill>
+          <a:ln w="19050">
+            <a:solidFill>
+              <a:schemeClr val="tx1">
+                <a:lumMod val="95000"/>
+                <a:lumOff val="5000"/>
+              </a:schemeClr>
+            </a:solidFill>
+          </a:ln>
+        </p:spPr>
+        <p:style>
+          <a:lnRef idx="2">
+            <a:schemeClr val="accent1">
+              <a:shade val="50000"/>
+            </a:schemeClr>
+          </a:lnRef>
+          <a:fillRef idx="1">
+            <a:schemeClr val="accent1"/>
+          </a:fillRef>
+          <a:effectRef idx="0">
+            <a:schemeClr val="accent1"/>
+          </a:effectRef>
+          <a:fontRef idx="minor">
+            <a:schemeClr val="lt1"/>
+          </a:fontRef>
+        </p:style>
+        <p:txBody>
+          <a:bodyPr rtlCol="0" anchor="ctr"/>
+          <a:lstStyle/>
+          <a:p>
+            <a:pPr algn="ctr"/>
+            <a:endParaRPr lang="en-US"/>
+          </a:p>
+        </p:txBody>
+      </p:sp>
+      <p:sp>
+        <p:nvSpPr>
+          <p:cNvPr id="12" name="Triangle 119">
+            <a:extLst>
+              <a:ext uri="{FF2B5EF4-FFF2-40B4-BE49-F238E27FC236}">
+                <a16:creationId xmlns:a16="http://schemas.microsoft.com/office/drawing/2014/main" id="{A761C84F-6DC4-41B5-AE2B-846910D6EFC5}"/>
+              </a:ext>
+            </a:extLst>
+          </p:cNvPr>
+          <p:cNvSpPr/>
+          <p:nvPr/>
+        </p:nvSpPr>
+        <p:spPr>
+          <a:xfrm>
+            <a:off x="3259659" y="2464612"/>
+            <a:ext cx="609600" cy="609600"/>
+          </a:xfrm>
+          <a:prstGeom prst="triangle">
+            <a:avLst/>
+          </a:prstGeom>
+          <a:solidFill>
+            <a:schemeClr val="bg2">
+              <a:lumMod val="50000"/>
+            </a:schemeClr>
+          </a:solidFill>
+          <a:ln w="19050">
+            <a:solidFill>
+              <a:schemeClr val="tx1">
+                <a:lumMod val="95000"/>
+                <a:lumOff val="5000"/>
+              </a:schemeClr>
+            </a:solidFill>
+          </a:ln>
+        </p:spPr>
+        <p:style>
+          <a:lnRef idx="2">
+            <a:schemeClr val="accent1">
+              <a:shade val="50000"/>
+            </a:schemeClr>
+          </a:lnRef>
+          <a:fillRef idx="1">
+            <a:schemeClr val="accent1"/>
+          </a:fillRef>
+          <a:effectRef idx="0">
+            <a:schemeClr val="accent1"/>
+          </a:effectRef>
+          <a:fontRef idx="minor">
+            <a:schemeClr val="lt1"/>
+          </a:fontRef>
+        </p:style>
+        <p:txBody>
+          <a:bodyPr rtlCol="0" anchor="ctr"/>
+          <a:lstStyle/>
+          <a:p>
+            <a:pPr algn="ctr"/>
+            <a:endParaRPr lang="en-US" dirty="0"/>
+          </a:p>
+        </p:txBody>
+      </p:sp>
+      <p:cxnSp>
+        <p:nvCxnSpPr>
+          <p:cNvPr id="13" name="Straight Connector 12">
+            <a:extLst>
+              <a:ext uri="{FF2B5EF4-FFF2-40B4-BE49-F238E27FC236}">
+                <a16:creationId xmlns:a16="http://schemas.microsoft.com/office/drawing/2014/main" id="{5F9A58EF-B40C-4B36-8D6E-0E08B77D6EB2}"/>
+              </a:ext>
+            </a:extLst>
+          </p:cNvPr>
+          <p:cNvCxnSpPr>
+            <a:cxnSpLocks/>
+            <a:stCxn id="10" idx="0"/>
+            <a:endCxn id="12" idx="3"/>
+          </p:cNvCxnSpPr>
+          <p:nvPr/>
+        </p:nvCxnSpPr>
+        <p:spPr>
+          <a:xfrm flipV="1">
+            <a:off x="1198363" y="3074212"/>
+            <a:ext cx="2366096" cy="1414489"/>
+          </a:xfrm>
+          <a:prstGeom prst="line">
+            <a:avLst/>
+          </a:prstGeom>
+          <a:ln w="19050">
+            <a:solidFill>
+              <a:srgbClr val="FF0000"/>
+            </a:solidFill>
+          </a:ln>
+        </p:spPr>
+        <p:style>
+          <a:lnRef idx="1">
+            <a:schemeClr val="accent1"/>
+          </a:lnRef>
+          <a:fillRef idx="0">
+            <a:schemeClr val="accent1"/>
+          </a:fillRef>
+          <a:effectRef idx="0">
+            <a:schemeClr val="accent1"/>
+          </a:effectRef>
+          <a:fontRef idx="minor">
+            <a:schemeClr val="tx1"/>
+          </a:fontRef>
+        </p:style>
+      </p:cxnSp>
+      <p:cxnSp>
+        <p:nvCxnSpPr>
+          <p:cNvPr id="14" name="Straight Connector 13">
+            <a:extLst>
+              <a:ext uri="{FF2B5EF4-FFF2-40B4-BE49-F238E27FC236}">
+                <a16:creationId xmlns:a16="http://schemas.microsoft.com/office/drawing/2014/main" id="{A54F9AAD-5102-4529-99D7-24ED805FF1E1}"/>
+              </a:ext>
+            </a:extLst>
+          </p:cNvPr>
+          <p:cNvCxnSpPr>
+            <a:cxnSpLocks/>
+            <a:stCxn id="11" idx="0"/>
+            <a:endCxn id="12" idx="3"/>
+          </p:cNvCxnSpPr>
+          <p:nvPr/>
+        </p:nvCxnSpPr>
+        <p:spPr>
+          <a:xfrm flipH="1" flipV="1">
+            <a:off x="3564459" y="3074212"/>
+            <a:ext cx="2719521" cy="1414489"/>
+          </a:xfrm>
+          <a:prstGeom prst="line">
+            <a:avLst/>
+          </a:prstGeom>
+          <a:ln w="19050">
+            <a:solidFill>
+              <a:srgbClr val="FF0000"/>
+            </a:solidFill>
+          </a:ln>
+        </p:spPr>
+        <p:style>
+          <a:lnRef idx="1">
+            <a:schemeClr val="accent1"/>
+          </a:lnRef>
+          <a:fillRef idx="0">
+            <a:schemeClr val="accent1"/>
+          </a:fillRef>
+          <a:effectRef idx="0">
+            <a:schemeClr val="accent1"/>
+          </a:effectRef>
+          <a:fontRef idx="minor">
+            <a:schemeClr val="tx1"/>
+          </a:fontRef>
+        </p:style>
+      </p:cxnSp>
+      <p:cxnSp>
+        <p:nvCxnSpPr>
+          <p:cNvPr id="15" name="Straight Connector 14">
+            <a:extLst>
+              <a:ext uri="{FF2B5EF4-FFF2-40B4-BE49-F238E27FC236}">
+                <a16:creationId xmlns:a16="http://schemas.microsoft.com/office/drawing/2014/main" id="{22E4A13D-B603-41EF-A709-A605566A584A}"/>
+              </a:ext>
+            </a:extLst>
+          </p:cNvPr>
+          <p:cNvCxnSpPr>
+            <a:cxnSpLocks/>
+            <a:stCxn id="12" idx="0"/>
+            <a:endCxn id="9" idx="3"/>
+          </p:cNvCxnSpPr>
+          <p:nvPr/>
+        </p:nvCxnSpPr>
+        <p:spPr>
+          <a:xfrm flipV="1">
+            <a:off x="3564459" y="971256"/>
+            <a:ext cx="883277" cy="1493356"/>
+          </a:xfrm>
+          <a:prstGeom prst="line">
+            <a:avLst/>
+          </a:prstGeom>
+          <a:ln w="19050">
+            <a:solidFill>
+              <a:srgbClr val="FF0000"/>
+            </a:solidFill>
+          </a:ln>
+        </p:spPr>
+        <p:style>
+          <a:lnRef idx="1">
+            <a:schemeClr val="accent1"/>
+          </a:lnRef>
+          <a:fillRef idx="0">
+            <a:schemeClr val="accent1"/>
+          </a:fillRef>
+          <a:effectRef idx="0">
+            <a:schemeClr val="accent1"/>
+          </a:effectRef>
+          <a:fontRef idx="minor">
+            <a:schemeClr val="tx1"/>
+          </a:fontRef>
+        </p:style>
+      </p:cxnSp>
+      <p:sp>
+        <p:nvSpPr>
+          <p:cNvPr id="16" name="Triangle 123">
+            <a:extLst>
+              <a:ext uri="{FF2B5EF4-FFF2-40B4-BE49-F238E27FC236}">
+                <a16:creationId xmlns:a16="http://schemas.microsoft.com/office/drawing/2014/main" id="{C873C7D1-A032-4C98-8CA4-730DF62DC06F}"/>
+              </a:ext>
+            </a:extLst>
+          </p:cNvPr>
+          <p:cNvSpPr/>
+          <p:nvPr/>
+        </p:nvSpPr>
+        <p:spPr>
+          <a:xfrm>
+            <a:off x="8932037" y="2661066"/>
+            <a:ext cx="609600" cy="609600"/>
+          </a:xfrm>
+          <a:prstGeom prst="triangle">
+            <a:avLst/>
+          </a:prstGeom>
+          <a:solidFill>
+            <a:schemeClr val="bg2">
+              <a:lumMod val="50000"/>
+            </a:schemeClr>
+          </a:solidFill>
+          <a:ln w="19050">
+            <a:solidFill>
+              <a:schemeClr val="tx1">
+                <a:lumMod val="95000"/>
+                <a:lumOff val="5000"/>
+              </a:schemeClr>
+            </a:solidFill>
+          </a:ln>
+        </p:spPr>
+        <p:style>
+          <a:lnRef idx="2">
+            <a:schemeClr val="accent1">
+              <a:shade val="50000"/>
+            </a:schemeClr>
+          </a:lnRef>
+          <a:fillRef idx="1">
+            <a:schemeClr val="accent1"/>
+          </a:fillRef>
+          <a:effectRef idx="0">
+            <a:schemeClr val="accent1"/>
+          </a:effectRef>
+          <a:fontRef idx="minor">
+            <a:schemeClr val="lt1"/>
+          </a:fontRef>
+        </p:style>
+        <p:txBody>
+          <a:bodyPr rtlCol="0" anchor="ctr"/>
+          <a:lstStyle/>
+          <a:p>
+            <a:pPr algn="ctr"/>
+            <a:endParaRPr lang="en-US" dirty="0"/>
+          </a:p>
+        </p:txBody>
+      </p:sp>
+      <p:cxnSp>
+        <p:nvCxnSpPr>
+          <p:cNvPr id="17" name="Straight Connector 16">
+            <a:extLst>
+              <a:ext uri="{FF2B5EF4-FFF2-40B4-BE49-F238E27FC236}">
+                <a16:creationId xmlns:a16="http://schemas.microsoft.com/office/drawing/2014/main" id="{0F5CE517-05E0-414C-83EB-151A07C2FC8F}"/>
+              </a:ext>
+            </a:extLst>
+          </p:cNvPr>
+          <p:cNvCxnSpPr>
+            <a:cxnSpLocks/>
+            <a:stCxn id="16" idx="0"/>
+            <a:endCxn id="9" idx="3"/>
+          </p:cNvCxnSpPr>
+          <p:nvPr/>
+        </p:nvCxnSpPr>
+        <p:spPr>
+          <a:xfrm flipH="1" flipV="1">
+            <a:off x="4447736" y="971256"/>
+            <a:ext cx="4789101" cy="1689810"/>
+          </a:xfrm>
+          <a:prstGeom prst="line">
+            <a:avLst/>
+          </a:prstGeom>
+          <a:ln w="19050">
+            <a:solidFill>
+              <a:srgbClr val="FF0000"/>
+            </a:solidFill>
+          </a:ln>
+        </p:spPr>
+        <p:style>
+          <a:lnRef idx="1">
+            <a:schemeClr val="accent1"/>
+          </a:lnRef>
+          <a:fillRef idx="0">
+            <a:schemeClr val="accent1"/>
+          </a:fillRef>
+          <a:effectRef idx="0">
+            <a:schemeClr val="accent1"/>
+          </a:effectRef>
+          <a:fontRef idx="minor">
+            <a:schemeClr val="tx1"/>
+          </a:fontRef>
+        </p:style>
+      </p:cxnSp>
+      <p:sp>
+        <p:nvSpPr>
+          <p:cNvPr id="23" name="TextBox 22">
+            <a:extLst>
+              <a:ext uri="{FF2B5EF4-FFF2-40B4-BE49-F238E27FC236}">
+                <a16:creationId xmlns:a16="http://schemas.microsoft.com/office/drawing/2014/main" id="{31F9FB6D-D2D9-446F-84C7-22A97CA6B1C3}"/>
+              </a:ext>
+            </a:extLst>
+          </p:cNvPr>
+          <p:cNvSpPr txBox="1"/>
+          <p:nvPr/>
+        </p:nvSpPr>
+        <p:spPr>
+          <a:xfrm>
+            <a:off x="3954035" y="3143118"/>
+            <a:ext cx="351378" cy="307777"/>
+          </a:xfrm>
+          <a:prstGeom prst="rect">
+            <a:avLst/>
+          </a:prstGeom>
+          <a:noFill/>
+        </p:spPr>
+        <p:txBody>
+          <a:bodyPr wrap="none" rtlCol="0">
+            <a:spAutoFit/>
+          </a:bodyPr>
+          <a:lstStyle/>
+          <a:p>
+            <a:r>
+              <a:rPr lang="en-US" altLang="zh-CN" sz="1400" dirty="0"/>
+              <a:t>c1</a:t>
+            </a:r>
+            <a:endParaRPr lang="en-US" sz="1400" dirty="0"/>
+          </a:p>
+        </p:txBody>
+      </p:sp>
+      <p:sp>
+        <p:nvSpPr>
+          <p:cNvPr id="24" name="TextBox 23">
+            <a:extLst>
+              <a:ext uri="{FF2B5EF4-FFF2-40B4-BE49-F238E27FC236}">
+                <a16:creationId xmlns:a16="http://schemas.microsoft.com/office/drawing/2014/main" id="{7A5DC8FF-D05A-469E-B106-C2D6E915C597}"/>
+              </a:ext>
+            </a:extLst>
+          </p:cNvPr>
+          <p:cNvSpPr txBox="1"/>
+          <p:nvPr/>
+        </p:nvSpPr>
+        <p:spPr>
+          <a:xfrm>
+            <a:off x="1392253" y="4678036"/>
+            <a:ext cx="442750" cy="307777"/>
+          </a:xfrm>
+          <a:prstGeom prst="rect">
+            <a:avLst/>
+          </a:prstGeom>
+          <a:noFill/>
+        </p:spPr>
+        <p:txBody>
+          <a:bodyPr wrap="none" rtlCol="0">
+            <a:spAutoFit/>
+          </a:bodyPr>
+          <a:lstStyle/>
+          <a:p>
+            <a:r>
+              <a:rPr lang="en-US" altLang="zh-CN" sz="1400" dirty="0"/>
+              <a:t>c11</a:t>
+            </a:r>
+            <a:endParaRPr lang="en-US" sz="1400" dirty="0"/>
+          </a:p>
+        </p:txBody>
+      </p:sp>
+      <p:sp>
+        <p:nvSpPr>
+          <p:cNvPr id="25" name="TextBox 24">
+            <a:extLst>
+              <a:ext uri="{FF2B5EF4-FFF2-40B4-BE49-F238E27FC236}">
+                <a16:creationId xmlns:a16="http://schemas.microsoft.com/office/drawing/2014/main" id="{09A91409-9C64-40B0-9146-E1AE0F71E062}"/>
+              </a:ext>
+            </a:extLst>
+          </p:cNvPr>
+          <p:cNvSpPr txBox="1"/>
+          <p:nvPr/>
+        </p:nvSpPr>
+        <p:spPr>
+          <a:xfrm>
+            <a:off x="5526820" y="4790524"/>
+            <a:ext cx="442750" cy="307777"/>
+          </a:xfrm>
+          <a:prstGeom prst="rect">
+            <a:avLst/>
+          </a:prstGeom>
+          <a:noFill/>
+        </p:spPr>
+        <p:txBody>
+          <a:bodyPr wrap="none" rtlCol="0">
+            <a:spAutoFit/>
+          </a:bodyPr>
+          <a:lstStyle/>
+          <a:p>
+            <a:r>
+              <a:rPr lang="en-US" altLang="zh-CN" sz="1400" dirty="0"/>
+              <a:t>c12</a:t>
+            </a:r>
+            <a:endParaRPr lang="en-US" sz="1400" dirty="0"/>
+          </a:p>
+        </p:txBody>
+      </p:sp>
+      <p:sp>
+        <p:nvSpPr>
+          <p:cNvPr id="26" name="TextBox 25">
+            <a:extLst>
+              <a:ext uri="{FF2B5EF4-FFF2-40B4-BE49-F238E27FC236}">
+                <a16:creationId xmlns:a16="http://schemas.microsoft.com/office/drawing/2014/main" id="{76357481-F87B-4634-9815-25626537203B}"/>
+              </a:ext>
+            </a:extLst>
+          </p:cNvPr>
+          <p:cNvSpPr txBox="1"/>
+          <p:nvPr/>
+        </p:nvSpPr>
+        <p:spPr>
+          <a:xfrm>
+            <a:off x="8499632" y="2863557"/>
+            <a:ext cx="351378" cy="307777"/>
+          </a:xfrm>
+          <a:prstGeom prst="rect">
+            <a:avLst/>
+          </a:prstGeom>
+          <a:noFill/>
+        </p:spPr>
+        <p:txBody>
+          <a:bodyPr wrap="none" rtlCol="0">
+            <a:spAutoFit/>
+          </a:bodyPr>
+          <a:lstStyle/>
+          <a:p>
+            <a:r>
+              <a:rPr lang="en-US" altLang="zh-CN" sz="1400" dirty="0"/>
+              <a:t>c2</a:t>
+            </a:r>
+            <a:endParaRPr lang="en-US" sz="1400" dirty="0"/>
+          </a:p>
+        </p:txBody>
+      </p:sp>
+      <p:sp>
+        <p:nvSpPr>
+          <p:cNvPr id="41" name="TextBox 40">
+            <a:extLst>
+              <a:ext uri="{FF2B5EF4-FFF2-40B4-BE49-F238E27FC236}">
+                <a16:creationId xmlns:a16="http://schemas.microsoft.com/office/drawing/2014/main" id="{C5F63932-789C-4D12-A159-59E71A4ED7BB}"/>
+              </a:ext>
+            </a:extLst>
+          </p:cNvPr>
+          <p:cNvSpPr txBox="1"/>
+          <p:nvPr/>
+        </p:nvSpPr>
+        <p:spPr>
+          <a:xfrm>
+            <a:off x="4617312" y="543106"/>
+            <a:ext cx="260008" cy="307777"/>
+          </a:xfrm>
+          <a:prstGeom prst="rect">
+            <a:avLst/>
+          </a:prstGeom>
+          <a:noFill/>
+        </p:spPr>
+        <p:txBody>
+          <a:bodyPr wrap="none" rtlCol="0">
+            <a:spAutoFit/>
+          </a:bodyPr>
+          <a:lstStyle/>
+          <a:p>
+            <a:r>
+              <a:rPr lang="en-US" altLang="zh-CN" sz="1400" dirty="0"/>
+              <a:t>c</a:t>
+            </a:r>
+            <a:endParaRPr lang="en-US" sz="1400" dirty="0"/>
+          </a:p>
+        </p:txBody>
+      </p:sp>
+      <p:sp>
+        <p:nvSpPr>
+          <p:cNvPr id="54" name="TextBox 53">
+            <a:extLst>
+              <a:ext uri="{FF2B5EF4-FFF2-40B4-BE49-F238E27FC236}">
+                <a16:creationId xmlns:a16="http://schemas.microsoft.com/office/drawing/2014/main" id="{32B6C4DB-08BD-4003-B00A-0E185C28AE89}"/>
+              </a:ext>
+            </a:extLst>
+          </p:cNvPr>
+          <p:cNvSpPr txBox="1"/>
+          <p:nvPr/>
+        </p:nvSpPr>
+        <p:spPr>
+          <a:xfrm>
+            <a:off x="8021296" y="3481374"/>
+            <a:ext cx="1821481" cy="430887"/>
+          </a:xfrm>
+          <a:prstGeom prst="rect">
+            <a:avLst/>
+          </a:prstGeom>
+          <a:solidFill>
+            <a:schemeClr val="bg1">
+              <a:alpha val="82000"/>
+            </a:schemeClr>
+          </a:solidFill>
+          <a:ln w="28575">
+            <a:solidFill>
+              <a:schemeClr val="tx1"/>
+            </a:solidFill>
+            <a:prstDash val="sysDash"/>
+          </a:ln>
+        </p:spPr>
+        <p:txBody>
+          <a:bodyPr wrap="square" rtlCol="0">
+            <a:spAutoFit/>
+          </a:bodyPr>
+          <a:lstStyle/>
+          <a:p>
+            <a:r>
+              <a:rPr lang="en-US" altLang="zh-CN" sz="1100" dirty="0">
+                <a:solidFill>
+                  <a:schemeClr val="accent6">
+                    <a:lumMod val="75000"/>
+                  </a:schemeClr>
+                </a:solidFill>
+              </a:rPr>
+              <a:t>Mission State:</a:t>
+            </a:r>
+          </a:p>
+          <a:p>
+            <a:r>
+              <a:rPr lang="en-US" sz="1100" b="1" dirty="0">
+                <a:solidFill>
+                  <a:srgbClr val="0070C0"/>
+                </a:solidFill>
+              </a:rPr>
+              <a:t> c2: c2_status</a:t>
+            </a:r>
+          </a:p>
+        </p:txBody>
+      </p:sp>
+      <p:sp>
+        <p:nvSpPr>
+          <p:cNvPr id="58" name="TextBox 57">
+            <a:extLst>
+              <a:ext uri="{FF2B5EF4-FFF2-40B4-BE49-F238E27FC236}">
+                <a16:creationId xmlns:a16="http://schemas.microsoft.com/office/drawing/2014/main" id="{FE9FF0A5-31A7-4687-91F1-06EA77271106}"/>
+              </a:ext>
+            </a:extLst>
+          </p:cNvPr>
+          <p:cNvSpPr txBox="1"/>
+          <p:nvPr/>
+        </p:nvSpPr>
+        <p:spPr>
+          <a:xfrm>
+            <a:off x="1613628" y="5139890"/>
+            <a:ext cx="1821481" cy="430887"/>
+          </a:xfrm>
+          <a:prstGeom prst="rect">
+            <a:avLst/>
+          </a:prstGeom>
+          <a:solidFill>
+            <a:schemeClr val="bg1">
+              <a:alpha val="82000"/>
+            </a:schemeClr>
+          </a:solidFill>
+          <a:ln w="28575">
+            <a:solidFill>
+              <a:schemeClr val="tx1"/>
+            </a:solidFill>
+            <a:prstDash val="sysDash"/>
+          </a:ln>
+        </p:spPr>
+        <p:txBody>
+          <a:bodyPr wrap="square" rtlCol="0">
+            <a:spAutoFit/>
+          </a:bodyPr>
+          <a:lstStyle/>
+          <a:p>
+            <a:r>
+              <a:rPr lang="en-US" altLang="zh-CN" sz="1100" dirty="0">
+                <a:solidFill>
+                  <a:schemeClr val="accent6">
+                    <a:lumMod val="75000"/>
+                  </a:schemeClr>
+                </a:solidFill>
+              </a:rPr>
+              <a:t>Mission State:</a:t>
+            </a:r>
+          </a:p>
+          <a:p>
+            <a:r>
+              <a:rPr lang="en-US" sz="1100" b="1" i="1" dirty="0">
+                <a:solidFill>
+                  <a:srgbClr val="0070C0"/>
+                </a:solidFill>
+              </a:rPr>
+              <a:t> c11: c11_status</a:t>
+            </a:r>
+          </a:p>
+        </p:txBody>
+      </p:sp>
+      <p:sp>
+        <p:nvSpPr>
+          <p:cNvPr id="59" name="TextBox 58">
+            <a:extLst>
+              <a:ext uri="{FF2B5EF4-FFF2-40B4-BE49-F238E27FC236}">
+                <a16:creationId xmlns:a16="http://schemas.microsoft.com/office/drawing/2014/main" id="{6FFB578F-81A3-41AB-9086-BCE336F9B6D7}"/>
+              </a:ext>
+            </a:extLst>
+          </p:cNvPr>
+          <p:cNvSpPr txBox="1"/>
+          <p:nvPr/>
+        </p:nvSpPr>
+        <p:spPr>
+          <a:xfrm>
+            <a:off x="6766653" y="4811516"/>
+            <a:ext cx="1821481" cy="430887"/>
+          </a:xfrm>
+          <a:prstGeom prst="rect">
+            <a:avLst/>
+          </a:prstGeom>
+          <a:solidFill>
+            <a:schemeClr val="bg1">
+              <a:alpha val="82000"/>
+            </a:schemeClr>
+          </a:solidFill>
+          <a:ln w="28575">
+            <a:solidFill>
+              <a:schemeClr val="tx1"/>
+            </a:solidFill>
+            <a:prstDash val="sysDash"/>
+          </a:ln>
+        </p:spPr>
+        <p:txBody>
+          <a:bodyPr wrap="square" rtlCol="0">
+            <a:spAutoFit/>
+          </a:bodyPr>
+          <a:lstStyle/>
+          <a:p>
+            <a:r>
+              <a:rPr lang="en-US" altLang="zh-CN" sz="1100" dirty="0">
+                <a:solidFill>
+                  <a:schemeClr val="accent6">
+                    <a:lumMod val="75000"/>
+                  </a:schemeClr>
+                </a:solidFill>
+              </a:rPr>
+              <a:t>Mission State:</a:t>
+            </a:r>
+          </a:p>
+          <a:p>
+            <a:r>
+              <a:rPr lang="en-US" sz="1100" b="1" i="1" dirty="0">
+                <a:solidFill>
+                  <a:srgbClr val="0070C0"/>
+                </a:solidFill>
+              </a:rPr>
+              <a:t> c12: c12_status</a:t>
+            </a:r>
+          </a:p>
+        </p:txBody>
+      </p:sp>
+      <p:sp>
+        <p:nvSpPr>
+          <p:cNvPr id="60" name="TextBox 59">
+            <a:extLst>
+              <a:ext uri="{FF2B5EF4-FFF2-40B4-BE49-F238E27FC236}">
+                <a16:creationId xmlns:a16="http://schemas.microsoft.com/office/drawing/2014/main" id="{1B8A4F64-A0C7-438E-BEAD-DEF82EC1A6B7}"/>
+              </a:ext>
+            </a:extLst>
+          </p:cNvPr>
+          <p:cNvSpPr txBox="1"/>
+          <p:nvPr/>
+        </p:nvSpPr>
+        <p:spPr>
+          <a:xfrm>
+            <a:off x="4328459" y="2766491"/>
+            <a:ext cx="1821481" cy="769441"/>
+          </a:xfrm>
+          <a:prstGeom prst="rect">
+            <a:avLst/>
+          </a:prstGeom>
+          <a:solidFill>
+            <a:schemeClr val="bg1">
+              <a:alpha val="82000"/>
+            </a:schemeClr>
+          </a:solidFill>
+          <a:ln w="28575">
+            <a:solidFill>
+              <a:schemeClr val="tx1"/>
+            </a:solidFill>
+            <a:prstDash val="sysDash"/>
+          </a:ln>
+        </p:spPr>
+        <p:txBody>
+          <a:bodyPr wrap="square" rtlCol="0">
+            <a:spAutoFit/>
+          </a:bodyPr>
+          <a:lstStyle/>
+          <a:p>
+            <a:r>
+              <a:rPr lang="en-US" altLang="zh-CN" sz="1100" dirty="0">
+                <a:solidFill>
+                  <a:schemeClr val="accent6">
+                    <a:lumMod val="75000"/>
+                  </a:schemeClr>
+                </a:solidFill>
+              </a:rPr>
+              <a:t>Mission State:</a:t>
+            </a:r>
+          </a:p>
+          <a:p>
+            <a:r>
+              <a:rPr lang="en-US" sz="1100" i="1" dirty="0">
+                <a:solidFill>
+                  <a:schemeClr val="accent6">
+                    <a:lumMod val="75000"/>
+                  </a:schemeClr>
+                </a:solidFill>
+              </a:rPr>
+              <a:t> </a:t>
+            </a:r>
+            <a:r>
+              <a:rPr lang="en-US" sz="1100" b="1" i="1" dirty="0">
+                <a:solidFill>
+                  <a:srgbClr val="0070C0"/>
+                </a:solidFill>
+              </a:rPr>
+              <a:t>c1: c1_status</a:t>
+            </a:r>
+            <a:endParaRPr lang="en-US" altLang="zh-CN" sz="1100" b="1" i="1" dirty="0">
+              <a:solidFill>
+                <a:srgbClr val="0070C0"/>
+              </a:solidFill>
+            </a:endParaRPr>
+          </a:p>
+          <a:p>
+            <a:r>
+              <a:rPr lang="en-US" sz="1100" b="1" i="1" dirty="0">
+                <a:solidFill>
+                  <a:srgbClr val="0070C0"/>
+                </a:solidFill>
+              </a:rPr>
+              <a:t> c1/c11: c11_status</a:t>
+            </a:r>
+          </a:p>
+          <a:p>
+            <a:r>
+              <a:rPr lang="en-US" sz="1100" b="1" i="1" dirty="0">
+                <a:solidFill>
+                  <a:srgbClr val="0070C0"/>
+                </a:solidFill>
+              </a:rPr>
+              <a:t> c1/c12: c12_status</a:t>
+            </a:r>
+          </a:p>
+        </p:txBody>
+      </p:sp>
+      <p:sp>
+        <p:nvSpPr>
+          <p:cNvPr id="61" name="TextBox 60">
+            <a:extLst>
+              <a:ext uri="{FF2B5EF4-FFF2-40B4-BE49-F238E27FC236}">
+                <a16:creationId xmlns:a16="http://schemas.microsoft.com/office/drawing/2014/main" id="{A58A8401-7960-4788-BC4E-9F4CAE604AE7}"/>
+              </a:ext>
+            </a:extLst>
+          </p:cNvPr>
+          <p:cNvSpPr txBox="1"/>
+          <p:nvPr/>
+        </p:nvSpPr>
+        <p:spPr>
+          <a:xfrm>
+            <a:off x="10008199" y="417258"/>
+            <a:ext cx="1821481" cy="1107996"/>
+          </a:xfrm>
+          <a:prstGeom prst="rect">
+            <a:avLst/>
+          </a:prstGeom>
+          <a:solidFill>
+            <a:schemeClr val="bg1">
+              <a:alpha val="82000"/>
+            </a:schemeClr>
+          </a:solidFill>
+          <a:ln w="28575">
+            <a:solidFill>
+              <a:schemeClr val="tx1">
+                <a:lumMod val="95000"/>
+                <a:lumOff val="5000"/>
+              </a:schemeClr>
+            </a:solidFill>
+            <a:prstDash val="sysDash"/>
+          </a:ln>
+        </p:spPr>
+        <p:txBody>
+          <a:bodyPr wrap="square" rtlCol="0">
+            <a:spAutoFit/>
+          </a:bodyPr>
+          <a:lstStyle/>
+          <a:p>
+            <a:r>
+              <a:rPr lang="en-US" altLang="zh-CN" sz="1100" dirty="0">
+                <a:solidFill>
+                  <a:schemeClr val="accent6">
+                    <a:lumMod val="75000"/>
+                  </a:schemeClr>
+                </a:solidFill>
+              </a:rPr>
+              <a:t>Mission State:</a:t>
+            </a:r>
+          </a:p>
+          <a:p>
+            <a:r>
+              <a:rPr lang="en-US" sz="1100" dirty="0">
+                <a:solidFill>
+                  <a:schemeClr val="accent6">
+                    <a:lumMod val="75000"/>
+                  </a:schemeClr>
+                </a:solidFill>
+              </a:rPr>
+              <a:t> </a:t>
+            </a:r>
+            <a:r>
+              <a:rPr lang="en-US" sz="1100" b="1" i="1" dirty="0">
+                <a:solidFill>
+                  <a:srgbClr val="0070C0"/>
+                </a:solidFill>
+              </a:rPr>
+              <a:t>c1: c1_status</a:t>
+            </a:r>
+            <a:endParaRPr lang="en-US" altLang="zh-CN" sz="1100" b="1" i="1" dirty="0">
+              <a:solidFill>
+                <a:srgbClr val="0070C0"/>
+              </a:solidFill>
+            </a:endParaRPr>
+          </a:p>
+          <a:p>
+            <a:r>
+              <a:rPr lang="en-US" sz="1100" b="1" i="1" dirty="0">
+                <a:solidFill>
+                  <a:srgbClr val="0070C0"/>
+                </a:solidFill>
+              </a:rPr>
+              <a:t> c1/c11: c11_status</a:t>
+            </a:r>
+          </a:p>
+          <a:p>
+            <a:r>
+              <a:rPr lang="en-US" sz="1100" b="1" i="1" dirty="0">
+                <a:solidFill>
+                  <a:srgbClr val="0070C0"/>
+                </a:solidFill>
+              </a:rPr>
+              <a:t> c1/c11: c11_status</a:t>
+            </a:r>
+          </a:p>
+          <a:p>
+            <a:r>
+              <a:rPr lang="en-US" sz="1100" b="1" i="1" dirty="0">
+                <a:solidFill>
+                  <a:srgbClr val="0070C0"/>
+                </a:solidFill>
+              </a:rPr>
+              <a:t> c2: c2_status</a:t>
+            </a:r>
+          </a:p>
+          <a:p>
+            <a:endParaRPr lang="en-US" sz="1100" dirty="0">
+              <a:solidFill>
+                <a:schemeClr val="accent6">
+                  <a:lumMod val="75000"/>
+                </a:schemeClr>
+              </a:solidFill>
+            </a:endParaRPr>
+          </a:p>
+        </p:txBody>
+      </p:sp>
+      <p:pic>
+        <p:nvPicPr>
+          <p:cNvPr id="35" name="Graphic 34" descr="Close with solid fill">
+            <a:extLst>
+              <a:ext uri="{FF2B5EF4-FFF2-40B4-BE49-F238E27FC236}">
+                <a16:creationId xmlns:a16="http://schemas.microsoft.com/office/drawing/2014/main" id="{08BEF31E-F00E-4F6D-8A44-63816DDDA636}"/>
+              </a:ext>
+            </a:extLst>
+          </p:cNvPr>
+          <p:cNvPicPr>
+            <a:picLocks noChangeAspect="1"/>
+          </p:cNvPicPr>
+          <p:nvPr/>
+        </p:nvPicPr>
+        <p:blipFill>
+          <a:blip r:embed="rId2">
+            <a:extLst>
+              <a:ext uri="{28A0092B-C50C-407E-A947-70E740481C1C}">
+                <a14:useLocalDpi xmlns:a14="http://schemas.microsoft.com/office/drawing/2010/main" val="0"/>
+              </a:ext>
+              <a:ext uri="{96DAC541-7B7A-43D3-8B79-37D633B846F1}">
+                <asvg:svgBlip xmlns:asvg="http://schemas.microsoft.com/office/drawing/2016/SVG/main" r:embed="rId3"/>
+              </a:ext>
+            </a:extLst>
+          </a:blip>
+          <a:stretch>
+            <a:fillRect/>
+          </a:stretch>
+        </p:blipFill>
+        <p:spPr>
+          <a:xfrm>
+            <a:off x="3564459" y="1260734"/>
+            <a:ext cx="914400" cy="914400"/>
+          </a:xfrm>
+          <a:prstGeom prst="rect">
+            <a:avLst/>
+          </a:prstGeom>
+        </p:spPr>
+      </p:pic>
+      <p:sp>
+        <p:nvSpPr>
+          <p:cNvPr id="36" name="TextBox 35">
+            <a:extLst>
+              <a:ext uri="{FF2B5EF4-FFF2-40B4-BE49-F238E27FC236}">
+                <a16:creationId xmlns:a16="http://schemas.microsoft.com/office/drawing/2014/main" id="{C29A885D-B399-405D-880C-D0DDCDAAF832}"/>
+              </a:ext>
+            </a:extLst>
+          </p:cNvPr>
+          <p:cNvSpPr txBox="1"/>
+          <p:nvPr/>
+        </p:nvSpPr>
+        <p:spPr>
+          <a:xfrm>
+            <a:off x="5305956" y="466162"/>
+            <a:ext cx="2101544" cy="769441"/>
+          </a:xfrm>
+          <a:prstGeom prst="rect">
+            <a:avLst/>
+          </a:prstGeom>
+          <a:solidFill>
+            <a:schemeClr val="bg1">
+              <a:alpha val="82000"/>
+            </a:schemeClr>
+          </a:solidFill>
+          <a:ln w="28575">
+            <a:solidFill>
+              <a:schemeClr val="tx1">
+                <a:lumMod val="95000"/>
+                <a:lumOff val="5000"/>
+              </a:schemeClr>
+            </a:solidFill>
+            <a:prstDash val="sysDash"/>
+          </a:ln>
+        </p:spPr>
+        <p:txBody>
+          <a:bodyPr wrap="square" rtlCol="0">
+            <a:spAutoFit/>
+          </a:bodyPr>
+          <a:lstStyle/>
+          <a:p>
+            <a:r>
+              <a:rPr lang="en-US" altLang="zh-CN" sz="1100" dirty="0">
+                <a:solidFill>
+                  <a:schemeClr val="accent6">
+                    <a:lumMod val="75000"/>
+                  </a:schemeClr>
+                </a:solidFill>
+              </a:rPr>
+              <a:t>Mission State:</a:t>
+            </a:r>
+          </a:p>
+          <a:p>
+            <a:r>
+              <a:rPr lang="en-US" sz="1100" b="1" i="1" dirty="0">
+                <a:solidFill>
+                  <a:srgbClr val="0070C0"/>
+                </a:solidFill>
+              </a:rPr>
+              <a:t>c1: cluster disconnected</a:t>
+            </a:r>
+            <a:endParaRPr lang="en-US" altLang="zh-CN" sz="1100" b="1" i="1" dirty="0">
+              <a:solidFill>
+                <a:srgbClr val="0070C0"/>
+              </a:solidFill>
+            </a:endParaRPr>
+          </a:p>
+          <a:p>
+            <a:r>
+              <a:rPr lang="en-US" sz="1100" b="1" i="1" dirty="0">
+                <a:solidFill>
+                  <a:srgbClr val="0070C0"/>
+                </a:solidFill>
+              </a:rPr>
+              <a:t>c2: c2_status</a:t>
+            </a:r>
+          </a:p>
+          <a:p>
+            <a:endParaRPr lang="en-US" sz="1100" dirty="0">
+              <a:solidFill>
+                <a:schemeClr val="accent6">
+                  <a:lumMod val="75000"/>
+                </a:schemeClr>
+              </a:solidFill>
+            </a:endParaRPr>
+          </a:p>
+        </p:txBody>
+      </p:sp>
+      <p:sp>
+        <p:nvSpPr>
+          <p:cNvPr id="2" name="Arrow: Right 1">
+            <a:extLst>
+              <a:ext uri="{FF2B5EF4-FFF2-40B4-BE49-F238E27FC236}">
+                <a16:creationId xmlns:a16="http://schemas.microsoft.com/office/drawing/2014/main" id="{32788358-3BAB-4632-92FA-85BA508391A1}"/>
+              </a:ext>
+            </a:extLst>
+          </p:cNvPr>
+          <p:cNvSpPr/>
+          <p:nvPr/>
+        </p:nvSpPr>
+        <p:spPr>
+          <a:xfrm>
+            <a:off x="7964069" y="615185"/>
+            <a:ext cx="777600" cy="250717"/>
+          </a:xfrm>
+          <a:prstGeom prst="rightArrow">
+            <a:avLst/>
+          </a:prstGeom>
+        </p:spPr>
+        <p:style>
+          <a:lnRef idx="2">
+            <a:schemeClr val="accent1">
+              <a:shade val="50000"/>
+            </a:schemeClr>
+          </a:lnRef>
+          <a:fillRef idx="1">
+            <a:schemeClr val="accent1"/>
+          </a:fillRef>
+          <a:effectRef idx="0">
+            <a:schemeClr val="accent1"/>
+          </a:effectRef>
+          <a:fontRef idx="minor">
+            <a:schemeClr val="lt1"/>
+          </a:fontRef>
+        </p:style>
+        <p:txBody>
+          <a:bodyPr rtlCol="0" anchor="ctr"/>
+          <a:lstStyle/>
+          <a:p>
+            <a:pPr algn="ctr"/>
+            <a:endParaRPr lang="en-US"/>
+          </a:p>
+        </p:txBody>
+      </p:sp>
+      <p:sp>
+        <p:nvSpPr>
+          <p:cNvPr id="3" name="TextBox 2">
+            <a:extLst>
+              <a:ext uri="{FF2B5EF4-FFF2-40B4-BE49-F238E27FC236}">
+                <a16:creationId xmlns:a16="http://schemas.microsoft.com/office/drawing/2014/main" id="{401C94D2-B721-4D7E-BA41-5CDBC8089011}"/>
+              </a:ext>
+            </a:extLst>
+          </p:cNvPr>
+          <p:cNvSpPr txBox="1"/>
+          <p:nvPr/>
+        </p:nvSpPr>
+        <p:spPr>
+          <a:xfrm>
+            <a:off x="7534632" y="964299"/>
+            <a:ext cx="2308145" cy="646331"/>
+          </a:xfrm>
+          <a:prstGeom prst="rect">
+            <a:avLst/>
+          </a:prstGeom>
+          <a:noFill/>
+        </p:spPr>
+        <p:txBody>
+          <a:bodyPr wrap="square" rtlCol="0">
+            <a:spAutoFit/>
+          </a:bodyPr>
+          <a:lstStyle/>
+          <a:p>
+            <a:r>
+              <a:rPr lang="en-US" dirty="0">
+                <a:solidFill>
+                  <a:schemeClr val="accent1">
+                    <a:lumMod val="75000"/>
+                  </a:schemeClr>
+                </a:solidFill>
+                <a:latin typeface="Arial Nova Cond" panose="020B0506020202020204" pitchFamily="34" charset="0"/>
+              </a:rPr>
+              <a:t>Receive State Update from C1</a:t>
+            </a:r>
+          </a:p>
+        </p:txBody>
+      </p:sp>
+      <p:sp>
+        <p:nvSpPr>
+          <p:cNvPr id="39" name="TextBox 38">
+            <a:extLst>
+              <a:ext uri="{FF2B5EF4-FFF2-40B4-BE49-F238E27FC236}">
+                <a16:creationId xmlns:a16="http://schemas.microsoft.com/office/drawing/2014/main" id="{DBD96FB7-8DD1-484C-8E19-1EBB9E2EB42D}"/>
+              </a:ext>
+            </a:extLst>
+          </p:cNvPr>
+          <p:cNvSpPr txBox="1"/>
+          <p:nvPr/>
+        </p:nvSpPr>
+        <p:spPr>
+          <a:xfrm>
+            <a:off x="3918815" y="6151152"/>
+            <a:ext cx="6505307" cy="369332"/>
+          </a:xfrm>
+          <a:prstGeom prst="rect">
+            <a:avLst/>
+          </a:prstGeom>
+          <a:noFill/>
+        </p:spPr>
+        <p:txBody>
+          <a:bodyPr wrap="none" rtlCol="0">
+            <a:spAutoFit/>
+          </a:bodyPr>
+          <a:lstStyle/>
+          <a:p>
+            <a:r>
+              <a:rPr lang="en-US" b="1" dirty="0"/>
+              <a:t>Scenario III : The Disconnected </a:t>
+            </a:r>
+            <a:r>
+              <a:rPr lang="en-US" b="1" dirty="0" err="1"/>
+              <a:t>EdgeCluster</a:t>
+            </a:r>
+            <a:r>
+              <a:rPr lang="en-US" b="1" dirty="0"/>
+              <a:t> Comes Back</a:t>
+            </a:r>
+          </a:p>
+        </p:txBody>
+      </p:sp>
+      <p:cxnSp>
+        <p:nvCxnSpPr>
+          <p:cNvPr id="5" name="Straight Arrow Connector 4">
+            <a:extLst>
+              <a:ext uri="{FF2B5EF4-FFF2-40B4-BE49-F238E27FC236}">
+                <a16:creationId xmlns:a16="http://schemas.microsoft.com/office/drawing/2014/main" id="{677AA290-0DD8-4BF7-A907-5FAFAD142B15}"/>
+              </a:ext>
+            </a:extLst>
+          </p:cNvPr>
+          <p:cNvCxnSpPr/>
+          <p:nvPr/>
+        </p:nvCxnSpPr>
+        <p:spPr>
+          <a:xfrm flipV="1">
+            <a:off x="3645222" y="1105606"/>
+            <a:ext cx="995427" cy="1646185"/>
+          </a:xfrm>
+          <a:prstGeom prst="straightConnector1">
+            <a:avLst/>
+          </a:prstGeom>
+          <a:ln w="9525" cap="flat" cmpd="sng" algn="ctr">
+            <a:solidFill>
+              <a:schemeClr val="accent4"/>
+            </a:solidFill>
+            <a:prstDash val="solid"/>
+            <a:round/>
+            <a:headEnd type="none" w="med" len="med"/>
+            <a:tailEnd type="arrow" w="med" len="med"/>
+          </a:ln>
+        </p:spPr>
+        <p:style>
+          <a:lnRef idx="0">
+            <a:scrgbClr r="0" g="0" b="0"/>
+          </a:lnRef>
+          <a:fillRef idx="0">
+            <a:scrgbClr r="0" g="0" b="0"/>
+          </a:fillRef>
+          <a:effectRef idx="0">
+            <a:scrgbClr r="0" g="0" b="0"/>
+          </a:effectRef>
+          <a:fontRef idx="minor">
+            <a:schemeClr val="tx1"/>
+          </a:fontRef>
+        </p:style>
+      </p:cxnSp>
+      <p:sp>
+        <p:nvSpPr>
+          <p:cNvPr id="28" name="TextBox 27">
+            <a:extLst>
+              <a:ext uri="{FF2B5EF4-FFF2-40B4-BE49-F238E27FC236}">
+                <a16:creationId xmlns:a16="http://schemas.microsoft.com/office/drawing/2014/main" id="{FD8E78F0-7258-4127-927F-CCF61F2DF6D1}"/>
+              </a:ext>
+            </a:extLst>
+          </p:cNvPr>
+          <p:cNvSpPr txBox="1"/>
+          <p:nvPr/>
+        </p:nvSpPr>
+        <p:spPr>
+          <a:xfrm>
+            <a:off x="4193471" y="2003804"/>
+            <a:ext cx="1821481" cy="430887"/>
+          </a:xfrm>
+          <a:prstGeom prst="rect">
+            <a:avLst/>
+          </a:prstGeom>
+          <a:solidFill>
+            <a:schemeClr val="bg1">
+              <a:alpha val="82000"/>
+            </a:schemeClr>
+          </a:solidFill>
+          <a:ln w="28575">
+            <a:solidFill>
+              <a:schemeClr val="tx1"/>
+            </a:solidFill>
+            <a:prstDash val="sysDash"/>
+          </a:ln>
+        </p:spPr>
+        <p:txBody>
+          <a:bodyPr wrap="square" rtlCol="0">
+            <a:spAutoFit/>
+          </a:bodyPr>
+          <a:lstStyle/>
+          <a:p>
+            <a:r>
+              <a:rPr lang="en-US" altLang="zh-CN" sz="1100" dirty="0">
+                <a:solidFill>
+                  <a:schemeClr val="accent6">
+                    <a:lumMod val="75000"/>
+                  </a:schemeClr>
+                </a:solidFill>
+              </a:rPr>
+              <a:t>Update Mission State</a:t>
+            </a:r>
+          </a:p>
+          <a:p>
+            <a:endParaRPr lang="en-US" sz="1100" b="1" i="1" dirty="0">
+              <a:solidFill>
+                <a:srgbClr val="0070C0"/>
+              </a:solidFill>
+            </a:endParaRPr>
+          </a:p>
+        </p:txBody>
+      </p:sp>
+    </p:spTree>
+    <p:extLst>
+      <p:ext uri="{BB962C8B-B14F-4D97-AF65-F5344CB8AC3E}">
+        <p14:creationId xmlns:p14="http://schemas.microsoft.com/office/powerpoint/2010/main" val="2028539438"/>
+      </p:ext>
+    </p:extLst>
+  </p:cSld>
+  <p:clrMapOvr>
+    <a:masterClrMapping/>
+  </p:clrMapOvr>
+  <p:timing>
+    <p:tnLst>
+      <p:par>
+        <p:cTn id="1" dur="indefinite" restart="never" nodeType="tmRoot">
+          <p:childTnLst>
+            <p:seq concurrent="1" nextAc="seek">
+              <p:cTn id="2" dur="indefinite" nodeType="mainSeq">
+                <p:childTnLst>
+                  <p:par>
+                    <p:cTn id="3" fill="hold">
+                      <p:stCondLst>
+                        <p:cond delay="indefinite"/>
+                      </p:stCondLst>
+                      <p:childTnLst>
+                        <p:par>
+                          <p:cTn id="4" fill="hold">
+                            <p:stCondLst>
+                              <p:cond delay="0"/>
+                            </p:stCondLst>
+                            <p:childTnLst>
+                              <p:par>
+                                <p:cTn id="5" presetID="1" presetClass="exit" presetSubtype="0" fill="hold" nodeType="clickEffect">
+                                  <p:stCondLst>
+                                    <p:cond delay="0"/>
+                                  </p:stCondLst>
+                                  <p:childTnLst>
+                                    <p:set>
+                                      <p:cBhvr>
+                                        <p:cTn id="6" dur="1" fill="hold">
+                                          <p:stCondLst>
+                                            <p:cond delay="0"/>
+                                          </p:stCondLst>
+                                        </p:cTn>
+                                        <p:tgtEl>
+                                          <p:spTgt spid="35"/>
+                                        </p:tgtEl>
+                                        <p:attrNameLst>
+                                          <p:attrName>style.visibility</p:attrName>
+                                        </p:attrNameLst>
+                                      </p:cBhvr>
+                                      <p:to>
+                                        <p:strVal val="hidden"/>
+                                      </p:to>
+                                    </p:set>
+                                  </p:childTnLst>
+                                </p:cTn>
+                              </p:par>
+                            </p:childTnLst>
+                          </p:cTn>
+                        </p:par>
+                      </p:childTnLst>
+                    </p:cTn>
+                  </p:par>
+                  <p:par>
+                    <p:cTn id="7" fill="hold">
+                      <p:stCondLst>
+                        <p:cond delay="indefinite"/>
+                      </p:stCondLst>
+                      <p:childTnLst>
+                        <p:par>
+                          <p:cTn id="8" fill="hold">
+                            <p:stCondLst>
+                              <p:cond delay="0"/>
+                            </p:stCondLst>
+                            <p:childTnLst>
+                              <p:par>
+                                <p:cTn id="9" presetID="1" presetClass="entr" presetSubtype="0" fill="hold" nodeType="clickEffect">
+                                  <p:stCondLst>
+                                    <p:cond delay="0"/>
+                                  </p:stCondLst>
+                                  <p:childTnLst>
+                                    <p:set>
+                                      <p:cBhvr>
+                                        <p:cTn id="10" dur="1" fill="hold">
+                                          <p:stCondLst>
+                                            <p:cond delay="0"/>
+                                          </p:stCondLst>
+                                        </p:cTn>
+                                        <p:tgtEl>
+                                          <p:spTgt spid="5"/>
+                                        </p:tgtEl>
+                                        <p:attrNameLst>
+                                          <p:attrName>style.visibility</p:attrName>
+                                        </p:attrNameLst>
+                                      </p:cBhvr>
+                                      <p:to>
+                                        <p:strVal val="visible"/>
+                                      </p:to>
+                                    </p:set>
+                                  </p:childTnLst>
+                                </p:cTn>
+                              </p:par>
+                              <p:par>
+                                <p:cTn id="11" presetID="1" presetClass="entr" presetSubtype="0" fill="hold" grpId="0" nodeType="withEffect">
+                                  <p:stCondLst>
+                                    <p:cond delay="0"/>
+                                  </p:stCondLst>
+                                  <p:childTnLst>
+                                    <p:set>
+                                      <p:cBhvr>
+                                        <p:cTn id="12" dur="1" fill="hold">
+                                          <p:stCondLst>
+                                            <p:cond delay="0"/>
+                                          </p:stCondLst>
+                                        </p:cTn>
+                                        <p:tgtEl>
+                                          <p:spTgt spid="28"/>
+                                        </p:tgtEl>
+                                        <p:attrNameLst>
+                                          <p:attrName>style.visibility</p:attrName>
+                                        </p:attrNameLst>
+                                      </p:cBhvr>
+                                      <p:to>
+                                        <p:strVal val="visible"/>
+                                      </p:to>
+                                    </p:set>
+                                  </p:childTnLst>
+                                </p:cTn>
+                              </p:par>
+                            </p:childTnLst>
+                          </p:cTn>
+                        </p:par>
+                      </p:childTnLst>
+                    </p:cTn>
+                  </p:par>
+                  <p:par>
+                    <p:cTn id="13" fill="hold">
+                      <p:stCondLst>
+                        <p:cond delay="indefinite"/>
+                      </p:stCondLst>
+                      <p:childTnLst>
+                        <p:par>
+                          <p:cTn id="14" fill="hold">
+                            <p:stCondLst>
+                              <p:cond delay="0"/>
+                            </p:stCondLst>
+                            <p:childTnLst>
+                              <p:par>
+                                <p:cTn id="15" presetID="2" presetClass="entr" presetSubtype="4" fill="hold" grpId="0" nodeType="clickEffect">
+                                  <p:stCondLst>
+                                    <p:cond delay="0"/>
+                                  </p:stCondLst>
+                                  <p:childTnLst>
+                                    <p:set>
+                                      <p:cBhvr>
+                                        <p:cTn id="16" dur="1" fill="hold">
+                                          <p:stCondLst>
+                                            <p:cond delay="0"/>
+                                          </p:stCondLst>
+                                        </p:cTn>
+                                        <p:tgtEl>
+                                          <p:spTgt spid="2"/>
+                                        </p:tgtEl>
+                                        <p:attrNameLst>
+                                          <p:attrName>style.visibility</p:attrName>
+                                        </p:attrNameLst>
+                                      </p:cBhvr>
+                                      <p:to>
+                                        <p:strVal val="visible"/>
+                                      </p:to>
+                                    </p:set>
+                                    <p:anim calcmode="lin" valueType="num">
+                                      <p:cBhvr additive="base">
+                                        <p:cTn id="17" dur="500" fill="hold"/>
+                                        <p:tgtEl>
+                                          <p:spTgt spid="2"/>
+                                        </p:tgtEl>
+                                        <p:attrNameLst>
+                                          <p:attrName>ppt_x</p:attrName>
+                                        </p:attrNameLst>
+                                      </p:cBhvr>
+                                      <p:tavLst>
+                                        <p:tav tm="0">
+                                          <p:val>
+                                            <p:strVal val="#ppt_x"/>
+                                          </p:val>
+                                        </p:tav>
+                                        <p:tav tm="100000">
+                                          <p:val>
+                                            <p:strVal val="#ppt_x"/>
+                                          </p:val>
+                                        </p:tav>
+                                      </p:tavLst>
+                                    </p:anim>
+                                    <p:anim calcmode="lin" valueType="num">
+                                      <p:cBhvr additive="base">
+                                        <p:cTn id="18" dur="500" fill="hold"/>
+                                        <p:tgtEl>
+                                          <p:spTgt spid="2"/>
+                                        </p:tgtEl>
+                                        <p:attrNameLst>
+                                          <p:attrName>ppt_y</p:attrName>
+                                        </p:attrNameLst>
+                                      </p:cBhvr>
+                                      <p:tavLst>
+                                        <p:tav tm="0">
+                                          <p:val>
+                                            <p:strVal val="1+#ppt_h/2"/>
+                                          </p:val>
+                                        </p:tav>
+                                        <p:tav tm="100000">
+                                          <p:val>
+                                            <p:strVal val="#ppt_y"/>
+                                          </p:val>
+                                        </p:tav>
+                                      </p:tavLst>
+                                    </p:anim>
+                                  </p:childTnLst>
+                                </p:cTn>
+                              </p:par>
+                              <p:par>
+                                <p:cTn id="19" presetID="2" presetClass="entr" presetSubtype="4" fill="hold" grpId="0" nodeType="withEffect">
+                                  <p:stCondLst>
+                                    <p:cond delay="0"/>
+                                  </p:stCondLst>
+                                  <p:childTnLst>
+                                    <p:set>
+                                      <p:cBhvr>
+                                        <p:cTn id="20" dur="1" fill="hold">
+                                          <p:stCondLst>
+                                            <p:cond delay="0"/>
+                                          </p:stCondLst>
+                                        </p:cTn>
+                                        <p:tgtEl>
+                                          <p:spTgt spid="3"/>
+                                        </p:tgtEl>
+                                        <p:attrNameLst>
+                                          <p:attrName>style.visibility</p:attrName>
+                                        </p:attrNameLst>
+                                      </p:cBhvr>
+                                      <p:to>
+                                        <p:strVal val="visible"/>
+                                      </p:to>
+                                    </p:set>
+                                    <p:anim calcmode="lin" valueType="num">
+                                      <p:cBhvr additive="base">
+                                        <p:cTn id="21" dur="500" fill="hold"/>
+                                        <p:tgtEl>
+                                          <p:spTgt spid="3"/>
+                                        </p:tgtEl>
+                                        <p:attrNameLst>
+                                          <p:attrName>ppt_x</p:attrName>
+                                        </p:attrNameLst>
+                                      </p:cBhvr>
+                                      <p:tavLst>
+                                        <p:tav tm="0">
+                                          <p:val>
+                                            <p:strVal val="#ppt_x"/>
+                                          </p:val>
+                                        </p:tav>
+                                        <p:tav tm="100000">
+                                          <p:val>
+                                            <p:strVal val="#ppt_x"/>
+                                          </p:val>
+                                        </p:tav>
+                                      </p:tavLst>
+                                    </p:anim>
+                                    <p:anim calcmode="lin" valueType="num">
+                                      <p:cBhvr additive="base">
+                                        <p:cTn id="22" dur="500" fill="hold"/>
+                                        <p:tgtEl>
+                                          <p:spTgt spid="3"/>
+                                        </p:tgtEl>
+                                        <p:attrNameLst>
+                                          <p:attrName>ppt_y</p:attrName>
+                                        </p:attrNameLst>
+                                      </p:cBhvr>
+                                      <p:tavLst>
+                                        <p:tav tm="0">
+                                          <p:val>
+                                            <p:strVal val="1+#ppt_h/2"/>
+                                          </p:val>
+                                        </p:tav>
+                                        <p:tav tm="100000">
+                                          <p:val>
+                                            <p:strVal val="#ppt_y"/>
+                                          </p:val>
+                                        </p:tav>
+                                      </p:tavLst>
+                                    </p:anim>
+                                  </p:childTnLst>
+                                </p:cTn>
+                              </p:par>
+                              <p:par>
+                                <p:cTn id="23" presetID="2" presetClass="entr" presetSubtype="4" fill="hold" grpId="0" nodeType="withEffect">
+                                  <p:stCondLst>
+                                    <p:cond delay="0"/>
+                                  </p:stCondLst>
+                                  <p:childTnLst>
+                                    <p:set>
+                                      <p:cBhvr>
+                                        <p:cTn id="24" dur="1" fill="hold">
+                                          <p:stCondLst>
+                                            <p:cond delay="0"/>
+                                          </p:stCondLst>
+                                        </p:cTn>
+                                        <p:tgtEl>
+                                          <p:spTgt spid="61"/>
+                                        </p:tgtEl>
+                                        <p:attrNameLst>
+                                          <p:attrName>style.visibility</p:attrName>
+                                        </p:attrNameLst>
+                                      </p:cBhvr>
+                                      <p:to>
+                                        <p:strVal val="visible"/>
+                                      </p:to>
+                                    </p:set>
+                                    <p:anim calcmode="lin" valueType="num">
+                                      <p:cBhvr additive="base">
+                                        <p:cTn id="25" dur="500" fill="hold"/>
+                                        <p:tgtEl>
+                                          <p:spTgt spid="61"/>
+                                        </p:tgtEl>
+                                        <p:attrNameLst>
+                                          <p:attrName>ppt_x</p:attrName>
+                                        </p:attrNameLst>
+                                      </p:cBhvr>
+                                      <p:tavLst>
+                                        <p:tav tm="0">
+                                          <p:val>
+                                            <p:strVal val="#ppt_x"/>
+                                          </p:val>
+                                        </p:tav>
+                                        <p:tav tm="100000">
+                                          <p:val>
+                                            <p:strVal val="#ppt_x"/>
+                                          </p:val>
+                                        </p:tav>
+                                      </p:tavLst>
+                                    </p:anim>
+                                    <p:anim calcmode="lin" valueType="num">
+                                      <p:cBhvr additive="base">
+                                        <p:cTn id="26" dur="500" fill="hold"/>
+                                        <p:tgtEl>
+                                          <p:spTgt spid="61"/>
+                                        </p:tgtEl>
+                                        <p:attrNameLst>
+                                          <p:attrName>ppt_y</p:attrName>
+                                        </p:attrNameLst>
+                                      </p:cBhvr>
+                                      <p:tavLst>
+                                        <p:tav tm="0">
+                                          <p:val>
+                                            <p:strVal val="1+#ppt_h/2"/>
+                                          </p:val>
+                                        </p:tav>
+                                        <p:tav tm="100000">
+                                          <p:val>
+                                            <p:strVal val="#ppt_y"/>
+                                          </p:val>
+                                        </p:tav>
+                                      </p:tavLst>
+                                    </p:anim>
+                                  </p:childTnLst>
+                                </p:cTn>
+                              </p:par>
+                            </p:childTnLst>
+                          </p:cTn>
+                        </p:par>
+                      </p:childTnLst>
+                    </p:cTn>
+                  </p:par>
+                </p:childTnLst>
+              </p:cTn>
+              <p:prevCondLst>
+                <p:cond evt="onPrev" delay="0">
+                  <p:tgtEl>
+                    <p:sldTgt/>
+                  </p:tgtEl>
+                </p:cond>
+              </p:prevCondLst>
+              <p:nextCondLst>
+                <p:cond evt="onNext" delay="0">
+                  <p:tgtEl>
+                    <p:sldTgt/>
+                  </p:tgtEl>
+                </p:cond>
+              </p:nextCondLst>
+            </p:seq>
+          </p:childTnLst>
+        </p:cTn>
+      </p:par>
+    </p:tnLst>
+    <p:bldLst>
+      <p:bldP spid="61" grpId="0" animBg="1"/>
+      <p:bldP spid="2" grpId="0" animBg="1"/>
+      <p:bldP spid="3" grpId="0"/>
+      <p:bldP spid="28" grpId="0" animBg="1"/>
+    </p:bldLst>
+  </p:timing>
+</p:sld>
+</file>
+
+<file path=ppt/slides/slide7.xml><?xml version="1.0" encoding="utf-8"?>
+<p:sld xmlns:a="http://schemas.openxmlformats.org/drawingml/2006/main" xmlns:r="http://schemas.openxmlformats.org/officeDocument/2006/relationships" xmlns:p="http://schemas.openxmlformats.org/presentationml/2006/main">
+  <p:cSld>
+    <p:spTree>
+      <p:nvGrpSpPr>
+        <p:cNvPr id="1" name=""/>
+        <p:cNvGrpSpPr/>
+        <p:nvPr/>
+      </p:nvGrpSpPr>
+      <p:grpSpPr>
+        <a:xfrm>
+          <a:off x="0" y="0"/>
+          <a:ext cx="0" cy="0"/>
+          <a:chOff x="0" y="0"/>
+          <a:chExt cx="0" cy="0"/>
+        </a:xfrm>
+      </p:grpSpPr>
+      <p:sp>
+        <p:nvSpPr>
           <p:cNvPr id="2" name="Title 1">
             <a:extLst>
               <a:ext uri="{FF2B5EF4-FFF2-40B4-BE49-F238E27FC236}">
@@ -12769,7 +16240,7 @@
               <a:t> </a:t>
             </a:r>
             <a:r>
-              <a:rPr lang="en-US" altLang="zh-CN" sz="2000" dirty="0" err="1">
+              <a:rPr lang="en-US" altLang="zh-CN" sz="2000" dirty="0">
                 <a:solidFill>
                   <a:schemeClr val="bg2">
                     <a:lumMod val="50000"/>
@@ -12778,19 +16249,7 @@
                 <a:latin typeface="Times New Roman" panose="02020603050405020304" pitchFamily="18" charset="0"/>
                 <a:cs typeface="Times New Roman" panose="02020603050405020304" pitchFamily="18" charset="0"/>
               </a:rPr>
-              <a:t>deployment.apps</a:t>
-            </a:r>
-            <a:r>
-              <a:rPr lang="en-US" altLang="zh-CN" sz="2000" dirty="0">
-                <a:solidFill>
-                  <a:schemeClr val="bg2">
-                    <a:lumMod val="50000"/>
-                  </a:schemeClr>
-                </a:solidFill>
-                <a:latin typeface="Times New Roman" panose="02020603050405020304" pitchFamily="18" charset="0"/>
-                <a:cs typeface="Times New Roman" panose="02020603050405020304" pitchFamily="18" charset="0"/>
-              </a:rPr>
-              <a:t>/</a:t>
+              <a:t>deployment-</a:t>
             </a:r>
             <a:r>
               <a:rPr lang="en-US" altLang="zh-CN" sz="2000" dirty="0" err="1">
@@ -12805,7 +16264,7 @@
               <a:t>aaa</a:t>
             </a:r>
             <a:r>
-              <a:rPr lang="en-US" altLang="zh-CN" sz="2000" dirty="0">
+              <a:rPr lang="zh-CN" altLang="en-US" sz="2000" dirty="0">
                 <a:solidFill>
                   <a:schemeClr val="bg2">
                     <a:lumMod val="50000"/>
@@ -12814,10 +16273,8 @@
                 <a:latin typeface="Times New Roman" panose="02020603050405020304" pitchFamily="18" charset="0"/>
                 <a:cs typeface="Times New Roman" panose="02020603050405020304" pitchFamily="18" charset="0"/>
               </a:rPr>
-              <a:t> created</a:t>
-            </a:r>
-          </a:p>
-          <a:p>
+              <a:t> </a:t>
+            </a:r>
             <a:r>
               <a:rPr lang="en-US" altLang="zh-CN" sz="2000" dirty="0">
                 <a:solidFill>
@@ -12828,10 +16285,12 @@
                 <a:latin typeface="Times New Roman" panose="02020603050405020304" pitchFamily="18" charset="0"/>
                 <a:cs typeface="Times New Roman" panose="02020603050405020304" pitchFamily="18" charset="0"/>
               </a:rPr>
-              <a:t>     c1/c11: </a:t>
-            </a:r>
-            <a:r>
-              <a:rPr lang="en-US" altLang="zh-CN" sz="2000" dirty="0" err="1">
+              <a:t>3/3 3 3  4s</a:t>
+            </a:r>
+          </a:p>
+          <a:p>
+            <a:r>
+              <a:rPr lang="en-US" altLang="zh-CN" sz="2000" dirty="0">
                 <a:solidFill>
                   <a:schemeClr val="bg2">
                     <a:lumMod val="50000"/>
@@ -12840,19 +16299,7 @@
                 <a:latin typeface="Times New Roman" panose="02020603050405020304" pitchFamily="18" charset="0"/>
                 <a:cs typeface="Times New Roman" panose="02020603050405020304" pitchFamily="18" charset="0"/>
               </a:rPr>
-              <a:t>deployment.apps</a:t>
-            </a:r>
-            <a:r>
-              <a:rPr lang="en-US" altLang="zh-CN" sz="2000" dirty="0">
-                <a:solidFill>
-                  <a:schemeClr val="bg2">
-                    <a:lumMod val="50000"/>
-                  </a:schemeClr>
-                </a:solidFill>
-                <a:latin typeface="Times New Roman" panose="02020603050405020304" pitchFamily="18" charset="0"/>
-                <a:cs typeface="Times New Roman" panose="02020603050405020304" pitchFamily="18" charset="0"/>
-              </a:rPr>
-              <a:t>/</a:t>
+              <a:t>     c1/c11: deployment-</a:t>
             </a:r>
             <a:r>
               <a:rPr lang="en-US" altLang="zh-CN" sz="2000" dirty="0" err="1">
@@ -12867,7 +16314,7 @@
               <a:t>aaa</a:t>
             </a:r>
             <a:r>
-              <a:rPr lang="en-US" altLang="zh-CN" sz="2000" dirty="0">
+              <a:rPr lang="zh-CN" altLang="en-US" sz="2000" dirty="0">
                 <a:solidFill>
                   <a:schemeClr val="bg2">
                     <a:lumMod val="50000"/>
@@ -12876,10 +16323,8 @@
                 <a:latin typeface="Times New Roman" panose="02020603050405020304" pitchFamily="18" charset="0"/>
                 <a:cs typeface="Times New Roman" panose="02020603050405020304" pitchFamily="18" charset="0"/>
               </a:rPr>
-              <a:t> created</a:t>
-            </a:r>
-          </a:p>
-          <a:p>
+              <a:t> </a:t>
+            </a:r>
             <a:r>
               <a:rPr lang="en-US" altLang="zh-CN" sz="2000" dirty="0">
                 <a:solidFill>
@@ -12890,7 +16335,7 @@
                 <a:latin typeface="Times New Roman" panose="02020603050405020304" pitchFamily="18" charset="0"/>
                 <a:cs typeface="Times New Roman" panose="02020603050405020304" pitchFamily="18" charset="0"/>
               </a:rPr>
-              <a:t>     c1/c12: disconnected</a:t>
+              <a:t>3/3 3 3  4s</a:t>
             </a:r>
           </a:p>
           <a:p>
@@ -12904,31 +16349,7 @@
                 <a:latin typeface="Times New Roman" panose="02020603050405020304" pitchFamily="18" charset="0"/>
                 <a:cs typeface="Times New Roman" panose="02020603050405020304" pitchFamily="18" charset="0"/>
               </a:rPr>
-              <a:t>     c2: </a:t>
-            </a:r>
-            <a:r>
-              <a:rPr lang="en-US" altLang="zh-CN" sz="2000" dirty="0" err="1">
-                <a:solidFill>
-                  <a:schemeClr val="bg2">
-                    <a:lumMod val="50000"/>
-                  </a:schemeClr>
-                </a:solidFill>
-                <a:latin typeface="Times New Roman" panose="02020603050405020304" pitchFamily="18" charset="0"/>
-                <a:cs typeface="Times New Roman" panose="02020603050405020304" pitchFamily="18" charset="0"/>
-              </a:rPr>
-              <a:t>deployment.apps</a:t>
-            </a:r>
-            <a:r>
-              <a:rPr lang="en-US" altLang="zh-CN" sz="2000" dirty="0">
-                <a:solidFill>
-                  <a:schemeClr val="bg2">
-                    <a:lumMod val="50000"/>
-                  </a:schemeClr>
-                </a:solidFill>
-                <a:latin typeface="Times New Roman" panose="02020603050405020304" pitchFamily="18" charset="0"/>
-                <a:cs typeface="Times New Roman" panose="02020603050405020304" pitchFamily="18" charset="0"/>
-              </a:rPr>
-              <a:t>/</a:t>
+              <a:t>     c1/c12: deployment-</a:t>
             </a:r>
             <a:r>
               <a:rPr lang="en-US" altLang="zh-CN" sz="2000" dirty="0" err="1">
@@ -12943,7 +16364,7 @@
               <a:t>aaa</a:t>
             </a:r>
             <a:r>
-              <a:rPr lang="en-US" altLang="zh-CN" sz="2000" dirty="0">
+              <a:rPr lang="zh-CN" altLang="en-US" sz="2000" dirty="0">
                 <a:solidFill>
                   <a:schemeClr val="bg2">
                     <a:lumMod val="50000"/>
@@ -12952,7 +16373,33 @@
                 <a:latin typeface="Times New Roman" panose="02020603050405020304" pitchFamily="18" charset="0"/>
                 <a:cs typeface="Times New Roman" panose="02020603050405020304" pitchFamily="18" charset="0"/>
               </a:rPr>
-              <a:t> created</a:t>
+              <a:t> </a:t>
+            </a:r>
+            <a:r>
+              <a:rPr lang="en-US" altLang="zh-CN" sz="2000" dirty="0">
+                <a:solidFill>
+                  <a:schemeClr val="bg2">
+                    <a:lumMod val="50000"/>
+                  </a:schemeClr>
+                </a:solidFill>
+                <a:latin typeface="Times New Roman" panose="02020603050405020304" pitchFamily="18" charset="0"/>
+                <a:cs typeface="Times New Roman" panose="02020603050405020304" pitchFamily="18" charset="0"/>
+              </a:rPr>
+              <a:t>3/3 3 3  4s</a:t>
+            </a:r>
+          </a:p>
+          <a:p>
+            <a:r>
+              <a:rPr lang="en-US" altLang="zh-CN" sz="2000" dirty="0">
+                <a:solidFill>
+                  <a:schemeClr val="bg2">
+                    <a:lumMod val="50000"/>
+                  </a:schemeClr>
+                </a:solidFill>
+                <a:latin typeface="Times New Roman" panose="02020603050405020304" pitchFamily="18" charset="0"/>
+                <a:cs typeface="Times New Roman" panose="02020603050405020304" pitchFamily="18" charset="0"/>
+              </a:rPr>
+              <a:t>     c2: cluster disconnected</a:t>
             </a:r>
           </a:p>
           <a:p>
@@ -13014,7 +16461,7 @@
         <p:spPr>
           <a:xfrm>
             <a:off x="857715" y="1815823"/>
-            <a:ext cx="8915400" cy="3777622"/>
+            <a:ext cx="6320685" cy="3777622"/>
           </a:xfrm>
         </p:spPr>
         <p:txBody>
@@ -13085,7 +16532,7 @@
 </p:sld>
 </file>
 
-<file path=ppt/slides/slide6.xml><?xml version="1.0" encoding="utf-8"?>
+<file path=ppt/slides/slide8.xml><?xml version="1.0" encoding="utf-8"?>
 <p:sld xmlns:a="http://schemas.openxmlformats.org/drawingml/2006/main" xmlns:r="http://schemas.openxmlformats.org/officeDocument/2006/relationships" xmlns:p="http://schemas.openxmlformats.org/presentationml/2006/main">
   <p:cSld>
     <p:spTree>
@@ -13183,7 +16630,7 @@
         <p:spPr>
           <a:xfrm>
             <a:off x="613035" y="2480599"/>
-            <a:ext cx="4955425" cy="3477875"/>
+            <a:ext cx="4955425" cy="2862322"/>
           </a:xfrm>
           <a:prstGeom prst="rect">
             <a:avLst/>
@@ -13259,7 +16706,7 @@
                   </a:schemeClr>
                 </a:solidFill>
               </a:rPr>
-              <a:t>statusCheck</a:t>
+              <a:t>stateCheck</a:t>
             </a:r>
             <a:r>
               <a:rPr lang="en-US" altLang="zh-CN" sz="2000" dirty="0">
@@ -13343,8 +16790,6 @@
               </a:rPr>
               <a:t> –l”</a:t>
             </a:r>
-          </a:p>
-          <a:p>
             <a:r>
               <a:rPr lang="en-US" altLang="zh-CN" sz="2000" dirty="0">
                 <a:solidFill>
@@ -13353,19 +16798,7 @@
                   </a:schemeClr>
                 </a:solidFill>
               </a:rPr>
-              <a:t>        interval: 10</a:t>
-            </a:r>
-          </a:p>
-          <a:p>
-            <a:r>
-              <a:rPr lang="en-US" altLang="zh-CN" sz="2000" dirty="0">
-                <a:solidFill>
-                  <a:schemeClr val="accent6">
-                    <a:lumMod val="75000"/>
-                  </a:schemeClr>
-                </a:solidFill>
-              </a:rPr>
-              <a:t>     </a:t>
+              <a:t> </a:t>
             </a:r>
           </a:p>
           <a:p>
@@ -13597,557 +17030,6 @@
     <p:extLst>
       <p:ext uri="{BB962C8B-B14F-4D97-AF65-F5344CB8AC3E}">
         <p14:creationId xmlns:p14="http://schemas.microsoft.com/office/powerpoint/2010/main" val="2689024377"/>
-      </p:ext>
-    </p:extLst>
-  </p:cSld>
-  <p:clrMapOvr>
-    <a:masterClrMapping/>
-  </p:clrMapOvr>
-</p:sld>
-</file>
-
-<file path=ppt/slides/slide7.xml><?xml version="1.0" encoding="utf-8"?>
-<p:sld xmlns:a="http://schemas.openxmlformats.org/drawingml/2006/main" xmlns:r="http://schemas.openxmlformats.org/officeDocument/2006/relationships" xmlns:p="http://schemas.openxmlformats.org/presentationml/2006/main">
-  <p:cSld>
-    <p:spTree>
-      <p:nvGrpSpPr>
-        <p:cNvPr id="1" name=""/>
-        <p:cNvGrpSpPr/>
-        <p:nvPr/>
-      </p:nvGrpSpPr>
-      <p:grpSpPr>
-        <a:xfrm>
-          <a:off x="0" y="0"/>
-          <a:ext cx="0" cy="0"/>
-          <a:chOff x="0" y="0"/>
-          <a:chExt cx="0" cy="0"/>
-        </a:xfrm>
-      </p:grpSpPr>
-      <p:sp>
-        <p:nvSpPr>
-          <p:cNvPr id="2" name="Title 1">
-            <a:extLst>
-              <a:ext uri="{FF2B5EF4-FFF2-40B4-BE49-F238E27FC236}">
-                <a16:creationId xmlns:a16="http://schemas.microsoft.com/office/drawing/2014/main" id="{BB2E5B23-964D-4B08-A9D5-71D2ED05E6EA}"/>
-              </a:ext>
-            </a:extLst>
-          </p:cNvPr>
-          <p:cNvSpPr>
-            <a:spLocks noGrp="1"/>
-          </p:cNvSpPr>
-          <p:nvPr>
-            <p:ph type="title"/>
-          </p:nvPr>
-        </p:nvSpPr>
-        <p:spPr>
-          <a:xfrm>
-            <a:off x="1640156" y="481003"/>
-            <a:ext cx="8911687" cy="1280890"/>
-          </a:xfrm>
-        </p:spPr>
-        <p:txBody>
-          <a:bodyPr/>
-          <a:lstStyle/>
-          <a:p>
-            <a:r>
-              <a:rPr lang="en-US" dirty="0"/>
-              <a:t>Use Case III  : Comprehensive Data Collection </a:t>
-            </a:r>
-          </a:p>
-        </p:txBody>
-      </p:sp>
-      <p:sp>
-        <p:nvSpPr>
-          <p:cNvPr id="3" name="Content Placeholder 2">
-            <a:extLst>
-              <a:ext uri="{FF2B5EF4-FFF2-40B4-BE49-F238E27FC236}">
-                <a16:creationId xmlns:a16="http://schemas.microsoft.com/office/drawing/2014/main" id="{8123B493-B317-4B4A-AD8F-1AEB3A644939}"/>
-              </a:ext>
-            </a:extLst>
-          </p:cNvPr>
-          <p:cNvSpPr>
-            <a:spLocks noGrp="1"/>
-          </p:cNvSpPr>
-          <p:nvPr>
-            <p:ph idx="1"/>
-          </p:nvPr>
-        </p:nvSpPr>
-        <p:spPr>
-          <a:xfrm>
-            <a:off x="1935007" y="1761893"/>
-            <a:ext cx="8915400" cy="3777622"/>
-          </a:xfrm>
-        </p:spPr>
-        <p:txBody>
-          <a:bodyPr/>
-          <a:lstStyle/>
-          <a:p>
-            <a:r>
-              <a:rPr lang="en-US" dirty="0"/>
-              <a:t>Retrieve the Prometheus graphs of </a:t>
-            </a:r>
-            <a:r>
-              <a:rPr lang="en-US" dirty="0" err="1"/>
-              <a:t>ech</a:t>
-            </a:r>
-            <a:r>
-              <a:rPr lang="en-US" dirty="0"/>
-              <a:t> cluster daily</a:t>
-            </a:r>
-          </a:p>
-        </p:txBody>
-      </p:sp>
-      <p:sp>
-        <p:nvSpPr>
-          <p:cNvPr id="4" name="TextBox 3">
-            <a:extLst>
-              <a:ext uri="{FF2B5EF4-FFF2-40B4-BE49-F238E27FC236}">
-                <a16:creationId xmlns:a16="http://schemas.microsoft.com/office/drawing/2014/main" id="{6CC6C934-765C-4FFC-840A-8AE6A8FE9ED7}"/>
-              </a:ext>
-            </a:extLst>
-          </p:cNvPr>
-          <p:cNvSpPr txBox="1"/>
-          <p:nvPr/>
-        </p:nvSpPr>
-        <p:spPr>
-          <a:xfrm>
-            <a:off x="613035" y="2480599"/>
-            <a:ext cx="5199446" cy="3785652"/>
-          </a:xfrm>
-          <a:prstGeom prst="rect">
-            <a:avLst/>
-          </a:prstGeom>
-          <a:blipFill>
-            <a:blip r:embed="rId2"/>
-            <a:tile tx="0" ty="0" sx="100000" sy="100000" flip="none" algn="tl"/>
-          </a:blipFill>
-          <a:ln>
-            <a:solidFill>
-              <a:srgbClr val="002060"/>
-            </a:solidFill>
-          </a:ln>
-        </p:spPr>
-        <p:txBody>
-          <a:bodyPr wrap="square" rtlCol="0">
-            <a:spAutoFit/>
-          </a:bodyPr>
-          <a:lstStyle/>
-          <a:p>
-            <a:r>
-              <a:rPr lang="en-US" altLang="zh-CN" sz="2000" dirty="0"/>
-              <a:t>spec</a:t>
-            </a:r>
-            <a:r>
-              <a:rPr lang="zh-CN" altLang="en-US" sz="2000" dirty="0"/>
-              <a:t>：</a:t>
-            </a:r>
-            <a:endParaRPr lang="en-US" altLang="zh-CN" sz="2000" dirty="0"/>
-          </a:p>
-          <a:p>
-            <a:r>
-              <a:rPr lang="en-US" altLang="zh-CN" sz="2000" dirty="0"/>
-              <a:t>     # for ex: Prometheus based   </a:t>
-            </a:r>
-          </a:p>
-          <a:p>
-            <a:r>
-              <a:rPr lang="en-US" altLang="zh-CN" sz="2000" dirty="0"/>
-              <a:t>     content:</a:t>
-            </a:r>
-            <a:r>
-              <a:rPr lang="zh-CN" altLang="en-US" sz="2000" dirty="0"/>
-              <a:t> </a:t>
-            </a:r>
-            <a:r>
-              <a:rPr lang="en-US" altLang="zh-CN" sz="2000" dirty="0">
-                <a:solidFill>
-                  <a:schemeClr val="accent6">
-                    <a:lumMod val="75000"/>
-                  </a:schemeClr>
-                </a:solidFill>
-                <a:latin typeface="Times New Roman" panose="02020603050405020304" pitchFamily="18" charset="0"/>
-                <a:cs typeface="Times New Roman" panose="02020603050405020304" pitchFamily="18" charset="0"/>
-              </a:rPr>
-              <a:t>A </a:t>
-            </a:r>
-            <a:r>
-              <a:rPr lang="en-US" altLang="zh-CN" sz="2000" dirty="0" err="1">
-                <a:solidFill>
-                  <a:schemeClr val="accent6">
-                    <a:lumMod val="75000"/>
-                  </a:schemeClr>
-                </a:solidFill>
-                <a:latin typeface="Times New Roman" panose="02020603050405020304" pitchFamily="18" charset="0"/>
-                <a:cs typeface="Times New Roman" panose="02020603050405020304" pitchFamily="18" charset="0"/>
-              </a:rPr>
-              <a:t>cron_job</a:t>
-            </a:r>
-            <a:r>
-              <a:rPr lang="en-US" altLang="zh-CN" sz="2000" dirty="0">
-                <a:solidFill>
-                  <a:schemeClr val="accent6">
-                    <a:lumMod val="75000"/>
-                  </a:schemeClr>
-                </a:solidFill>
-                <a:latin typeface="Times New Roman" panose="02020603050405020304" pitchFamily="18" charset="0"/>
-                <a:cs typeface="Times New Roman" panose="02020603050405020304" pitchFamily="18" charset="0"/>
-              </a:rPr>
-              <a:t> to collect data, generate graphs</a:t>
-            </a:r>
-          </a:p>
-          <a:p>
-            <a:r>
-              <a:rPr lang="en-US" altLang="zh-CN" sz="2000" dirty="0">
-                <a:solidFill>
-                  <a:schemeClr val="accent6">
-                    <a:lumMod val="75000"/>
-                  </a:schemeClr>
-                </a:solidFill>
-              </a:rPr>
-              <a:t>     </a:t>
-            </a:r>
-            <a:r>
-              <a:rPr lang="en-US" altLang="zh-CN" sz="2000" dirty="0" err="1">
-                <a:solidFill>
-                  <a:schemeClr val="tx1">
-                    <a:lumMod val="95000"/>
-                    <a:lumOff val="5000"/>
-                  </a:schemeClr>
-                </a:solidFill>
-              </a:rPr>
-              <a:t>statusCheck</a:t>
-            </a:r>
-            <a:r>
-              <a:rPr lang="en-US" altLang="zh-CN" sz="2000" dirty="0">
-                <a:solidFill>
-                  <a:schemeClr val="tx1">
-                    <a:lumMod val="95000"/>
-                    <a:lumOff val="5000"/>
-                  </a:schemeClr>
-                </a:solidFill>
-              </a:rPr>
-              <a:t>:</a:t>
-            </a:r>
-          </a:p>
-          <a:p>
-            <a:r>
-              <a:rPr lang="en-US" altLang="zh-CN" sz="2000" dirty="0">
-                <a:solidFill>
-                  <a:schemeClr val="accent6">
-                    <a:lumMod val="75000"/>
-                  </a:schemeClr>
-                </a:solidFill>
-              </a:rPr>
-              <a:t>        </a:t>
-            </a:r>
-            <a:r>
-              <a:rPr lang="en-US" altLang="zh-CN" sz="2000" dirty="0">
-                <a:solidFill>
-                  <a:schemeClr val="tx1">
-                    <a:lumMod val="95000"/>
-                    <a:lumOff val="5000"/>
-                  </a:schemeClr>
-                </a:solidFill>
-              </a:rPr>
-              <a:t>command</a:t>
-            </a:r>
-            <a:r>
-              <a:rPr lang="en-US" altLang="zh-CN" sz="2000" dirty="0">
-                <a:solidFill>
-                  <a:schemeClr val="accent6">
-                    <a:lumMod val="75000"/>
-                  </a:schemeClr>
-                </a:solidFill>
-              </a:rPr>
-              <a:t>: </a:t>
-            </a:r>
-            <a:r>
-              <a:rPr lang="en-US" altLang="zh-CN" sz="2000" dirty="0">
-                <a:solidFill>
-                  <a:schemeClr val="accent6">
-                    <a:lumMod val="75000"/>
-                  </a:schemeClr>
-                </a:solidFill>
-                <a:latin typeface="Times New Roman" panose="02020603050405020304" pitchFamily="18" charset="0"/>
-                <a:cs typeface="Times New Roman" panose="02020603050405020304" pitchFamily="18" charset="0"/>
-              </a:rPr>
-              <a:t>cli to upload data/graph &amp; output the links to the uploaded</a:t>
-            </a:r>
-          </a:p>
-          <a:p>
-            <a:r>
-              <a:rPr lang="en-US" altLang="zh-CN" sz="2000" dirty="0">
-                <a:solidFill>
-                  <a:schemeClr val="accent6">
-                    <a:lumMod val="75000"/>
-                  </a:schemeClr>
-                </a:solidFill>
-              </a:rPr>
-              <a:t>        </a:t>
-            </a:r>
-            <a:r>
-              <a:rPr lang="en-US" altLang="zh-CN" sz="2000" dirty="0">
-                <a:solidFill>
-                  <a:schemeClr val="tx1">
-                    <a:lumMod val="95000"/>
-                    <a:lumOff val="5000"/>
-                  </a:schemeClr>
-                </a:solidFill>
-              </a:rPr>
-              <a:t>interval</a:t>
-            </a:r>
-            <a:r>
-              <a:rPr lang="en-US" altLang="zh-CN" sz="2000" dirty="0">
-                <a:solidFill>
-                  <a:schemeClr val="accent6">
-                    <a:lumMod val="75000"/>
-                  </a:schemeClr>
-                </a:solidFill>
-              </a:rPr>
-              <a:t>: 24hours </a:t>
-            </a:r>
-          </a:p>
-          <a:p>
-            <a:r>
-              <a:rPr lang="en-US" altLang="zh-CN" sz="2000" dirty="0">
-                <a:solidFill>
-                  <a:schemeClr val="accent6">
-                    <a:lumMod val="75000"/>
-                  </a:schemeClr>
-                </a:solidFill>
-              </a:rPr>
-              <a:t>     </a:t>
-            </a:r>
-          </a:p>
-          <a:p>
-            <a:r>
-              <a:rPr lang="en-US" altLang="zh-CN" sz="2000" dirty="0"/>
-              <a:t>    </a:t>
-            </a:r>
-          </a:p>
-          <a:p>
-            <a:r>
-              <a:rPr lang="en-US" altLang="zh-CN" sz="2000" dirty="0"/>
-              <a:t>     </a:t>
-            </a:r>
-          </a:p>
-          <a:p>
-            <a:r>
-              <a:rPr lang="en-US" sz="2000" dirty="0"/>
-              <a:t>   </a:t>
-            </a:r>
-          </a:p>
-        </p:txBody>
-      </p:sp>
-      <p:sp>
-        <p:nvSpPr>
-          <p:cNvPr id="5" name="TextBox 4">
-            <a:extLst>
-              <a:ext uri="{FF2B5EF4-FFF2-40B4-BE49-F238E27FC236}">
-                <a16:creationId xmlns:a16="http://schemas.microsoft.com/office/drawing/2014/main" id="{FDE050CA-FD7E-4371-BEFE-93E695A954CE}"/>
-              </a:ext>
-            </a:extLst>
-          </p:cNvPr>
-          <p:cNvSpPr txBox="1"/>
-          <p:nvPr/>
-        </p:nvSpPr>
-        <p:spPr>
-          <a:xfrm>
-            <a:off x="6980380" y="2634486"/>
-            <a:ext cx="4955426" cy="3170099"/>
-          </a:xfrm>
-          <a:prstGeom prst="rect">
-            <a:avLst/>
-          </a:prstGeom>
-          <a:blipFill>
-            <a:blip r:embed="rId3"/>
-            <a:tile tx="0" ty="0" sx="100000" sy="100000" flip="none" algn="tl"/>
-          </a:blipFill>
-          <a:ln>
-            <a:solidFill>
-              <a:srgbClr val="002060"/>
-            </a:solidFill>
-          </a:ln>
-        </p:spPr>
-        <p:txBody>
-          <a:bodyPr wrap="square" rtlCol="0">
-            <a:spAutoFit/>
-          </a:bodyPr>
-          <a:lstStyle/>
-          <a:p>
-            <a:r>
-              <a:rPr lang="en-US" altLang="zh-CN" sz="2000" dirty="0"/>
-              <a:t>Status</a:t>
-            </a:r>
-            <a:r>
-              <a:rPr lang="zh-CN" altLang="en-US" sz="2000" dirty="0"/>
-              <a:t>：</a:t>
-            </a:r>
-            <a:endParaRPr lang="en-US" altLang="zh-CN" sz="2000" dirty="0"/>
-          </a:p>
-          <a:p>
-            <a:r>
-              <a:rPr lang="en-US" altLang="zh-CN" sz="2000" dirty="0">
-                <a:solidFill>
-                  <a:schemeClr val="bg2">
-                    <a:lumMod val="50000"/>
-                  </a:schemeClr>
-                </a:solidFill>
-                <a:latin typeface="Times New Roman" panose="02020603050405020304" pitchFamily="18" charset="0"/>
-                <a:cs typeface="Times New Roman" panose="02020603050405020304" pitchFamily="18" charset="0"/>
-              </a:rPr>
-              <a:t>     c1:</a:t>
-            </a:r>
-            <a:r>
-              <a:rPr lang="zh-CN" altLang="en-US" sz="2000" dirty="0">
-                <a:solidFill>
-                  <a:schemeClr val="bg2">
-                    <a:lumMod val="50000"/>
-                  </a:schemeClr>
-                </a:solidFill>
-                <a:latin typeface="Times New Roman" panose="02020603050405020304" pitchFamily="18" charset="0"/>
-                <a:cs typeface="Times New Roman" panose="02020603050405020304" pitchFamily="18" charset="0"/>
-              </a:rPr>
-              <a:t> </a:t>
-            </a:r>
-            <a:r>
-              <a:rPr lang="en-US" altLang="zh-CN" sz="2000" dirty="0">
-                <a:solidFill>
-                  <a:schemeClr val="bg2">
-                    <a:lumMod val="50000"/>
-                  </a:schemeClr>
-                </a:solidFill>
-                <a:latin typeface="Times New Roman" panose="02020603050405020304" pitchFamily="18" charset="0"/>
-                <a:cs typeface="Times New Roman" panose="02020603050405020304" pitchFamily="18" charset="0"/>
-              </a:rPr>
-              <a:t>2021/05/15 data: https://....</a:t>
-            </a:r>
-          </a:p>
-          <a:p>
-            <a:r>
-              <a:rPr lang="en-US" altLang="zh-CN" sz="2000" dirty="0">
-                <a:solidFill>
-                  <a:schemeClr val="bg2">
-                    <a:lumMod val="50000"/>
-                  </a:schemeClr>
-                </a:solidFill>
-                <a:latin typeface="Times New Roman" panose="02020603050405020304" pitchFamily="18" charset="0"/>
-                <a:cs typeface="Times New Roman" panose="02020603050405020304" pitchFamily="18" charset="0"/>
-              </a:rPr>
-              <a:t>     c1/c11: 2021/05/15 data: https://....</a:t>
-            </a:r>
-          </a:p>
-          <a:p>
-            <a:r>
-              <a:rPr lang="en-US" altLang="zh-CN" sz="2000" dirty="0">
-                <a:solidFill>
-                  <a:schemeClr val="bg2">
-                    <a:lumMod val="50000"/>
-                  </a:schemeClr>
-                </a:solidFill>
-                <a:latin typeface="Times New Roman" panose="02020603050405020304" pitchFamily="18" charset="0"/>
-                <a:cs typeface="Times New Roman" panose="02020603050405020304" pitchFamily="18" charset="0"/>
-              </a:rPr>
-              <a:t>     c1/c12: disconnected</a:t>
-            </a:r>
-          </a:p>
-          <a:p>
-            <a:r>
-              <a:rPr lang="en-US" altLang="zh-CN" sz="2000" dirty="0">
-                <a:solidFill>
-                  <a:schemeClr val="bg2">
-                    <a:lumMod val="50000"/>
-                  </a:schemeClr>
-                </a:solidFill>
-                <a:latin typeface="Times New Roman" panose="02020603050405020304" pitchFamily="18" charset="0"/>
-                <a:cs typeface="Times New Roman" panose="02020603050405020304" pitchFamily="18" charset="0"/>
-              </a:rPr>
-              <a:t>     c2: 2021/05/15 data collected, not uploaded.</a:t>
-            </a:r>
-          </a:p>
-          <a:p>
-            <a:endParaRPr lang="en-US" altLang="zh-CN" sz="2000" dirty="0">
-              <a:solidFill>
-                <a:schemeClr val="bg2">
-                  <a:lumMod val="50000"/>
-                </a:schemeClr>
-              </a:solidFill>
-              <a:latin typeface="Times New Roman" panose="02020603050405020304" pitchFamily="18" charset="0"/>
-              <a:cs typeface="Times New Roman" panose="02020603050405020304" pitchFamily="18" charset="0"/>
-            </a:endParaRPr>
-          </a:p>
-          <a:p>
-            <a:endParaRPr lang="en-US" altLang="zh-CN" sz="2000" dirty="0">
-              <a:solidFill>
-                <a:schemeClr val="accent6">
-                  <a:lumMod val="75000"/>
-                </a:schemeClr>
-              </a:solidFill>
-            </a:endParaRPr>
-          </a:p>
-          <a:p>
-            <a:r>
-              <a:rPr lang="en-US" altLang="zh-CN" sz="2000" dirty="0"/>
-              <a:t>    </a:t>
-            </a:r>
-          </a:p>
-          <a:p>
-            <a:r>
-              <a:rPr lang="en-US" altLang="zh-CN" sz="2000" dirty="0"/>
-              <a:t>     </a:t>
-            </a:r>
-          </a:p>
-          <a:p>
-            <a:r>
-              <a:rPr lang="en-US" sz="2000" dirty="0"/>
-              <a:t>   </a:t>
-            </a:r>
-          </a:p>
-        </p:txBody>
-      </p:sp>
-      <p:pic>
-        <p:nvPicPr>
-          <p:cNvPr id="6" name="Graphic 5" descr="Arrow: Slight curve with solid fill">
-            <a:extLst>
-              <a:ext uri="{FF2B5EF4-FFF2-40B4-BE49-F238E27FC236}">
-                <a16:creationId xmlns:a16="http://schemas.microsoft.com/office/drawing/2014/main" id="{E969F128-47FB-4ADA-8C62-AACDCDFBBB70}"/>
-              </a:ext>
-            </a:extLst>
-          </p:cNvPr>
-          <p:cNvPicPr>
-            <a:picLocks noChangeAspect="1"/>
-          </p:cNvPicPr>
-          <p:nvPr/>
-        </p:nvPicPr>
-        <p:blipFill>
-          <a:blip r:embed="rId4">
-            <a:extLst>
-              <a:ext uri="{28A0092B-C50C-407E-A947-70E740481C1C}">
-                <a14:useLocalDpi xmlns:a14="http://schemas.microsoft.com/office/drawing/2010/main" val="0"/>
-              </a:ext>
-              <a:ext uri="{96DAC541-7B7A-43D3-8B79-37D633B846F1}">
-                <asvg:svgBlip xmlns:asvg="http://schemas.microsoft.com/office/drawing/2016/SVG/main" r:embed="rId5"/>
-              </a:ext>
-            </a:extLst>
-          </a:blip>
-          <a:stretch>
-            <a:fillRect/>
-          </a:stretch>
-        </p:blipFill>
-        <p:spPr>
-          <a:xfrm>
-            <a:off x="5812481" y="3889917"/>
-            <a:ext cx="914400" cy="914400"/>
-          </a:xfrm>
-          <a:prstGeom prst="rect">
-            <a:avLst/>
-          </a:prstGeom>
-        </p:spPr>
-      </p:pic>
-    </p:spTree>
-    <p:extLst>
-      <p:ext uri="{BB962C8B-B14F-4D97-AF65-F5344CB8AC3E}">
-        <p14:creationId xmlns:p14="http://schemas.microsoft.com/office/powerpoint/2010/main" val="1354230015"/>
       </p:ext>
     </p:extLst>
   </p:cSld>
@@ -14401,12 +17283,6 @@
 </file>
 
 <file path=customXml/item1.xml><?xml version="1.0" encoding="utf-8"?>
-<p:properties xmlns:p="http://schemas.microsoft.com/office/2006/metadata/properties" xmlns:xsi="http://www.w3.org/2001/XMLSchema-instance" xmlns:pc="http://schemas.microsoft.com/office/infopath/2007/PartnerControls">
-  <documentManagement/>
-</p:properties>
-</file>
-
-<file path=customXml/item2.xml><?xml version="1.0" encoding="utf-8"?>
 <?mso-contentType ?>
 <FormTemplates xmlns="http://schemas.microsoft.com/sharepoint/v3/contenttype/forms">
   <Display>DocumentLibraryForm</Display>
@@ -14415,7 +17291,7 @@
 </FormTemplates>
 </file>
 
-<file path=customXml/item3.xml><?xml version="1.0" encoding="utf-8"?>
+<file path=customXml/item2.xml><?xml version="1.0" encoding="utf-8"?>
 <ct:contentTypeSchema xmlns:ct="http://schemas.microsoft.com/office/2006/metadata/contentType" xmlns:ma="http://schemas.microsoft.com/office/2006/metadata/properties/metaAttributes" ct:_="" ma:_="" ma:contentTypeName="Document" ma:contentTypeID="0x010100DA26B58A8FAD4A4E85C1DCEF7CCFBBF2" ma:contentTypeVersion="5" ma:contentTypeDescription="Create a new document." ma:contentTypeScope="" ma:versionID="c95a2f4562dc267abbd37c5ac908d00e">
   <xsd:schema xmlns:xsd="http://www.w3.org/2001/XMLSchema" xmlns:xs="http://www.w3.org/2001/XMLSchema" xmlns:p="http://schemas.microsoft.com/office/2006/metadata/properties" xmlns:ns3="7409d301-a4cf-40a6-bfee-dbaca44f6b76" xmlns:ns4="bf34258b-9027-4758-8063-5917212122fb" targetNamespace="http://schemas.microsoft.com/office/2006/metadata/properties" ma:root="true" ma:fieldsID="0ef8f970ae9a58b6bcc8621e5f5c0ed0" ns3:_="" ns4:_="">
     <xsd:import namespace="7409d301-a4cf-40a6-bfee-dbaca44f6b76"/>
@@ -14586,24 +17462,13 @@
 </ct:contentTypeSchema>
 </file>
 
-<file path=customXml/itemProps1.xml><?xml version="1.0" encoding="utf-8"?>
-<ds:datastoreItem xmlns:ds="http://schemas.openxmlformats.org/officeDocument/2006/customXml" ds:itemID="{C2CAEEFA-990C-4BDA-AF5F-6E4AFA1675E7}">
-  <ds:schemaRefs>
-    <ds:schemaRef ds:uri="7409d301-a4cf-40a6-bfee-dbaca44f6b76"/>
-    <ds:schemaRef ds:uri="http://purl.org/dc/elements/1.1/"/>
-    <ds:schemaRef ds:uri="http://www.w3.org/XML/1998/namespace"/>
-    <ds:schemaRef ds:uri="http://purl.org/dc/dcmitype/"/>
-    <ds:schemaRef ds:uri="http://schemas.microsoft.com/office/2006/documentManagement/types"/>
-    <ds:schemaRef ds:uri="http://schemas.microsoft.com/office/infopath/2007/PartnerControls"/>
-    <ds:schemaRef ds:uri="http://schemas.openxmlformats.org/package/2006/metadata/core-properties"/>
-    <ds:schemaRef ds:uri="bf34258b-9027-4758-8063-5917212122fb"/>
-    <ds:schemaRef ds:uri="http://schemas.microsoft.com/office/2006/metadata/properties"/>
-    <ds:schemaRef ds:uri="http://purl.org/dc/terms/"/>
-  </ds:schemaRefs>
-</ds:datastoreItem>
+<file path=customXml/item3.xml><?xml version="1.0" encoding="utf-8"?>
+<p:properties xmlns:p="http://schemas.microsoft.com/office/2006/metadata/properties" xmlns:xsi="http://www.w3.org/2001/XMLSchema-instance" xmlns:pc="http://schemas.microsoft.com/office/infopath/2007/PartnerControls">
+  <documentManagement/>
+</p:properties>
 </file>
 
-<file path=customXml/itemProps2.xml><?xml version="1.0" encoding="utf-8"?>
+<file path=customXml/itemProps1.xml><?xml version="1.0" encoding="utf-8"?>
 <ds:datastoreItem xmlns:ds="http://schemas.openxmlformats.org/officeDocument/2006/customXml" ds:itemID="{10B0A2AD-4681-4522-B2A1-17DB3CA5D42C}">
   <ds:schemaRefs>
     <ds:schemaRef ds:uri="http://schemas.microsoft.com/sharepoint/v3/contenttype/forms"/>
@@ -14611,7 +17476,7 @@
 </ds:datastoreItem>
 </file>
 
-<file path=customXml/itemProps3.xml><?xml version="1.0" encoding="utf-8"?>
+<file path=customXml/itemProps2.xml><?xml version="1.0" encoding="utf-8"?>
 <ds:datastoreItem xmlns:ds="http://schemas.openxmlformats.org/officeDocument/2006/customXml" ds:itemID="{9EE6CA06-F19F-4E28-AEF1-30492104AFB9}">
   <ds:schemaRefs>
     <ds:schemaRef ds:uri="http://schemas.microsoft.com/office/2006/metadata/contentType"/>
@@ -14628,4 +17493,21 @@
     <ds:schemaRef ds:uri="http://schemas.microsoft.com/internal/obd"/>
   </ds:schemaRefs>
 </ds:datastoreItem>
+</file>
+
+<file path=customXml/itemProps3.xml><?xml version="1.0" encoding="utf-8"?>
+<ds:datastoreItem xmlns:ds="http://schemas.openxmlformats.org/officeDocument/2006/customXml" ds:itemID="{C2CAEEFA-990C-4BDA-AF5F-6E4AFA1675E7}">
+  <ds:schemaRefs>
+    <ds:schemaRef ds:uri="7409d301-a4cf-40a6-bfee-dbaca44f6b76"/>
+    <ds:schemaRef ds:uri="http://purl.org/dc/elements/1.1/"/>
+    <ds:schemaRef ds:uri="http://www.w3.org/XML/1998/namespace"/>
+    <ds:schemaRef ds:uri="http://purl.org/dc/dcmitype/"/>
+    <ds:schemaRef ds:uri="http://schemas.microsoft.com/office/2006/documentManagement/types"/>
+    <ds:schemaRef ds:uri="http://schemas.microsoft.com/office/infopath/2007/PartnerControls"/>
+    <ds:schemaRef ds:uri="http://schemas.openxmlformats.org/package/2006/metadata/core-properties"/>
+    <ds:schemaRef ds:uri="bf34258b-9027-4758-8063-5917212122fb"/>
+    <ds:schemaRef ds:uri="http://schemas.microsoft.com/office/2006/metadata/properties"/>
+    <ds:schemaRef ds:uri="http://purl.org/dc/terms/"/>
+  </ds:schemaRefs>
+</ds:datastoreItem>
 </file>
--- a/slides/extend_mission.pptx
+++ b/slides/extend_mission.pptx
@@ -327,7 +327,7 @@
           <a:p>
             <a:fld id="{2652C3B6-4770-45DA-B94A-89F7898D3BDA}" type="datetimeFigureOut">
               <a:rPr lang="en-US" smtClean="0"/>
-              <a:t>5/26/2021</a:t>
+              <a:t>5/27/2021</a:t>
             </a:fld>
             <a:endParaRPr lang="en-US"/>
           </a:p>
@@ -665,7 +665,7 @@
           <a:p>
             <a:fld id="{2652C3B6-4770-45DA-B94A-89F7898D3BDA}" type="datetimeFigureOut">
               <a:rPr lang="en-US" smtClean="0"/>
-              <a:t>5/26/2021</a:t>
+              <a:t>5/27/2021</a:t>
             </a:fld>
             <a:endParaRPr lang="en-US"/>
           </a:p>
@@ -1066,7 +1066,7 @@
           <a:p>
             <a:fld id="{2652C3B6-4770-45DA-B94A-89F7898D3BDA}" type="datetimeFigureOut">
               <a:rPr lang="en-US" smtClean="0"/>
-              <a:t>5/26/2021</a:t>
+              <a:t>5/27/2021</a:t>
             </a:fld>
             <a:endParaRPr lang="en-US"/>
           </a:p>
@@ -1402,7 +1402,7 @@
           <a:p>
             <a:fld id="{2652C3B6-4770-45DA-B94A-89F7898D3BDA}" type="datetimeFigureOut">
               <a:rPr lang="en-US" smtClean="0"/>
-              <a:t>5/26/2021</a:t>
+              <a:t>5/27/2021</a:t>
             </a:fld>
             <a:endParaRPr lang="en-US"/>
           </a:p>
@@ -1722,7 +1722,7 @@
           <a:p>
             <a:fld id="{2652C3B6-4770-45DA-B94A-89F7898D3BDA}" type="datetimeFigureOut">
               <a:rPr lang="en-US" smtClean="0"/>
-              <a:t>5/26/2021</a:t>
+              <a:t>5/27/2021</a:t>
             </a:fld>
             <a:endParaRPr lang="en-US"/>
           </a:p>
@@ -2118,7 +2118,7 @@
           <a:p>
             <a:fld id="{2652C3B6-4770-45DA-B94A-89F7898D3BDA}" type="datetimeFigureOut">
               <a:rPr lang="en-US" smtClean="0"/>
-              <a:t>5/26/2021</a:t>
+              <a:t>5/27/2021</a:t>
             </a:fld>
             <a:endParaRPr lang="en-US"/>
           </a:p>
@@ -2375,7 +2375,7 @@
           <a:p>
             <a:fld id="{2652C3B6-4770-45DA-B94A-89F7898D3BDA}" type="datetimeFigureOut">
               <a:rPr lang="en-US" smtClean="0"/>
-              <a:t>5/26/2021</a:t>
+              <a:t>5/27/2021</a:t>
             </a:fld>
             <a:endParaRPr lang="en-US"/>
           </a:p>
@@ -2637,7 +2637,7 @@
           <a:p>
             <a:fld id="{2652C3B6-4770-45DA-B94A-89F7898D3BDA}" type="datetimeFigureOut">
               <a:rPr lang="en-US" smtClean="0"/>
-              <a:t>5/26/2021</a:t>
+              <a:t>5/27/2021</a:t>
             </a:fld>
             <a:endParaRPr lang="en-US"/>
           </a:p>
@@ -2899,7 +2899,7 @@
           <a:p>
             <a:fld id="{2652C3B6-4770-45DA-B94A-89F7898D3BDA}" type="datetimeFigureOut">
               <a:rPr lang="en-US" smtClean="0"/>
-              <a:t>5/26/2021</a:t>
+              <a:t>5/27/2021</a:t>
             </a:fld>
             <a:endParaRPr lang="en-US"/>
           </a:p>
@@ -3228,7 +3228,7 @@
           <a:p>
             <a:fld id="{2652C3B6-4770-45DA-B94A-89F7898D3BDA}" type="datetimeFigureOut">
               <a:rPr lang="en-US" smtClean="0"/>
-              <a:t>5/26/2021</a:t>
+              <a:t>5/27/2021</a:t>
             </a:fld>
             <a:endParaRPr lang="en-US"/>
           </a:p>
@@ -3551,7 +3551,7 @@
           <a:p>
             <a:fld id="{2652C3B6-4770-45DA-B94A-89F7898D3BDA}" type="datetimeFigureOut">
               <a:rPr lang="en-US" smtClean="0"/>
-              <a:t>5/26/2021</a:t>
+              <a:t>5/27/2021</a:t>
             </a:fld>
             <a:endParaRPr lang="en-US"/>
           </a:p>
@@ -4008,7 +4008,7 @@
           <a:p>
             <a:fld id="{2652C3B6-4770-45DA-B94A-89F7898D3BDA}" type="datetimeFigureOut">
               <a:rPr lang="en-US" smtClean="0"/>
-              <a:t>5/26/2021</a:t>
+              <a:t>5/27/2021</a:t>
             </a:fld>
             <a:endParaRPr lang="en-US"/>
           </a:p>
@@ -4213,7 +4213,7 @@
           <a:p>
             <a:fld id="{2652C3B6-4770-45DA-B94A-89F7898D3BDA}" type="datetimeFigureOut">
               <a:rPr lang="en-US" smtClean="0"/>
-              <a:t>5/26/2021</a:t>
+              <a:t>5/27/2021</a:t>
             </a:fld>
             <a:endParaRPr lang="en-US"/>
           </a:p>
@@ -4390,7 +4390,7 @@
           <a:p>
             <a:fld id="{2652C3B6-4770-45DA-B94A-89F7898D3BDA}" type="datetimeFigureOut">
               <a:rPr lang="en-US" smtClean="0"/>
-              <a:t>5/26/2021</a:t>
+              <a:t>5/27/2021</a:t>
             </a:fld>
             <a:endParaRPr lang="en-US"/>
           </a:p>
@@ -4723,7 +4723,7 @@
           <a:p>
             <a:fld id="{2652C3B6-4770-45DA-B94A-89F7898D3BDA}" type="datetimeFigureOut">
               <a:rPr lang="en-US" smtClean="0"/>
-              <a:t>5/26/2021</a:t>
+              <a:t>5/27/2021</a:t>
             </a:fld>
             <a:endParaRPr lang="en-US"/>
           </a:p>
@@ -5068,7 +5068,7 @@
           <a:p>
             <a:fld id="{2652C3B6-4770-45DA-B94A-89F7898D3BDA}" type="datetimeFigureOut">
               <a:rPr lang="en-US" smtClean="0"/>
-              <a:t>5/26/2021</a:t>
+              <a:t>5/27/2021</a:t>
             </a:fld>
             <a:endParaRPr lang="en-US"/>
           </a:p>
@@ -7185,7 +7185,7 @@
           <a:p>
             <a:fld id="{2652C3B6-4770-45DA-B94A-89F7898D3BDA}" type="datetimeFigureOut">
               <a:rPr lang="en-US" smtClean="0"/>
-              <a:t>5/26/2021</a:t>
+              <a:t>5/27/2021</a:t>
             </a:fld>
             <a:endParaRPr lang="en-US"/>
           </a:p>
@@ -9421,15 +9421,7 @@
             </a:r>
             <a:r>
               <a:rPr lang="en-US" dirty="0"/>
-              <a:t>. It Periodically check the </a:t>
-            </a:r>
-            <a:r>
-              <a:rPr lang="en-US" dirty="0" err="1"/>
-              <a:t>heartbet</a:t>
-            </a:r>
-            <a:r>
-              <a:rPr lang="en-US" dirty="0"/>
-              <a:t> of underlying </a:t>
+              <a:t>. It Periodically check the heartbeat of underlying </a:t>
             </a:r>
             <a:r>
               <a:rPr lang="en-US" dirty="0" err="1"/>
@@ -9552,7 +9544,7 @@
                   <a:srgbClr val="C00000"/>
                 </a:solidFill>
               </a:rPr>
-              <a:t>Aggregate Status :</a:t>
+              <a:t>Aggregate State :</a:t>
             </a:r>
             <a:br>
               <a:rPr lang="en-US" dirty="0"/>
@@ -9665,15 +9657,7 @@
           <a:p>
             <a:r>
               <a:rPr lang="en-US" dirty="0"/>
-              <a:t>Update the </a:t>
-            </a:r>
-            <a:r>
-              <a:rPr lang="en-US"/>
-              <a:t>mission state </a:t>
-            </a:r>
-            <a:r>
-              <a:rPr lang="en-US" dirty="0"/>
-              <a:t>to its upper layer </a:t>
+              <a:t>Update the mission state to its upper layer </a:t>
             </a:r>
           </a:p>
           <a:p>
@@ -17283,12 +17267,9 @@
 </file>
 
 <file path=customXml/item1.xml><?xml version="1.0" encoding="utf-8"?>
-<?mso-contentType ?>
-<FormTemplates xmlns="http://schemas.microsoft.com/sharepoint/v3/contenttype/forms">
-  <Display>DocumentLibraryForm</Display>
-  <Edit>DocumentLibraryForm</Edit>
-  <New>DocumentLibraryForm</New>
-</FormTemplates>
+<p:properties xmlns:p="http://schemas.microsoft.com/office/2006/metadata/properties" xmlns:xsi="http://www.w3.org/2001/XMLSchema-instance" xmlns:pc="http://schemas.microsoft.com/office/infopath/2007/PartnerControls">
+  <documentManagement/>
+</p:properties>
 </file>
 
 <file path=customXml/item2.xml><?xml version="1.0" encoding="utf-8"?>
@@ -17463,15 +17444,27 @@
 </file>
 
 <file path=customXml/item3.xml><?xml version="1.0" encoding="utf-8"?>
-<p:properties xmlns:p="http://schemas.microsoft.com/office/2006/metadata/properties" xmlns:xsi="http://www.w3.org/2001/XMLSchema-instance" xmlns:pc="http://schemas.microsoft.com/office/infopath/2007/PartnerControls">
-  <documentManagement/>
-</p:properties>
+<?mso-contentType ?>
+<FormTemplates xmlns="http://schemas.microsoft.com/sharepoint/v3/contenttype/forms">
+  <Display>DocumentLibraryForm</Display>
+  <Edit>DocumentLibraryForm</Edit>
+  <New>DocumentLibraryForm</New>
+</FormTemplates>
 </file>
 
 <file path=customXml/itemProps1.xml><?xml version="1.0" encoding="utf-8"?>
-<ds:datastoreItem xmlns:ds="http://schemas.openxmlformats.org/officeDocument/2006/customXml" ds:itemID="{10B0A2AD-4681-4522-B2A1-17DB3CA5D42C}">
+<ds:datastoreItem xmlns:ds="http://schemas.openxmlformats.org/officeDocument/2006/customXml" ds:itemID="{C2CAEEFA-990C-4BDA-AF5F-6E4AFA1675E7}">
   <ds:schemaRefs>
-    <ds:schemaRef ds:uri="http://schemas.microsoft.com/sharepoint/v3/contenttype/forms"/>
+    <ds:schemaRef ds:uri="7409d301-a4cf-40a6-bfee-dbaca44f6b76"/>
+    <ds:schemaRef ds:uri="http://purl.org/dc/elements/1.1/"/>
+    <ds:schemaRef ds:uri="http://www.w3.org/XML/1998/namespace"/>
+    <ds:schemaRef ds:uri="http://purl.org/dc/dcmitype/"/>
+    <ds:schemaRef ds:uri="http://schemas.microsoft.com/office/2006/documentManagement/types"/>
+    <ds:schemaRef ds:uri="http://schemas.microsoft.com/office/infopath/2007/PartnerControls"/>
+    <ds:schemaRef ds:uri="http://schemas.openxmlformats.org/package/2006/metadata/core-properties"/>
+    <ds:schemaRef ds:uri="bf34258b-9027-4758-8063-5917212122fb"/>
+    <ds:schemaRef ds:uri="http://schemas.microsoft.com/office/2006/metadata/properties"/>
+    <ds:schemaRef ds:uri="http://purl.org/dc/terms/"/>
   </ds:schemaRefs>
 </ds:datastoreItem>
 </file>
@@ -17496,18 +17489,9 @@
 </file>
 
 <file path=customXml/itemProps3.xml><?xml version="1.0" encoding="utf-8"?>
-<ds:datastoreItem xmlns:ds="http://schemas.openxmlformats.org/officeDocument/2006/customXml" ds:itemID="{C2CAEEFA-990C-4BDA-AF5F-6E4AFA1675E7}">
+<ds:datastoreItem xmlns:ds="http://schemas.openxmlformats.org/officeDocument/2006/customXml" ds:itemID="{10B0A2AD-4681-4522-B2A1-17DB3CA5D42C}">
   <ds:schemaRefs>
-    <ds:schemaRef ds:uri="7409d301-a4cf-40a6-bfee-dbaca44f6b76"/>
-    <ds:schemaRef ds:uri="http://purl.org/dc/elements/1.1/"/>
-    <ds:schemaRef ds:uri="http://www.w3.org/XML/1998/namespace"/>
-    <ds:schemaRef ds:uri="http://purl.org/dc/dcmitype/"/>
-    <ds:schemaRef ds:uri="http://schemas.microsoft.com/office/2006/documentManagement/types"/>
-    <ds:schemaRef ds:uri="http://schemas.microsoft.com/office/infopath/2007/PartnerControls"/>
-    <ds:schemaRef ds:uri="http://schemas.openxmlformats.org/package/2006/metadata/core-properties"/>
-    <ds:schemaRef ds:uri="bf34258b-9027-4758-8063-5917212122fb"/>
-    <ds:schemaRef ds:uri="http://schemas.microsoft.com/office/2006/metadata/properties"/>
-    <ds:schemaRef ds:uri="http://purl.org/dc/terms/"/>
+    <ds:schemaRef ds:uri="http://schemas.microsoft.com/sharepoint/v3/contenttype/forms"/>
   </ds:schemaRefs>
 </ds:datastoreItem>
 </file>